--- a/Bootcamp/react/react.pptx
+++ b/Bootcamp/react/react.pptx
@@ -5,7 +5,7 @@
     <p:sldMasterId id="2147483648" r:id="rId4"/>
   </p:sldMasterIdLst>
   <p:notesMasterIdLst>
-    <p:notesMasterId r:id="rId18"/>
+    <p:notesMasterId r:id="rId24"/>
   </p:notesMasterIdLst>
   <p:sldIdLst>
     <p:sldId id="282" r:id="rId5"/>
@@ -20,7 +20,13 @@
     <p:sldId id="387" r:id="rId14"/>
     <p:sldId id="388" r:id="rId15"/>
     <p:sldId id="389" r:id="rId16"/>
-    <p:sldId id="381" r:id="rId17"/>
+    <p:sldId id="390" r:id="rId17"/>
+    <p:sldId id="391" r:id="rId18"/>
+    <p:sldId id="392" r:id="rId19"/>
+    <p:sldId id="393" r:id="rId20"/>
+    <p:sldId id="394" r:id="rId21"/>
+    <p:sldId id="395" r:id="rId22"/>
+    <p:sldId id="381" r:id="rId23"/>
   </p:sldIdLst>
   <p:sldSz cx="12192000" cy="6858000"/>
   <p:notesSz cx="6858000" cy="9144000"/>
@@ -140,6 +146,12 @@
             <p14:sldId id="387"/>
             <p14:sldId id="388"/>
             <p14:sldId id="389"/>
+            <p14:sldId id="390"/>
+            <p14:sldId id="391"/>
+            <p14:sldId id="392"/>
+            <p14:sldId id="393"/>
+            <p14:sldId id="394"/>
+            <p14:sldId id="395"/>
             <p14:sldId id="381"/>
           </p14:sldIdLst>
         </p14:section>
@@ -245,7 +257,7 @@
           <a:p>
             <a:fld id="{B2A70591-2E3C-5F42-A4E1-C0F5A0F4E5DB}" type="datetimeFigureOut">
               <a:rPr lang="en-US" smtClean="0"/>
-              <a:t>3/27/2025</a:t>
+              <a:t>3/31/2025</a:t>
             </a:fld>
             <a:endParaRPr lang="en-US"/>
           </a:p>
@@ -960,6 +972,806 @@
   <p:cSld>
     <p:spTree>
       <p:nvGrpSpPr>
+        <p:cNvPr id="1" name="">
+          <a:extLst>
+            <a:ext uri="{FF2B5EF4-FFF2-40B4-BE49-F238E27FC236}">
+              <a16:creationId xmlns:a16="http://schemas.microsoft.com/office/drawing/2014/main" id="{A3BD4C76-D1AB-5953-26D3-7DC51C886D2D}"/>
+            </a:ext>
+          </a:extLst>
+        </p:cNvPr>
+        <p:cNvGrpSpPr/>
+        <p:nvPr/>
+      </p:nvGrpSpPr>
+      <p:grpSpPr>
+        <a:xfrm>
+          <a:off x="0" y="0"/>
+          <a:ext cx="0" cy="0"/>
+          <a:chOff x="0" y="0"/>
+          <a:chExt cx="0" cy="0"/>
+        </a:xfrm>
+      </p:grpSpPr>
+      <p:sp>
+        <p:nvSpPr>
+          <p:cNvPr id="2" name="Slide Image Placeholder 1">
+            <a:extLst>
+              <a:ext uri="{FF2B5EF4-FFF2-40B4-BE49-F238E27FC236}">
+                <a16:creationId xmlns:a16="http://schemas.microsoft.com/office/drawing/2014/main" id="{1212EB87-2FB9-C4E1-5A48-AAA5A5D1B03B}"/>
+              </a:ext>
+            </a:extLst>
+          </p:cNvPr>
+          <p:cNvSpPr>
+            <a:spLocks noGrp="1" noRot="1" noChangeAspect="1"/>
+          </p:cNvSpPr>
+          <p:nvPr>
+            <p:ph type="sldImg"/>
+          </p:nvPr>
+        </p:nvSpPr>
+        <p:spPr/>
+      </p:sp>
+      <p:sp>
+        <p:nvSpPr>
+          <p:cNvPr id="3" name="Notes Placeholder 2">
+            <a:extLst>
+              <a:ext uri="{FF2B5EF4-FFF2-40B4-BE49-F238E27FC236}">
+                <a16:creationId xmlns:a16="http://schemas.microsoft.com/office/drawing/2014/main" id="{486CEACA-E645-F8C8-2B33-5634F1DF6BA9}"/>
+              </a:ext>
+            </a:extLst>
+          </p:cNvPr>
+          <p:cNvSpPr>
+            <a:spLocks noGrp="1"/>
+          </p:cNvSpPr>
+          <p:nvPr>
+            <p:ph type="body" idx="1"/>
+          </p:nvPr>
+        </p:nvSpPr>
+        <p:spPr/>
+        <p:txBody>
+          <a:bodyPr/>
+          <a:lstStyle/>
+          <a:p>
+            <a:r>
+              <a:rPr lang="hr-HR" dirty="0"/>
+              <a:t>https://github.com/airbnb/javascript/tree/master/react</a:t>
+            </a:r>
+            <a:r>
+              <a:rPr lang="en-US" dirty="0"/>
+              <a:t> – </a:t>
+            </a:r>
+            <a:r>
+              <a:rPr lang="en-US" dirty="0" err="1"/>
+              <a:t>dokumentacija</a:t>
+            </a:r>
+            <a:r>
+              <a:rPr lang="en-US" dirty="0"/>
+              <a:t>, </a:t>
+            </a:r>
+            <a:r>
+              <a:rPr lang="en-US" dirty="0" err="1"/>
+              <a:t>jako</a:t>
+            </a:r>
+            <a:r>
+              <a:rPr lang="en-US" dirty="0"/>
+              <a:t> </a:t>
+            </a:r>
+            <a:r>
+              <a:rPr lang="en-US" dirty="0" err="1"/>
+              <a:t>vazno</a:t>
+            </a:r>
+            <a:r>
+              <a:rPr lang="en-US" dirty="0"/>
+              <a:t>!!</a:t>
+            </a:r>
+            <a:endParaRPr lang="hr-HR" dirty="0"/>
+          </a:p>
+        </p:txBody>
+      </p:sp>
+      <p:sp>
+        <p:nvSpPr>
+          <p:cNvPr id="4" name="Slide Number Placeholder 3">
+            <a:extLst>
+              <a:ext uri="{FF2B5EF4-FFF2-40B4-BE49-F238E27FC236}">
+                <a16:creationId xmlns:a16="http://schemas.microsoft.com/office/drawing/2014/main" id="{6A0960BD-5707-657A-1CD9-A8647809967E}"/>
+              </a:ext>
+            </a:extLst>
+          </p:cNvPr>
+          <p:cNvSpPr>
+            <a:spLocks noGrp="1"/>
+          </p:cNvSpPr>
+          <p:nvPr>
+            <p:ph type="sldNum" sz="quarter" idx="5"/>
+          </p:nvPr>
+        </p:nvSpPr>
+        <p:spPr/>
+        <p:txBody>
+          <a:bodyPr/>
+          <a:lstStyle/>
+          <a:p>
+            <a:fld id="{343B951A-A665-1949-AEDB-B62DC9BE7F13}" type="slidenum">
+              <a:rPr lang="en-US" smtClean="0"/>
+              <a:t>13</a:t>
+            </a:fld>
+            <a:endParaRPr lang="en-US"/>
+          </a:p>
+        </p:txBody>
+      </p:sp>
+    </p:spTree>
+    <p:extLst>
+      <p:ext uri="{BB962C8B-B14F-4D97-AF65-F5344CB8AC3E}">
+        <p14:creationId xmlns:p14="http://schemas.microsoft.com/office/powerpoint/2010/main" val="2899499017"/>
+      </p:ext>
+    </p:extLst>
+  </p:cSld>
+  <p:clrMapOvr>
+    <a:masterClrMapping/>
+  </p:clrMapOvr>
+</p:notes>
+</file>
+
+<file path=ppt/notesSlides/notesSlide13.xml><?xml version="1.0" encoding="utf-8"?>
+<p:notes xmlns:a="http://schemas.openxmlformats.org/drawingml/2006/main" xmlns:r="http://schemas.openxmlformats.org/officeDocument/2006/relationships" xmlns:p="http://schemas.openxmlformats.org/presentationml/2006/main">
+  <p:cSld>
+    <p:spTree>
+      <p:nvGrpSpPr>
+        <p:cNvPr id="1" name="">
+          <a:extLst>
+            <a:ext uri="{FF2B5EF4-FFF2-40B4-BE49-F238E27FC236}">
+              <a16:creationId xmlns:a16="http://schemas.microsoft.com/office/drawing/2014/main" id="{92DDDB71-9475-DAA2-E940-70C3D3DB3FF8}"/>
+            </a:ext>
+          </a:extLst>
+        </p:cNvPr>
+        <p:cNvGrpSpPr/>
+        <p:nvPr/>
+      </p:nvGrpSpPr>
+      <p:grpSpPr>
+        <a:xfrm>
+          <a:off x="0" y="0"/>
+          <a:ext cx="0" cy="0"/>
+          <a:chOff x="0" y="0"/>
+          <a:chExt cx="0" cy="0"/>
+        </a:xfrm>
+      </p:grpSpPr>
+      <p:sp>
+        <p:nvSpPr>
+          <p:cNvPr id="2" name="Slide Image Placeholder 1">
+            <a:extLst>
+              <a:ext uri="{FF2B5EF4-FFF2-40B4-BE49-F238E27FC236}">
+                <a16:creationId xmlns:a16="http://schemas.microsoft.com/office/drawing/2014/main" id="{0009A768-CF5C-D0D0-659E-8464BBC2B8D3}"/>
+              </a:ext>
+            </a:extLst>
+          </p:cNvPr>
+          <p:cNvSpPr>
+            <a:spLocks noGrp="1" noRot="1" noChangeAspect="1"/>
+          </p:cNvSpPr>
+          <p:nvPr>
+            <p:ph type="sldImg"/>
+          </p:nvPr>
+        </p:nvSpPr>
+        <p:spPr/>
+      </p:sp>
+      <p:sp>
+        <p:nvSpPr>
+          <p:cNvPr id="3" name="Notes Placeholder 2">
+            <a:extLst>
+              <a:ext uri="{FF2B5EF4-FFF2-40B4-BE49-F238E27FC236}">
+                <a16:creationId xmlns:a16="http://schemas.microsoft.com/office/drawing/2014/main" id="{3B1816C6-7FB9-C5E2-16C4-3CB46DC83E6F}"/>
+              </a:ext>
+            </a:extLst>
+          </p:cNvPr>
+          <p:cNvSpPr>
+            <a:spLocks noGrp="1"/>
+          </p:cNvSpPr>
+          <p:nvPr>
+            <p:ph type="body" idx="1"/>
+          </p:nvPr>
+        </p:nvSpPr>
+        <p:spPr/>
+        <p:txBody>
+          <a:bodyPr/>
+          <a:lstStyle/>
+          <a:p>
+            <a:r>
+              <a:rPr lang="hr-HR" dirty="0"/>
+              <a:t>https://picsum.photos/</a:t>
+            </a:r>
+            <a:br>
+              <a:rPr lang="en-US" dirty="0"/>
+            </a:br>
+            <a:br>
+              <a:rPr lang="en-US" dirty="0"/>
+            </a:br>
+            <a:r>
+              <a:rPr lang="en-US" dirty="0"/>
+              <a:t>https://codesandbox.io/p/sandbox/favorite-food-tlc8vw</a:t>
+            </a:r>
+            <a:endParaRPr lang="hr-HR" dirty="0"/>
+          </a:p>
+        </p:txBody>
+      </p:sp>
+      <p:sp>
+        <p:nvSpPr>
+          <p:cNvPr id="4" name="Slide Number Placeholder 3">
+            <a:extLst>
+              <a:ext uri="{FF2B5EF4-FFF2-40B4-BE49-F238E27FC236}">
+                <a16:creationId xmlns:a16="http://schemas.microsoft.com/office/drawing/2014/main" id="{7235AC9A-08D1-33BE-42B1-5F45D995FD5C}"/>
+              </a:ext>
+            </a:extLst>
+          </p:cNvPr>
+          <p:cNvSpPr>
+            <a:spLocks noGrp="1"/>
+          </p:cNvSpPr>
+          <p:nvPr>
+            <p:ph type="sldNum" sz="quarter" idx="5"/>
+          </p:nvPr>
+        </p:nvSpPr>
+        <p:spPr/>
+        <p:txBody>
+          <a:bodyPr/>
+          <a:lstStyle/>
+          <a:p>
+            <a:fld id="{343B951A-A665-1949-AEDB-B62DC9BE7F13}" type="slidenum">
+              <a:rPr lang="en-US" smtClean="0"/>
+              <a:t>14</a:t>
+            </a:fld>
+            <a:endParaRPr lang="en-US"/>
+          </a:p>
+        </p:txBody>
+      </p:sp>
+    </p:spTree>
+    <p:extLst>
+      <p:ext uri="{BB962C8B-B14F-4D97-AF65-F5344CB8AC3E}">
+        <p14:creationId xmlns:p14="http://schemas.microsoft.com/office/powerpoint/2010/main" val="78197366"/>
+      </p:ext>
+    </p:extLst>
+  </p:cSld>
+  <p:clrMapOvr>
+    <a:masterClrMapping/>
+  </p:clrMapOvr>
+</p:notes>
+</file>
+
+<file path=ppt/notesSlides/notesSlide14.xml><?xml version="1.0" encoding="utf-8"?>
+<p:notes xmlns:a="http://schemas.openxmlformats.org/drawingml/2006/main" xmlns:r="http://schemas.openxmlformats.org/officeDocument/2006/relationships" xmlns:p="http://schemas.openxmlformats.org/presentationml/2006/main">
+  <p:cSld>
+    <p:spTree>
+      <p:nvGrpSpPr>
+        <p:cNvPr id="1" name="">
+          <a:extLst>
+            <a:ext uri="{FF2B5EF4-FFF2-40B4-BE49-F238E27FC236}">
+              <a16:creationId xmlns:a16="http://schemas.microsoft.com/office/drawing/2014/main" id="{2015665F-592E-CBFB-8314-2DE2255FB06D}"/>
+            </a:ext>
+          </a:extLst>
+        </p:cNvPr>
+        <p:cNvGrpSpPr/>
+        <p:nvPr/>
+      </p:nvGrpSpPr>
+      <p:grpSpPr>
+        <a:xfrm>
+          <a:off x="0" y="0"/>
+          <a:ext cx="0" cy="0"/>
+          <a:chOff x="0" y="0"/>
+          <a:chExt cx="0" cy="0"/>
+        </a:xfrm>
+      </p:grpSpPr>
+      <p:sp>
+        <p:nvSpPr>
+          <p:cNvPr id="2" name="Slide Image Placeholder 1">
+            <a:extLst>
+              <a:ext uri="{FF2B5EF4-FFF2-40B4-BE49-F238E27FC236}">
+                <a16:creationId xmlns:a16="http://schemas.microsoft.com/office/drawing/2014/main" id="{84BB6C87-1CAE-55CC-82E5-77C8E10AF9C6}"/>
+              </a:ext>
+            </a:extLst>
+          </p:cNvPr>
+          <p:cNvSpPr>
+            <a:spLocks noGrp="1" noRot="1" noChangeAspect="1"/>
+          </p:cNvSpPr>
+          <p:nvPr>
+            <p:ph type="sldImg"/>
+          </p:nvPr>
+        </p:nvSpPr>
+        <p:spPr/>
+      </p:sp>
+      <p:sp>
+        <p:nvSpPr>
+          <p:cNvPr id="3" name="Notes Placeholder 2">
+            <a:extLst>
+              <a:ext uri="{FF2B5EF4-FFF2-40B4-BE49-F238E27FC236}">
+                <a16:creationId xmlns:a16="http://schemas.microsoft.com/office/drawing/2014/main" id="{F1C6BB1F-A8AD-17F9-BC48-9F76CE987341}"/>
+              </a:ext>
+            </a:extLst>
+          </p:cNvPr>
+          <p:cNvSpPr>
+            <a:spLocks noGrp="1"/>
+          </p:cNvSpPr>
+          <p:nvPr>
+            <p:ph type="body" idx="1"/>
+          </p:nvPr>
+        </p:nvSpPr>
+        <p:spPr/>
+        <p:txBody>
+          <a:bodyPr/>
+          <a:lstStyle/>
+          <a:p>
+            <a:r>
+              <a:rPr lang="hr-HR" dirty="0"/>
+              <a:t>https://github.com/airbnb/javascript/tree/master/react</a:t>
+            </a:r>
+            <a:r>
+              <a:rPr lang="en-US" dirty="0"/>
+              <a:t> – </a:t>
+            </a:r>
+            <a:r>
+              <a:rPr lang="en-US" dirty="0" err="1"/>
+              <a:t>dokumentacija</a:t>
+            </a:r>
+            <a:r>
+              <a:rPr lang="en-US" dirty="0"/>
+              <a:t>, </a:t>
+            </a:r>
+            <a:r>
+              <a:rPr lang="en-US" dirty="0" err="1"/>
+              <a:t>jako</a:t>
+            </a:r>
+            <a:r>
+              <a:rPr lang="en-US" dirty="0"/>
+              <a:t> </a:t>
+            </a:r>
+            <a:r>
+              <a:rPr lang="en-US" dirty="0" err="1"/>
+              <a:t>vazno</a:t>
+            </a:r>
+            <a:r>
+              <a:rPr lang="en-US" dirty="0"/>
+              <a:t>!!</a:t>
+            </a:r>
+            <a:endParaRPr lang="hr-HR" dirty="0"/>
+          </a:p>
+        </p:txBody>
+      </p:sp>
+      <p:sp>
+        <p:nvSpPr>
+          <p:cNvPr id="4" name="Slide Number Placeholder 3">
+            <a:extLst>
+              <a:ext uri="{FF2B5EF4-FFF2-40B4-BE49-F238E27FC236}">
+                <a16:creationId xmlns:a16="http://schemas.microsoft.com/office/drawing/2014/main" id="{DE056A95-794D-F1EA-6020-7BDC799E5AAB}"/>
+              </a:ext>
+            </a:extLst>
+          </p:cNvPr>
+          <p:cNvSpPr>
+            <a:spLocks noGrp="1"/>
+          </p:cNvSpPr>
+          <p:nvPr>
+            <p:ph type="sldNum" sz="quarter" idx="5"/>
+          </p:nvPr>
+        </p:nvSpPr>
+        <p:spPr/>
+        <p:txBody>
+          <a:bodyPr/>
+          <a:lstStyle/>
+          <a:p>
+            <a:fld id="{343B951A-A665-1949-AEDB-B62DC9BE7F13}" type="slidenum">
+              <a:rPr lang="en-US" smtClean="0"/>
+              <a:t>15</a:t>
+            </a:fld>
+            <a:endParaRPr lang="en-US"/>
+          </a:p>
+        </p:txBody>
+      </p:sp>
+    </p:spTree>
+    <p:extLst>
+      <p:ext uri="{BB962C8B-B14F-4D97-AF65-F5344CB8AC3E}">
+        <p14:creationId xmlns:p14="http://schemas.microsoft.com/office/powerpoint/2010/main" val="3036969699"/>
+      </p:ext>
+    </p:extLst>
+  </p:cSld>
+  <p:clrMapOvr>
+    <a:masterClrMapping/>
+  </p:clrMapOvr>
+</p:notes>
+</file>
+
+<file path=ppt/notesSlides/notesSlide15.xml><?xml version="1.0" encoding="utf-8"?>
+<p:notes xmlns:a="http://schemas.openxmlformats.org/drawingml/2006/main" xmlns:r="http://schemas.openxmlformats.org/officeDocument/2006/relationships" xmlns:p="http://schemas.openxmlformats.org/presentationml/2006/main">
+  <p:cSld>
+    <p:spTree>
+      <p:nvGrpSpPr>
+        <p:cNvPr id="1" name="">
+          <a:extLst>
+            <a:ext uri="{FF2B5EF4-FFF2-40B4-BE49-F238E27FC236}">
+              <a16:creationId xmlns:a16="http://schemas.microsoft.com/office/drawing/2014/main" id="{9686105F-5796-8549-3315-65F41389D8F0}"/>
+            </a:ext>
+          </a:extLst>
+        </p:cNvPr>
+        <p:cNvGrpSpPr/>
+        <p:nvPr/>
+      </p:nvGrpSpPr>
+      <p:grpSpPr>
+        <a:xfrm>
+          <a:off x="0" y="0"/>
+          <a:ext cx="0" cy="0"/>
+          <a:chOff x="0" y="0"/>
+          <a:chExt cx="0" cy="0"/>
+        </a:xfrm>
+      </p:grpSpPr>
+      <p:sp>
+        <p:nvSpPr>
+          <p:cNvPr id="2" name="Slide Image Placeholder 1">
+            <a:extLst>
+              <a:ext uri="{FF2B5EF4-FFF2-40B4-BE49-F238E27FC236}">
+                <a16:creationId xmlns:a16="http://schemas.microsoft.com/office/drawing/2014/main" id="{ACBD2460-7BBD-EFAC-3E5E-1160149B5FBB}"/>
+              </a:ext>
+            </a:extLst>
+          </p:cNvPr>
+          <p:cNvSpPr>
+            <a:spLocks noGrp="1" noRot="1" noChangeAspect="1"/>
+          </p:cNvSpPr>
+          <p:nvPr>
+            <p:ph type="sldImg"/>
+          </p:nvPr>
+        </p:nvSpPr>
+        <p:spPr/>
+      </p:sp>
+      <p:sp>
+        <p:nvSpPr>
+          <p:cNvPr id="3" name="Notes Placeholder 2">
+            <a:extLst>
+              <a:ext uri="{FF2B5EF4-FFF2-40B4-BE49-F238E27FC236}">
+                <a16:creationId xmlns:a16="http://schemas.microsoft.com/office/drawing/2014/main" id="{5C6A0ECC-6343-B316-8447-3B2DCB2587BA}"/>
+              </a:ext>
+            </a:extLst>
+          </p:cNvPr>
+          <p:cNvSpPr>
+            <a:spLocks noGrp="1"/>
+          </p:cNvSpPr>
+          <p:nvPr>
+            <p:ph type="body" idx="1"/>
+          </p:nvPr>
+        </p:nvSpPr>
+        <p:spPr/>
+        <p:txBody>
+          <a:bodyPr/>
+          <a:lstStyle/>
+          <a:p>
+            <a:r>
+              <a:rPr lang="hr-HR" dirty="0"/>
+              <a:t>https://github.com/airbnb/javascript/tree/master/react</a:t>
+            </a:r>
+            <a:r>
+              <a:rPr lang="en-US" dirty="0"/>
+              <a:t> – </a:t>
+            </a:r>
+            <a:r>
+              <a:rPr lang="en-US" dirty="0" err="1"/>
+              <a:t>dokumentacija</a:t>
+            </a:r>
+            <a:r>
+              <a:rPr lang="en-US" dirty="0"/>
+              <a:t>, </a:t>
+            </a:r>
+            <a:r>
+              <a:rPr lang="en-US" dirty="0" err="1"/>
+              <a:t>jako</a:t>
+            </a:r>
+            <a:r>
+              <a:rPr lang="en-US" dirty="0"/>
+              <a:t> </a:t>
+            </a:r>
+            <a:r>
+              <a:rPr lang="en-US" dirty="0" err="1"/>
+              <a:t>vazno</a:t>
+            </a:r>
+            <a:r>
+              <a:rPr lang="en-US" dirty="0"/>
+              <a:t>!!</a:t>
+            </a:r>
+            <a:endParaRPr lang="hr-HR" dirty="0"/>
+          </a:p>
+        </p:txBody>
+      </p:sp>
+      <p:sp>
+        <p:nvSpPr>
+          <p:cNvPr id="4" name="Slide Number Placeholder 3">
+            <a:extLst>
+              <a:ext uri="{FF2B5EF4-FFF2-40B4-BE49-F238E27FC236}">
+                <a16:creationId xmlns:a16="http://schemas.microsoft.com/office/drawing/2014/main" id="{A71DF4DD-8952-951D-0E48-279012EEC747}"/>
+              </a:ext>
+            </a:extLst>
+          </p:cNvPr>
+          <p:cNvSpPr>
+            <a:spLocks noGrp="1"/>
+          </p:cNvSpPr>
+          <p:nvPr>
+            <p:ph type="sldNum" sz="quarter" idx="5"/>
+          </p:nvPr>
+        </p:nvSpPr>
+        <p:spPr/>
+        <p:txBody>
+          <a:bodyPr/>
+          <a:lstStyle/>
+          <a:p>
+            <a:fld id="{343B951A-A665-1949-AEDB-B62DC9BE7F13}" type="slidenum">
+              <a:rPr lang="en-US" smtClean="0"/>
+              <a:t>16</a:t>
+            </a:fld>
+            <a:endParaRPr lang="en-US"/>
+          </a:p>
+        </p:txBody>
+      </p:sp>
+    </p:spTree>
+    <p:extLst>
+      <p:ext uri="{BB962C8B-B14F-4D97-AF65-F5344CB8AC3E}">
+        <p14:creationId xmlns:p14="http://schemas.microsoft.com/office/powerpoint/2010/main" val="2997881808"/>
+      </p:ext>
+    </p:extLst>
+  </p:cSld>
+  <p:clrMapOvr>
+    <a:masterClrMapping/>
+  </p:clrMapOvr>
+</p:notes>
+</file>
+
+<file path=ppt/notesSlides/notesSlide16.xml><?xml version="1.0" encoding="utf-8"?>
+<p:notes xmlns:a="http://schemas.openxmlformats.org/drawingml/2006/main" xmlns:r="http://schemas.openxmlformats.org/officeDocument/2006/relationships" xmlns:p="http://schemas.openxmlformats.org/presentationml/2006/main">
+  <p:cSld>
+    <p:spTree>
+      <p:nvGrpSpPr>
+        <p:cNvPr id="1" name="">
+          <a:extLst>
+            <a:ext uri="{FF2B5EF4-FFF2-40B4-BE49-F238E27FC236}">
+              <a16:creationId xmlns:a16="http://schemas.microsoft.com/office/drawing/2014/main" id="{FB89C086-13A0-C074-B496-A93EFFD2C360}"/>
+            </a:ext>
+          </a:extLst>
+        </p:cNvPr>
+        <p:cNvGrpSpPr/>
+        <p:nvPr/>
+      </p:nvGrpSpPr>
+      <p:grpSpPr>
+        <a:xfrm>
+          <a:off x="0" y="0"/>
+          <a:ext cx="0" cy="0"/>
+          <a:chOff x="0" y="0"/>
+          <a:chExt cx="0" cy="0"/>
+        </a:xfrm>
+      </p:grpSpPr>
+      <p:sp>
+        <p:nvSpPr>
+          <p:cNvPr id="2" name="Slide Image Placeholder 1">
+            <a:extLst>
+              <a:ext uri="{FF2B5EF4-FFF2-40B4-BE49-F238E27FC236}">
+                <a16:creationId xmlns:a16="http://schemas.microsoft.com/office/drawing/2014/main" id="{9E86C045-44DA-8CC7-D75E-24413124EE21}"/>
+              </a:ext>
+            </a:extLst>
+          </p:cNvPr>
+          <p:cNvSpPr>
+            <a:spLocks noGrp="1" noRot="1" noChangeAspect="1"/>
+          </p:cNvSpPr>
+          <p:nvPr>
+            <p:ph type="sldImg"/>
+          </p:nvPr>
+        </p:nvSpPr>
+        <p:spPr/>
+      </p:sp>
+      <p:sp>
+        <p:nvSpPr>
+          <p:cNvPr id="3" name="Notes Placeholder 2">
+            <a:extLst>
+              <a:ext uri="{FF2B5EF4-FFF2-40B4-BE49-F238E27FC236}">
+                <a16:creationId xmlns:a16="http://schemas.microsoft.com/office/drawing/2014/main" id="{62AB1DBB-133F-65D7-FC42-692E4990A602}"/>
+              </a:ext>
+            </a:extLst>
+          </p:cNvPr>
+          <p:cNvSpPr>
+            <a:spLocks noGrp="1"/>
+          </p:cNvSpPr>
+          <p:nvPr>
+            <p:ph type="body" idx="1"/>
+          </p:nvPr>
+        </p:nvSpPr>
+        <p:spPr/>
+        <p:txBody>
+          <a:bodyPr/>
+          <a:lstStyle/>
+          <a:p>
+            <a:r>
+              <a:rPr lang="hr-HR" dirty="0"/>
+              <a:t>https://picsum.photos/</a:t>
+            </a:r>
+            <a:br>
+              <a:rPr lang="en-US" dirty="0"/>
+            </a:br>
+            <a:br>
+              <a:rPr lang="en-US" dirty="0"/>
+            </a:br>
+            <a:r>
+              <a:rPr lang="en-US" dirty="0"/>
+              <a:t>https://codesandbox.io/p/sandbox/favorite-food-tlc8vw</a:t>
+            </a:r>
+            <a:endParaRPr lang="hr-HR" dirty="0"/>
+          </a:p>
+        </p:txBody>
+      </p:sp>
+      <p:sp>
+        <p:nvSpPr>
+          <p:cNvPr id="4" name="Slide Number Placeholder 3">
+            <a:extLst>
+              <a:ext uri="{FF2B5EF4-FFF2-40B4-BE49-F238E27FC236}">
+                <a16:creationId xmlns:a16="http://schemas.microsoft.com/office/drawing/2014/main" id="{29E1F66F-E10C-BF25-261C-793FF3996995}"/>
+              </a:ext>
+            </a:extLst>
+          </p:cNvPr>
+          <p:cNvSpPr>
+            <a:spLocks noGrp="1"/>
+          </p:cNvSpPr>
+          <p:nvPr>
+            <p:ph type="sldNum" sz="quarter" idx="5"/>
+          </p:nvPr>
+        </p:nvSpPr>
+        <p:spPr/>
+        <p:txBody>
+          <a:bodyPr/>
+          <a:lstStyle/>
+          <a:p>
+            <a:fld id="{343B951A-A665-1949-AEDB-B62DC9BE7F13}" type="slidenum">
+              <a:rPr lang="en-US" smtClean="0"/>
+              <a:t>17</a:t>
+            </a:fld>
+            <a:endParaRPr lang="en-US"/>
+          </a:p>
+        </p:txBody>
+      </p:sp>
+    </p:spTree>
+    <p:extLst>
+      <p:ext uri="{BB962C8B-B14F-4D97-AF65-F5344CB8AC3E}">
+        <p14:creationId xmlns:p14="http://schemas.microsoft.com/office/powerpoint/2010/main" val="794772451"/>
+      </p:ext>
+    </p:extLst>
+  </p:cSld>
+  <p:clrMapOvr>
+    <a:masterClrMapping/>
+  </p:clrMapOvr>
+</p:notes>
+</file>
+
+<file path=ppt/notesSlides/notesSlide17.xml><?xml version="1.0" encoding="utf-8"?>
+<p:notes xmlns:a="http://schemas.openxmlformats.org/drawingml/2006/main" xmlns:r="http://schemas.openxmlformats.org/officeDocument/2006/relationships" xmlns:p="http://schemas.openxmlformats.org/presentationml/2006/main">
+  <p:cSld>
+    <p:spTree>
+      <p:nvGrpSpPr>
+        <p:cNvPr id="1" name="">
+          <a:extLst>
+            <a:ext uri="{FF2B5EF4-FFF2-40B4-BE49-F238E27FC236}">
+              <a16:creationId xmlns:a16="http://schemas.microsoft.com/office/drawing/2014/main" id="{6B9E9F49-9561-A8FD-4EED-4F895DD9627C}"/>
+            </a:ext>
+          </a:extLst>
+        </p:cNvPr>
+        <p:cNvGrpSpPr/>
+        <p:nvPr/>
+      </p:nvGrpSpPr>
+      <p:grpSpPr>
+        <a:xfrm>
+          <a:off x="0" y="0"/>
+          <a:ext cx="0" cy="0"/>
+          <a:chOff x="0" y="0"/>
+          <a:chExt cx="0" cy="0"/>
+        </a:xfrm>
+      </p:grpSpPr>
+      <p:sp>
+        <p:nvSpPr>
+          <p:cNvPr id="2" name="Slide Image Placeholder 1">
+            <a:extLst>
+              <a:ext uri="{FF2B5EF4-FFF2-40B4-BE49-F238E27FC236}">
+                <a16:creationId xmlns:a16="http://schemas.microsoft.com/office/drawing/2014/main" id="{C796D6F4-F5CF-2B9F-113E-20D9A9588C92}"/>
+              </a:ext>
+            </a:extLst>
+          </p:cNvPr>
+          <p:cNvSpPr>
+            <a:spLocks noGrp="1" noRot="1" noChangeAspect="1"/>
+          </p:cNvSpPr>
+          <p:nvPr>
+            <p:ph type="sldImg"/>
+          </p:nvPr>
+        </p:nvSpPr>
+        <p:spPr/>
+      </p:sp>
+      <p:sp>
+        <p:nvSpPr>
+          <p:cNvPr id="3" name="Notes Placeholder 2">
+            <a:extLst>
+              <a:ext uri="{FF2B5EF4-FFF2-40B4-BE49-F238E27FC236}">
+                <a16:creationId xmlns:a16="http://schemas.microsoft.com/office/drawing/2014/main" id="{8241AF0B-79F9-9A58-8CC0-60C59E7B1A42}"/>
+              </a:ext>
+            </a:extLst>
+          </p:cNvPr>
+          <p:cNvSpPr>
+            <a:spLocks noGrp="1"/>
+          </p:cNvSpPr>
+          <p:nvPr>
+            <p:ph type="body" idx="1"/>
+          </p:nvPr>
+        </p:nvSpPr>
+        <p:spPr/>
+        <p:txBody>
+          <a:bodyPr/>
+          <a:lstStyle/>
+          <a:p>
+            <a:r>
+              <a:rPr lang="hr-HR" dirty="0"/>
+              <a:t>https://docs.google.com/document/d/1TrILxSJhYKtB0-27JvE9_gCZ5uc_g2ZiCwqHR66E1cM/edit?usp=sharing</a:t>
+            </a:r>
+            <a:r>
+              <a:rPr lang="en-US" dirty="0"/>
+              <a:t> – doc </a:t>
+            </a:r>
+            <a:r>
+              <a:rPr lang="en-US" dirty="0" err="1"/>
+              <a:t>kako</a:t>
+            </a:r>
+            <a:r>
+              <a:rPr lang="en-US" dirty="0"/>
+              <a:t> </a:t>
+            </a:r>
+            <a:r>
+              <a:rPr lang="en-US" dirty="0" err="1"/>
+              <a:t>setupovati</a:t>
+            </a:r>
+            <a:r>
+              <a:rPr lang="en-US" dirty="0"/>
+              <a:t> react </a:t>
+            </a:r>
+            <a:r>
+              <a:rPr lang="en-US" dirty="0" err="1"/>
+              <a:t>aplikaciju</a:t>
+            </a:r>
+            <a:endParaRPr lang="hr-HR" dirty="0"/>
+          </a:p>
+        </p:txBody>
+      </p:sp>
+      <p:sp>
+        <p:nvSpPr>
+          <p:cNvPr id="4" name="Slide Number Placeholder 3">
+            <a:extLst>
+              <a:ext uri="{FF2B5EF4-FFF2-40B4-BE49-F238E27FC236}">
+                <a16:creationId xmlns:a16="http://schemas.microsoft.com/office/drawing/2014/main" id="{CBA37696-0C3D-7CA2-1930-58BEEC371D31}"/>
+              </a:ext>
+            </a:extLst>
+          </p:cNvPr>
+          <p:cNvSpPr>
+            <a:spLocks noGrp="1"/>
+          </p:cNvSpPr>
+          <p:nvPr>
+            <p:ph type="sldNum" sz="quarter" idx="5"/>
+          </p:nvPr>
+        </p:nvSpPr>
+        <p:spPr/>
+        <p:txBody>
+          <a:bodyPr/>
+          <a:lstStyle/>
+          <a:p>
+            <a:fld id="{343B951A-A665-1949-AEDB-B62DC9BE7F13}" type="slidenum">
+              <a:rPr lang="en-US" smtClean="0"/>
+              <a:t>18</a:t>
+            </a:fld>
+            <a:endParaRPr lang="en-US"/>
+          </a:p>
+        </p:txBody>
+      </p:sp>
+    </p:spTree>
+    <p:extLst>
+      <p:ext uri="{BB962C8B-B14F-4D97-AF65-F5344CB8AC3E}">
+        <p14:creationId xmlns:p14="http://schemas.microsoft.com/office/powerpoint/2010/main" val="4121553566"/>
+      </p:ext>
+    </p:extLst>
+  </p:cSld>
+  <p:clrMapOvr>
+    <a:masterClrMapping/>
+  </p:clrMapOvr>
+</p:notes>
+</file>
+
+<file path=ppt/notesSlides/notesSlide18.xml><?xml version="1.0" encoding="utf-8"?>
+<p:notes xmlns:a="http://schemas.openxmlformats.org/drawingml/2006/main" xmlns:r="http://schemas.openxmlformats.org/officeDocument/2006/relationships" xmlns:p="http://schemas.openxmlformats.org/presentationml/2006/main">
+  <p:cSld>
+    <p:spTree>
+      <p:nvGrpSpPr>
         <p:cNvPr id="1" name=""/>
         <p:cNvGrpSpPr/>
         <p:nvPr/>
@@ -1020,7 +1832,7 @@
           <a:p>
             <a:fld id="{343B951A-A665-1949-AEDB-B62DC9BE7F13}" type="slidenum">
               <a:rPr lang="en-US" smtClean="0"/>
-              <a:t>13</a:t>
+              <a:t>19</a:t>
             </a:fld>
             <a:endParaRPr lang="en-US"/>
           </a:p>
@@ -2946,7 +3758,7 @@
                 <a:ea typeface="Open Sans" panose="020B0606030504020204" pitchFamily="34" charset="0"/>
                 <a:cs typeface="Open Sans" panose="020B0606030504020204" pitchFamily="34" charset="0"/>
               </a:rPr>
-              <a:t>27/03/2025</a:t>
+              <a:t>31/03/2025</a:t>
             </a:fld>
             <a:endParaRPr lang="en-GB" sz="1800" b="0" i="0" kern="1200" dirty="0">
               <a:solidFill>
@@ -3691,7 +4503,7 @@
                 <a:ea typeface="Open Sans" panose="020B0606030504020204" pitchFamily="34" charset="0"/>
                 <a:cs typeface="Open Sans" panose="020B0606030504020204" pitchFamily="34" charset="0"/>
               </a:rPr>
-              <a:t>27/03/2025</a:t>
+              <a:t>31/03/2025</a:t>
             </a:fld>
             <a:endParaRPr lang="en-GB" sz="1800" b="0" i="0" kern="1200" dirty="0">
               <a:solidFill>
@@ -4214,7 +5026,7 @@
                 <a:ea typeface="Open Sans" panose="020B0606030504020204" pitchFamily="34" charset="0"/>
                 <a:cs typeface="Open Sans" panose="020B0606030504020204" pitchFamily="34" charset="0"/>
               </a:rPr>
-              <a:t>27/03/2025</a:t>
+              <a:t>31/03/2025</a:t>
             </a:fld>
             <a:endParaRPr lang="en-GB" sz="1800" b="0" i="0" kern="1200" dirty="0">
               <a:solidFill>
@@ -5180,7 +5992,7 @@
                 <a:ea typeface="Open Sans" panose="020B0606030504020204" pitchFamily="34" charset="0"/>
                 <a:cs typeface="Open Sans" panose="020B0606030504020204" pitchFamily="34" charset="0"/>
               </a:rPr>
-              <a:t>27/03/2025</a:t>
+              <a:t>31/03/2025</a:t>
             </a:fld>
             <a:endParaRPr lang="en-GB" sz="1800" b="0" i="0" kern="1200" dirty="0">
               <a:solidFill>
@@ -5619,7 +6431,7 @@
                 <a:ea typeface="Open Sans" panose="020B0606030504020204" pitchFamily="34" charset="0"/>
                 <a:cs typeface="Open Sans" panose="020B0606030504020204" pitchFamily="34" charset="0"/>
               </a:rPr>
-              <a:t>27/03/2025</a:t>
+              <a:t>31/03/2025</a:t>
             </a:fld>
             <a:endParaRPr lang="en-GB" sz="1800" b="0" i="0" kern="1200" dirty="0">
               <a:solidFill>
@@ -7389,7 +8201,7 @@
                 <a:ea typeface="Open Sans" pitchFamily="2" charset="0"/>
                 <a:cs typeface="Open Sans" pitchFamily="2" charset="0"/>
               </a:rPr>
-              <a:t>27/03/2025</a:t>
+              <a:t>31/03/2025</a:t>
             </a:fld>
             <a:endParaRPr lang="en-GB" sz="1800" b="0" i="0" kern="1200" dirty="0">
               <a:solidFill>
@@ -9139,7 +9951,7 @@
                 <a:ea typeface="Open Sans" pitchFamily="2" charset="0"/>
                 <a:cs typeface="Open Sans" pitchFamily="2" charset="0"/>
               </a:rPr>
-              <a:t>27/03/2025</a:t>
+              <a:t>31/03/2025</a:t>
             </a:fld>
             <a:endParaRPr lang="en-GB" sz="1800" b="0" i="0" kern="1200" dirty="0">
               <a:solidFill>
@@ -9656,7 +10468,7 @@
                 <a:ea typeface="Open Sans" panose="020B0606030504020204" pitchFamily="34" charset="0"/>
                 <a:cs typeface="Open Sans" panose="020B0606030504020204" pitchFamily="34" charset="0"/>
               </a:rPr>
-              <a:t>27/03/2025</a:t>
+              <a:t>31/03/2025</a:t>
             </a:fld>
             <a:endParaRPr lang="en-GB" sz="1800" b="0" i="0" kern="1200" dirty="0">
               <a:solidFill>
@@ -10253,7 +11065,7 @@
                 <a:ea typeface="Open Sans" pitchFamily="2" charset="0"/>
                 <a:cs typeface="Open Sans" pitchFamily="2" charset="0"/>
               </a:rPr>
-              <a:t>27/03/2025</a:t>
+              <a:t>31/03/2025</a:t>
             </a:fld>
             <a:endParaRPr lang="en-GB" sz="1800" b="0" i="0" kern="1200" dirty="0">
               <a:solidFill>
@@ -10793,7 +11605,7 @@
                 <a:ea typeface="Open Sans" panose="020B0606030504020204" pitchFamily="34" charset="0"/>
                 <a:cs typeface="Open Sans" panose="020B0606030504020204" pitchFamily="34" charset="0"/>
               </a:rPr>
-              <a:t>27/03/2025</a:t>
+              <a:t>31/03/2025</a:t>
             </a:fld>
             <a:endParaRPr lang="en-GB" sz="1800" b="0" i="0" kern="1200" dirty="0">
               <a:solidFill>
@@ -11494,7 +12306,7 @@
                 <a:ea typeface="Open Sans" panose="020B0606030504020204" pitchFamily="34" charset="0"/>
                 <a:cs typeface="Open Sans" panose="020B0606030504020204" pitchFamily="34" charset="0"/>
               </a:rPr>
-              <a:t>27/03/2025</a:t>
+              <a:t>31/03/2025</a:t>
             </a:fld>
             <a:endParaRPr lang="en-GB" sz="1800" b="0" i="0" kern="1200" dirty="0">
               <a:solidFill>
@@ -11857,7 +12669,7 @@
                 <a:ea typeface="Open Sans" pitchFamily="2" charset="0"/>
                 <a:cs typeface="Open Sans" pitchFamily="2" charset="0"/>
               </a:rPr>
-              <a:t>27/03/2025</a:t>
+              <a:t>31/03/2025</a:t>
             </a:fld>
             <a:endParaRPr lang="en-GB" sz="1800" b="0" i="0" kern="1200" dirty="0">
               <a:solidFill>
@@ -12252,7 +13064,7 @@
                 <a:ea typeface="Open Sans" pitchFamily="2" charset="0"/>
                 <a:cs typeface="Open Sans" pitchFamily="2" charset="0"/>
               </a:rPr>
-              <a:t>27/03/2025</a:t>
+              <a:t>31/03/2025</a:t>
             </a:fld>
             <a:endParaRPr lang="en-GB" sz="1800" b="0" i="0" kern="1200" dirty="0">
               <a:solidFill>
@@ -13738,6 +14550,1650 @@
 </file>
 
 <file path=ppt/slides/slide13.xml><?xml version="1.0" encoding="utf-8"?>
+<p:sld xmlns:a="http://schemas.openxmlformats.org/drawingml/2006/main" xmlns:r="http://schemas.openxmlformats.org/officeDocument/2006/relationships" xmlns:p="http://schemas.openxmlformats.org/presentationml/2006/main">
+  <p:cSld>
+    <p:spTree>
+      <p:nvGrpSpPr>
+        <p:cNvPr id="1" name="">
+          <a:extLst>
+            <a:ext uri="{FF2B5EF4-FFF2-40B4-BE49-F238E27FC236}">
+              <a16:creationId xmlns:a16="http://schemas.microsoft.com/office/drawing/2014/main" id="{869B59AD-6877-B8C7-5A64-C7C7D333F984}"/>
+            </a:ext>
+          </a:extLst>
+        </p:cNvPr>
+        <p:cNvGrpSpPr/>
+        <p:nvPr/>
+      </p:nvGrpSpPr>
+      <p:grpSpPr>
+        <a:xfrm>
+          <a:off x="0" y="0"/>
+          <a:ext cx="0" cy="0"/>
+          <a:chOff x="0" y="0"/>
+          <a:chExt cx="0" cy="0"/>
+        </a:xfrm>
+      </p:grpSpPr>
+      <p:sp>
+        <p:nvSpPr>
+          <p:cNvPr id="4" name="Title 1">
+            <a:extLst>
+              <a:ext uri="{FF2B5EF4-FFF2-40B4-BE49-F238E27FC236}">
+                <a16:creationId xmlns:a16="http://schemas.microsoft.com/office/drawing/2014/main" id="{88DD375D-51EE-E116-B08D-C0E3AAA1CF09}"/>
+              </a:ext>
+            </a:extLst>
+          </p:cNvPr>
+          <p:cNvSpPr txBox="1">
+            <a:spLocks/>
+          </p:cNvSpPr>
+          <p:nvPr/>
+        </p:nvSpPr>
+        <p:spPr>
+          <a:xfrm>
+            <a:off x="990600" y="383056"/>
+            <a:ext cx="10515600" cy="853976"/>
+          </a:xfrm>
+          <a:prstGeom prst="rect">
+            <a:avLst/>
+          </a:prstGeom>
+        </p:spPr>
+        <p:txBody>
+          <a:bodyPr vert="horz" lIns="91440" tIns="45720" rIns="91440" bIns="45720" rtlCol="0" anchor="ctr">
+            <a:normAutofit/>
+          </a:bodyPr>
+          <a:lstStyle>
+            <a:lvl1pPr algn="l" defTabSz="914400" rtl="0" eaLnBrk="1" latinLnBrk="0" hangingPunct="1">
+              <a:lnSpc>
+                <a:spcPct val="90000"/>
+              </a:lnSpc>
+              <a:spcBef>
+                <a:spcPct val="0"/>
+              </a:spcBef>
+              <a:buNone/>
+              <a:defRPr sz="3600" b="1" i="0" kern="1200" cap="all" baseline="0">
+                <a:solidFill>
+                  <a:schemeClr val="tx2"/>
+                </a:solidFill>
+                <a:latin typeface="+mj-lt"/>
+                <a:ea typeface="Open Sans Semibold" panose="020B0606030504020204" pitchFamily="34" charset="0"/>
+                <a:cs typeface="Open Sans Semibold" panose="020B0606030504020204" pitchFamily="34" charset="0"/>
+              </a:defRPr>
+            </a:lvl1pPr>
+          </a:lstStyle>
+          <a:p>
+            <a:r>
+              <a:rPr lang="en-US" dirty="0"/>
+              <a:t>REACT – KOMPONENTE</a:t>
+            </a:r>
+            <a:endParaRPr lang="hr-HR" dirty="0"/>
+          </a:p>
+        </p:txBody>
+      </p:sp>
+      <p:sp>
+        <p:nvSpPr>
+          <p:cNvPr id="8" name="TextBox 7">
+            <a:extLst>
+              <a:ext uri="{FF2B5EF4-FFF2-40B4-BE49-F238E27FC236}">
+                <a16:creationId xmlns:a16="http://schemas.microsoft.com/office/drawing/2014/main" id="{1436EEA2-BF8A-6D58-F649-502EEC0C246F}"/>
+              </a:ext>
+            </a:extLst>
+          </p:cNvPr>
+          <p:cNvSpPr txBox="1"/>
+          <p:nvPr/>
+        </p:nvSpPr>
+        <p:spPr>
+          <a:xfrm>
+            <a:off x="1165122" y="1604152"/>
+            <a:ext cx="4527755" cy="3970318"/>
+          </a:xfrm>
+          <a:prstGeom prst="rect">
+            <a:avLst/>
+          </a:prstGeom>
+          <a:noFill/>
+        </p:spPr>
+        <p:txBody>
+          <a:bodyPr wrap="square">
+            <a:spAutoFit/>
+          </a:bodyPr>
+          <a:lstStyle/>
+          <a:p>
+            <a:pPr>
+              <a:buNone/>
+            </a:pPr>
+            <a:r>
+              <a:rPr lang="hr-HR" b="1" dirty="0"/>
+              <a:t>Modularnost:</a:t>
+            </a:r>
+            <a:r>
+              <a:rPr lang="hr-HR" dirty="0"/>
+              <a:t> Razbijanjem koda na manje komponente olakšavate čitanje, održavanje i ponovno korištenje istog koda</a:t>
+            </a:r>
+            <a:endParaRPr lang="en-US" dirty="0"/>
+          </a:p>
+          <a:p>
+            <a:pPr>
+              <a:buNone/>
+            </a:pPr>
+            <a:endParaRPr lang="en-US" dirty="0"/>
+          </a:p>
+          <a:p>
+            <a:pPr>
+              <a:buNone/>
+            </a:pPr>
+            <a:r>
+              <a:rPr lang="hr-HR" b="1" dirty="0"/>
+              <a:t>Ponovno korištenje:</a:t>
+            </a:r>
+            <a:r>
+              <a:rPr lang="hr-HR" dirty="0"/>
+              <a:t> Jednom definiranu komponentu možete koristiti na više mjesta unutar aplikacije bez dupliciranja koda.</a:t>
+            </a:r>
+            <a:endParaRPr lang="en-US" dirty="0"/>
+          </a:p>
+          <a:p>
+            <a:pPr>
+              <a:buNone/>
+            </a:pPr>
+            <a:endParaRPr lang="en-US" dirty="0"/>
+          </a:p>
+          <a:p>
+            <a:pPr>
+              <a:buNone/>
+            </a:pPr>
+            <a:r>
+              <a:rPr lang="hr-HR" b="1" dirty="0"/>
+              <a:t>Organizacija:</a:t>
+            </a:r>
+            <a:r>
+              <a:rPr lang="hr-HR" dirty="0"/>
+              <a:t> Manji </a:t>
+            </a:r>
+            <a:r>
+              <a:rPr lang="hr-HR" dirty="0" err="1"/>
+              <a:t>fajlovi</a:t>
+            </a:r>
+            <a:r>
+              <a:rPr lang="hr-HR" dirty="0"/>
+              <a:t> čine vaš projekt preglednijim i lakšim za navigaciju, pogotovo u većim aplikacijama.</a:t>
+            </a:r>
+          </a:p>
+        </p:txBody>
+      </p:sp>
+      <p:pic>
+        <p:nvPicPr>
+          <p:cNvPr id="6" name="Picture 5">
+            <a:extLst>
+              <a:ext uri="{FF2B5EF4-FFF2-40B4-BE49-F238E27FC236}">
+                <a16:creationId xmlns:a16="http://schemas.microsoft.com/office/drawing/2014/main" id="{0E0689F5-586D-B7F0-5188-84868614F9E2}"/>
+              </a:ext>
+            </a:extLst>
+          </p:cNvPr>
+          <p:cNvPicPr>
+            <a:picLocks noChangeAspect="1"/>
+          </p:cNvPicPr>
+          <p:nvPr/>
+        </p:nvPicPr>
+        <p:blipFill>
+          <a:blip r:embed="rId3"/>
+          <a:stretch>
+            <a:fillRect/>
+          </a:stretch>
+        </p:blipFill>
+        <p:spPr>
+          <a:xfrm>
+            <a:off x="7277543" y="1604152"/>
+            <a:ext cx="2857500" cy="742950"/>
+          </a:xfrm>
+          <a:prstGeom prst="rect">
+            <a:avLst/>
+          </a:prstGeom>
+        </p:spPr>
+      </p:pic>
+      <p:pic>
+        <p:nvPicPr>
+          <p:cNvPr id="11" name="Picture 10">
+            <a:extLst>
+              <a:ext uri="{FF2B5EF4-FFF2-40B4-BE49-F238E27FC236}">
+                <a16:creationId xmlns:a16="http://schemas.microsoft.com/office/drawing/2014/main" id="{D528FD0C-90C7-0FA7-690C-475BB792E1F5}"/>
+              </a:ext>
+            </a:extLst>
+          </p:cNvPr>
+          <p:cNvPicPr>
+            <a:picLocks noChangeAspect="1"/>
+          </p:cNvPicPr>
+          <p:nvPr/>
+        </p:nvPicPr>
+        <p:blipFill>
+          <a:blip r:embed="rId4"/>
+          <a:stretch>
+            <a:fillRect/>
+          </a:stretch>
+        </p:blipFill>
+        <p:spPr>
+          <a:xfrm>
+            <a:off x="7277543" y="2491342"/>
+            <a:ext cx="2838450" cy="1428750"/>
+          </a:xfrm>
+          <a:prstGeom prst="rect">
+            <a:avLst/>
+          </a:prstGeom>
+        </p:spPr>
+      </p:pic>
+      <p:pic>
+        <p:nvPicPr>
+          <p:cNvPr id="14" name="Picture 13">
+            <a:extLst>
+              <a:ext uri="{FF2B5EF4-FFF2-40B4-BE49-F238E27FC236}">
+                <a16:creationId xmlns:a16="http://schemas.microsoft.com/office/drawing/2014/main" id="{3FD4FE33-54B6-0CF3-7D45-F16D33AEE342}"/>
+              </a:ext>
+            </a:extLst>
+          </p:cNvPr>
+          <p:cNvPicPr>
+            <a:picLocks noChangeAspect="1"/>
+          </p:cNvPicPr>
+          <p:nvPr/>
+        </p:nvPicPr>
+        <p:blipFill>
+          <a:blip r:embed="rId5"/>
+          <a:stretch>
+            <a:fillRect/>
+          </a:stretch>
+        </p:blipFill>
+        <p:spPr>
+          <a:xfrm>
+            <a:off x="7277543" y="4576762"/>
+            <a:ext cx="1143000" cy="247650"/>
+          </a:xfrm>
+          <a:prstGeom prst="rect">
+            <a:avLst/>
+          </a:prstGeom>
+        </p:spPr>
+      </p:pic>
+      <p:pic>
+        <p:nvPicPr>
+          <p:cNvPr id="16" name="Picture 15">
+            <a:extLst>
+              <a:ext uri="{FF2B5EF4-FFF2-40B4-BE49-F238E27FC236}">
+                <a16:creationId xmlns:a16="http://schemas.microsoft.com/office/drawing/2014/main" id="{D5079FAA-31B4-B43E-6AA7-865B45BDB708}"/>
+              </a:ext>
+            </a:extLst>
+          </p:cNvPr>
+          <p:cNvPicPr>
+            <a:picLocks noChangeAspect="1"/>
+          </p:cNvPicPr>
+          <p:nvPr/>
+        </p:nvPicPr>
+        <p:blipFill>
+          <a:blip r:embed="rId6"/>
+          <a:stretch>
+            <a:fillRect/>
+          </a:stretch>
+        </p:blipFill>
+        <p:spPr>
+          <a:xfrm>
+            <a:off x="7277543" y="4064332"/>
+            <a:ext cx="3409950" cy="314325"/>
+          </a:xfrm>
+          <a:prstGeom prst="rect">
+            <a:avLst/>
+          </a:prstGeom>
+        </p:spPr>
+      </p:pic>
+      <p:sp>
+        <p:nvSpPr>
+          <p:cNvPr id="17" name="TextBox 16">
+            <a:extLst>
+              <a:ext uri="{FF2B5EF4-FFF2-40B4-BE49-F238E27FC236}">
+                <a16:creationId xmlns:a16="http://schemas.microsoft.com/office/drawing/2014/main" id="{304D314C-BA50-1F36-168D-FBD6C9AAB4F7}"/>
+              </a:ext>
+            </a:extLst>
+          </p:cNvPr>
+          <p:cNvSpPr txBox="1"/>
+          <p:nvPr/>
+        </p:nvSpPr>
+        <p:spPr>
+          <a:xfrm>
+            <a:off x="7128258" y="5205138"/>
+            <a:ext cx="2857500" cy="369332"/>
+          </a:xfrm>
+          <a:prstGeom prst="rect">
+            <a:avLst/>
+          </a:prstGeom>
+          <a:noFill/>
+        </p:spPr>
+        <p:txBody>
+          <a:bodyPr wrap="square">
+            <a:spAutoFit/>
+          </a:bodyPr>
+          <a:lstStyle/>
+          <a:p>
+            <a:pPr>
+              <a:buNone/>
+            </a:pPr>
+            <a:r>
+              <a:rPr lang="hr-HR" dirty="0"/>
+              <a:t>👉</a:t>
+            </a:r>
+            <a:r>
+              <a:rPr lang="en-US" dirty="0"/>
+              <a:t> </a:t>
+            </a:r>
+            <a:r>
+              <a:rPr lang="en-US" dirty="0" err="1"/>
+              <a:t>Napravi</a:t>
+            </a:r>
+            <a:r>
+              <a:rPr lang="en-US" dirty="0"/>
+              <a:t> </a:t>
+            </a:r>
+            <a:r>
+              <a:rPr lang="en-US" dirty="0" err="1"/>
+              <a:t>isto</a:t>
+            </a:r>
+            <a:r>
+              <a:rPr lang="en-US" dirty="0"/>
+              <a:t> za </a:t>
+            </a:r>
+            <a:r>
+              <a:rPr lang="en-US" dirty="0" err="1"/>
+              <a:t>liste</a:t>
+            </a:r>
+            <a:endParaRPr lang="hr-HR" dirty="0"/>
+          </a:p>
+        </p:txBody>
+      </p:sp>
+    </p:spTree>
+    <p:extLst>
+      <p:ext uri="{BB962C8B-B14F-4D97-AF65-F5344CB8AC3E}">
+        <p14:creationId xmlns:p14="http://schemas.microsoft.com/office/powerpoint/2010/main" val="3158341147"/>
+      </p:ext>
+    </p:extLst>
+  </p:cSld>
+  <p:clrMapOvr>
+    <a:masterClrMapping/>
+  </p:clrMapOvr>
+</p:sld>
+</file>
+
+<file path=ppt/slides/slide14.xml><?xml version="1.0" encoding="utf-8"?>
+<p:sld xmlns:a="http://schemas.openxmlformats.org/drawingml/2006/main" xmlns:r="http://schemas.openxmlformats.org/officeDocument/2006/relationships" xmlns:p="http://schemas.openxmlformats.org/presentationml/2006/main">
+  <p:cSld>
+    <p:spTree>
+      <p:nvGrpSpPr>
+        <p:cNvPr id="1" name="">
+          <a:extLst>
+            <a:ext uri="{FF2B5EF4-FFF2-40B4-BE49-F238E27FC236}">
+              <a16:creationId xmlns:a16="http://schemas.microsoft.com/office/drawing/2014/main" id="{6E7584CA-E51E-16C8-7E3B-EB876F18AE2A}"/>
+            </a:ext>
+          </a:extLst>
+        </p:cNvPr>
+        <p:cNvGrpSpPr/>
+        <p:nvPr/>
+      </p:nvGrpSpPr>
+      <p:grpSpPr>
+        <a:xfrm>
+          <a:off x="0" y="0"/>
+          <a:ext cx="0" cy="0"/>
+          <a:chOff x="0" y="0"/>
+          <a:chExt cx="0" cy="0"/>
+        </a:xfrm>
+      </p:grpSpPr>
+      <p:sp>
+        <p:nvSpPr>
+          <p:cNvPr id="2" name="Title 1">
+            <a:extLst>
+              <a:ext uri="{FF2B5EF4-FFF2-40B4-BE49-F238E27FC236}">
+                <a16:creationId xmlns:a16="http://schemas.microsoft.com/office/drawing/2014/main" id="{9F3C4ED0-12CD-A711-AFA9-01C58866B96A}"/>
+              </a:ext>
+            </a:extLst>
+          </p:cNvPr>
+          <p:cNvSpPr>
+            <a:spLocks noGrp="1"/>
+          </p:cNvSpPr>
+          <p:nvPr>
+            <p:ph type="title"/>
+          </p:nvPr>
+        </p:nvSpPr>
+        <p:spPr>
+          <a:xfrm>
+            <a:off x="839788" y="987424"/>
+            <a:ext cx="3932237" cy="676276"/>
+          </a:xfrm>
+        </p:spPr>
+        <p:txBody>
+          <a:bodyPr/>
+          <a:lstStyle/>
+          <a:p>
+            <a:r>
+              <a:rPr lang="en-US" dirty="0"/>
+              <a:t>VJE</a:t>
+            </a:r>
+            <a:r>
+              <a:rPr lang="hr-HR" dirty="0"/>
+              <a:t>ž</a:t>
+            </a:r>
+            <a:r>
+              <a:rPr lang="en-US" dirty="0" err="1"/>
+              <a:t>ba</a:t>
+            </a:r>
+            <a:endParaRPr lang="hr-HR" dirty="0"/>
+          </a:p>
+        </p:txBody>
+      </p:sp>
+      <p:sp>
+        <p:nvSpPr>
+          <p:cNvPr id="6" name="Text Placeholder 5">
+            <a:extLst>
+              <a:ext uri="{FF2B5EF4-FFF2-40B4-BE49-F238E27FC236}">
+                <a16:creationId xmlns:a16="http://schemas.microsoft.com/office/drawing/2014/main" id="{C04C53EB-D1E4-81D7-3921-508646244D41}"/>
+              </a:ext>
+            </a:extLst>
+          </p:cNvPr>
+          <p:cNvSpPr>
+            <a:spLocks noGrp="1"/>
+          </p:cNvSpPr>
+          <p:nvPr>
+            <p:ph type="body" sz="half" idx="2"/>
+          </p:nvPr>
+        </p:nvSpPr>
+        <p:spPr>
+          <a:xfrm>
+            <a:off x="839788" y="1752600"/>
+            <a:ext cx="3932237" cy="4711700"/>
+          </a:xfrm>
+        </p:spPr>
+        <p:txBody>
+          <a:bodyPr>
+            <a:normAutofit/>
+          </a:bodyPr>
+          <a:lstStyle/>
+          <a:p>
+            <a:pPr>
+              <a:buNone/>
+            </a:pPr>
+            <a:r>
+              <a:rPr lang="en-US" b="1" dirty="0" err="1"/>
+              <a:t>Segmentirajte</a:t>
+            </a:r>
+            <a:r>
+              <a:rPr lang="en-US" b="1" dirty="0"/>
+              <a:t> </a:t>
+            </a:r>
+            <a:r>
+              <a:rPr lang="en-US" b="1" dirty="0" err="1"/>
+              <a:t>kod</a:t>
+            </a:r>
+            <a:r>
+              <a:rPr lang="en-US" b="1" dirty="0"/>
+              <a:t> </a:t>
+            </a:r>
+            <a:r>
+              <a:rPr lang="en-US" b="1" dirty="0" err="1"/>
+              <a:t>iz</a:t>
+            </a:r>
+            <a:r>
+              <a:rPr lang="en-US" b="1" dirty="0"/>
+              <a:t> Good afternoon </a:t>
+            </a:r>
+            <a:r>
+              <a:rPr lang="en-US" b="1" dirty="0" err="1"/>
+              <a:t>vjezbe</a:t>
+            </a:r>
+            <a:r>
+              <a:rPr lang="en-US" b="1" dirty="0"/>
+              <a:t> u </a:t>
+            </a:r>
+            <a:r>
+              <a:rPr lang="en-US" b="1" dirty="0" err="1"/>
+              <a:t>komponente</a:t>
+            </a:r>
+            <a:r>
+              <a:rPr lang="en-US" b="1" dirty="0"/>
+              <a:t>.</a:t>
+            </a:r>
+            <a:endParaRPr lang="hr-HR" dirty="0"/>
+          </a:p>
+        </p:txBody>
+      </p:sp>
+      <p:pic>
+        <p:nvPicPr>
+          <p:cNvPr id="13" name="Picture 12">
+            <a:extLst>
+              <a:ext uri="{FF2B5EF4-FFF2-40B4-BE49-F238E27FC236}">
+                <a16:creationId xmlns:a16="http://schemas.microsoft.com/office/drawing/2014/main" id="{8EA569EC-9DD4-1CC6-03AB-0A63DCBC6198}"/>
+              </a:ext>
+            </a:extLst>
+          </p:cNvPr>
+          <p:cNvPicPr>
+            <a:picLocks noChangeAspect="1"/>
+          </p:cNvPicPr>
+          <p:nvPr/>
+        </p:nvPicPr>
+        <p:blipFill>
+          <a:blip r:embed="rId3"/>
+          <a:stretch>
+            <a:fillRect/>
+          </a:stretch>
+        </p:blipFill>
+        <p:spPr>
+          <a:xfrm>
+            <a:off x="7419977" y="3162300"/>
+            <a:ext cx="2190750" cy="533400"/>
+          </a:xfrm>
+          <a:prstGeom prst="rect">
+            <a:avLst/>
+          </a:prstGeom>
+        </p:spPr>
+      </p:pic>
+    </p:spTree>
+    <p:extLst>
+      <p:ext uri="{BB962C8B-B14F-4D97-AF65-F5344CB8AC3E}">
+        <p14:creationId xmlns:p14="http://schemas.microsoft.com/office/powerpoint/2010/main" val="1118299431"/>
+      </p:ext>
+    </p:extLst>
+  </p:cSld>
+  <p:clrMapOvr>
+    <a:masterClrMapping/>
+  </p:clrMapOvr>
+</p:sld>
+</file>
+
+<file path=ppt/slides/slide15.xml><?xml version="1.0" encoding="utf-8"?>
+<p:sld xmlns:a="http://schemas.openxmlformats.org/drawingml/2006/main" xmlns:r="http://schemas.openxmlformats.org/officeDocument/2006/relationships" xmlns:p="http://schemas.openxmlformats.org/presentationml/2006/main">
+  <p:cSld>
+    <p:spTree>
+      <p:nvGrpSpPr>
+        <p:cNvPr id="1" name="">
+          <a:extLst>
+            <a:ext uri="{FF2B5EF4-FFF2-40B4-BE49-F238E27FC236}">
+              <a16:creationId xmlns:a16="http://schemas.microsoft.com/office/drawing/2014/main" id="{A81627CC-0D5A-CE17-3509-D770949FEC83}"/>
+            </a:ext>
+          </a:extLst>
+        </p:cNvPr>
+        <p:cNvGrpSpPr/>
+        <p:nvPr/>
+      </p:nvGrpSpPr>
+      <p:grpSpPr>
+        <a:xfrm>
+          <a:off x="0" y="0"/>
+          <a:ext cx="0" cy="0"/>
+          <a:chOff x="0" y="0"/>
+          <a:chExt cx="0" cy="0"/>
+        </a:xfrm>
+      </p:grpSpPr>
+      <p:sp>
+        <p:nvSpPr>
+          <p:cNvPr id="4" name="Title 1">
+            <a:extLst>
+              <a:ext uri="{FF2B5EF4-FFF2-40B4-BE49-F238E27FC236}">
+                <a16:creationId xmlns:a16="http://schemas.microsoft.com/office/drawing/2014/main" id="{3CF53004-562C-0707-A153-54FDE3DA941D}"/>
+              </a:ext>
+            </a:extLst>
+          </p:cNvPr>
+          <p:cNvSpPr txBox="1">
+            <a:spLocks/>
+          </p:cNvSpPr>
+          <p:nvPr/>
+        </p:nvSpPr>
+        <p:spPr>
+          <a:xfrm>
+            <a:off x="990600" y="383056"/>
+            <a:ext cx="10515600" cy="853976"/>
+          </a:xfrm>
+          <a:prstGeom prst="rect">
+            <a:avLst/>
+          </a:prstGeom>
+        </p:spPr>
+        <p:txBody>
+          <a:bodyPr vert="horz" lIns="91440" tIns="45720" rIns="91440" bIns="45720" rtlCol="0" anchor="ctr">
+            <a:normAutofit/>
+          </a:bodyPr>
+          <a:lstStyle>
+            <a:lvl1pPr algn="l" defTabSz="914400" rtl="0" eaLnBrk="1" latinLnBrk="0" hangingPunct="1">
+              <a:lnSpc>
+                <a:spcPct val="90000"/>
+              </a:lnSpc>
+              <a:spcBef>
+                <a:spcPct val="0"/>
+              </a:spcBef>
+              <a:buNone/>
+              <a:defRPr sz="3600" b="1" i="0" kern="1200" cap="all" baseline="0">
+                <a:solidFill>
+                  <a:schemeClr val="tx2"/>
+                </a:solidFill>
+                <a:latin typeface="+mj-lt"/>
+                <a:ea typeface="Open Sans Semibold" panose="020B0606030504020204" pitchFamily="34" charset="0"/>
+                <a:cs typeface="Open Sans Semibold" panose="020B0606030504020204" pitchFamily="34" charset="0"/>
+              </a:defRPr>
+            </a:lvl1pPr>
+          </a:lstStyle>
+          <a:p>
+            <a:r>
+              <a:rPr lang="en-US" dirty="0"/>
+              <a:t>REACT – E6 MODUL</a:t>
+            </a:r>
+            <a:endParaRPr lang="hr-HR" dirty="0"/>
+          </a:p>
+        </p:txBody>
+      </p:sp>
+      <p:sp>
+        <p:nvSpPr>
+          <p:cNvPr id="8" name="TextBox 7">
+            <a:extLst>
+              <a:ext uri="{FF2B5EF4-FFF2-40B4-BE49-F238E27FC236}">
+                <a16:creationId xmlns:a16="http://schemas.microsoft.com/office/drawing/2014/main" id="{35C270C9-D674-81AF-6144-BB194663E0D1}"/>
+              </a:ext>
+            </a:extLst>
+          </p:cNvPr>
+          <p:cNvSpPr txBox="1"/>
+          <p:nvPr/>
+        </p:nvSpPr>
+        <p:spPr>
+          <a:xfrm>
+            <a:off x="1165122" y="1604152"/>
+            <a:ext cx="4527755" cy="3139321"/>
+          </a:xfrm>
+          <a:prstGeom prst="rect">
+            <a:avLst/>
+          </a:prstGeom>
+          <a:noFill/>
+        </p:spPr>
+        <p:txBody>
+          <a:bodyPr wrap="square">
+            <a:spAutoFit/>
+          </a:bodyPr>
+          <a:lstStyle/>
+          <a:p>
+            <a:r>
+              <a:rPr lang="en-US" dirty="0"/>
+              <a:t>- </a:t>
+            </a:r>
+            <a:r>
+              <a:rPr lang="hr-HR" dirty="0"/>
+              <a:t>Razbijanje koda na manje dijelove čini ga preglednijim i lakšim za održavanje.</a:t>
+            </a:r>
+            <a:endParaRPr lang="en-US" dirty="0"/>
+          </a:p>
+          <a:p>
+            <a:pPr>
+              <a:buFont typeface="Arial" panose="020B0604020202020204" pitchFamily="34" charset="0"/>
+              <a:buChar char="•"/>
+            </a:pPr>
+            <a:endParaRPr lang="hr-HR" dirty="0"/>
+          </a:p>
+          <a:p>
+            <a:r>
+              <a:rPr lang="en-US" dirty="0"/>
+              <a:t>- </a:t>
+            </a:r>
+            <a:r>
+              <a:rPr lang="hr-HR" dirty="0"/>
+              <a:t>Import i </a:t>
+            </a:r>
+            <a:r>
+              <a:rPr lang="hr-HR" dirty="0" err="1"/>
+              <a:t>export</a:t>
+            </a:r>
+            <a:r>
+              <a:rPr lang="hr-HR" dirty="0"/>
+              <a:t> omogućuju ponovno korištenje koda i jasniju organizaciju projekata.</a:t>
+            </a:r>
+            <a:endParaRPr lang="en-US" dirty="0"/>
+          </a:p>
+          <a:p>
+            <a:pPr>
+              <a:buFont typeface="Arial" panose="020B0604020202020204" pitchFamily="34" charset="0"/>
+              <a:buChar char="•"/>
+            </a:pPr>
+            <a:endParaRPr lang="hr-HR" dirty="0"/>
+          </a:p>
+          <a:p>
+            <a:r>
+              <a:rPr lang="en-US" dirty="0"/>
+              <a:t>- M</a:t>
+            </a:r>
+            <a:r>
+              <a:rPr lang="hr-HR" dirty="0" err="1"/>
+              <a:t>odularnost</a:t>
+            </a:r>
+            <a:r>
+              <a:rPr lang="hr-HR" dirty="0"/>
+              <a:t> je temelj za složenije aplikacije, uključujući i </a:t>
+            </a:r>
+            <a:r>
+              <a:rPr lang="hr-HR" dirty="0" err="1"/>
+              <a:t>React</a:t>
+            </a:r>
+            <a:r>
+              <a:rPr lang="hr-HR" dirty="0"/>
+              <a:t> projekte, gdje se komponente također uvoze i izvoze na sličan način.</a:t>
+            </a:r>
+          </a:p>
+        </p:txBody>
+      </p:sp>
+      <p:sp>
+        <p:nvSpPr>
+          <p:cNvPr id="17" name="TextBox 16">
+            <a:extLst>
+              <a:ext uri="{FF2B5EF4-FFF2-40B4-BE49-F238E27FC236}">
+                <a16:creationId xmlns:a16="http://schemas.microsoft.com/office/drawing/2014/main" id="{9A963268-D743-4800-F783-9A0619336F5C}"/>
+              </a:ext>
+            </a:extLst>
+          </p:cNvPr>
+          <p:cNvSpPr txBox="1"/>
+          <p:nvPr/>
+        </p:nvSpPr>
+        <p:spPr>
+          <a:xfrm>
+            <a:off x="7157582" y="2647600"/>
+            <a:ext cx="4822737" cy="646331"/>
+          </a:xfrm>
+          <a:prstGeom prst="rect">
+            <a:avLst/>
+          </a:prstGeom>
+          <a:noFill/>
+        </p:spPr>
+        <p:txBody>
+          <a:bodyPr wrap="square">
+            <a:spAutoFit/>
+          </a:bodyPr>
+          <a:lstStyle/>
+          <a:p>
+            <a:pPr>
+              <a:buNone/>
+            </a:pPr>
+            <a:r>
+              <a:rPr lang="hr-HR" dirty="0"/>
+              <a:t>👉</a:t>
+            </a:r>
+            <a:r>
+              <a:rPr lang="en-US" dirty="0"/>
+              <a:t> </a:t>
+            </a:r>
+            <a:r>
+              <a:rPr lang="hr-HR" dirty="0"/>
+              <a:t>Svaki modul (</a:t>
+            </a:r>
+            <a:r>
+              <a:rPr lang="hr-HR" dirty="0" err="1"/>
+              <a:t>fajl</a:t>
+            </a:r>
+            <a:r>
+              <a:rPr lang="hr-HR" dirty="0"/>
+              <a:t>) može imati samo jedan </a:t>
+            </a:r>
+            <a:r>
+              <a:rPr lang="hr-HR" dirty="0" err="1"/>
+              <a:t>default</a:t>
+            </a:r>
+            <a:r>
+              <a:rPr lang="hr-HR" dirty="0"/>
+              <a:t> </a:t>
+            </a:r>
+            <a:r>
+              <a:rPr lang="hr-HR" dirty="0" err="1"/>
+              <a:t>export</a:t>
+            </a:r>
+            <a:endParaRPr lang="hr-HR" dirty="0"/>
+          </a:p>
+        </p:txBody>
+      </p:sp>
+      <p:sp>
+        <p:nvSpPr>
+          <p:cNvPr id="5" name="TextBox 4">
+            <a:extLst>
+              <a:ext uri="{FF2B5EF4-FFF2-40B4-BE49-F238E27FC236}">
+                <a16:creationId xmlns:a16="http://schemas.microsoft.com/office/drawing/2014/main" id="{6A824EAC-7BA7-FF30-7D5B-C8864A98E20E}"/>
+              </a:ext>
+            </a:extLst>
+          </p:cNvPr>
+          <p:cNvSpPr txBox="1"/>
+          <p:nvPr/>
+        </p:nvSpPr>
+        <p:spPr>
+          <a:xfrm>
+            <a:off x="7168167" y="3314474"/>
+            <a:ext cx="4822737" cy="646331"/>
+          </a:xfrm>
+          <a:prstGeom prst="rect">
+            <a:avLst/>
+          </a:prstGeom>
+          <a:noFill/>
+        </p:spPr>
+        <p:txBody>
+          <a:bodyPr wrap="square">
+            <a:spAutoFit/>
+          </a:bodyPr>
+          <a:lstStyle/>
+          <a:p>
+            <a:pPr>
+              <a:buNone/>
+            </a:pPr>
+            <a:r>
+              <a:rPr lang="hr-HR" dirty="0"/>
+              <a:t>👉</a:t>
+            </a:r>
+            <a:r>
+              <a:rPr lang="en-US" dirty="0"/>
+              <a:t> </a:t>
+            </a:r>
+            <a:r>
+              <a:rPr lang="hr-HR" dirty="0"/>
+              <a:t>Kada uvozite </a:t>
+            </a:r>
+            <a:r>
+              <a:rPr lang="hr-HR" dirty="0" err="1"/>
+              <a:t>default</a:t>
+            </a:r>
+            <a:r>
+              <a:rPr lang="hr-HR" dirty="0"/>
+              <a:t> </a:t>
+            </a:r>
+            <a:r>
+              <a:rPr lang="hr-HR" dirty="0" err="1"/>
+              <a:t>export</a:t>
+            </a:r>
+            <a:r>
+              <a:rPr lang="hr-HR" dirty="0"/>
+              <a:t>, možete mu dati bilo koje ime</a:t>
+            </a:r>
+          </a:p>
+        </p:txBody>
+      </p:sp>
+      <p:pic>
+        <p:nvPicPr>
+          <p:cNvPr id="9" name="Picture 8">
+            <a:extLst>
+              <a:ext uri="{FF2B5EF4-FFF2-40B4-BE49-F238E27FC236}">
+                <a16:creationId xmlns:a16="http://schemas.microsoft.com/office/drawing/2014/main" id="{BC48D391-2504-AE5F-AB60-D91BA2FD8AF3}"/>
+              </a:ext>
+            </a:extLst>
+          </p:cNvPr>
+          <p:cNvPicPr>
+            <a:picLocks noChangeAspect="1"/>
+          </p:cNvPicPr>
+          <p:nvPr/>
+        </p:nvPicPr>
+        <p:blipFill>
+          <a:blip r:embed="rId3"/>
+          <a:stretch>
+            <a:fillRect/>
+          </a:stretch>
+        </p:blipFill>
+        <p:spPr>
+          <a:xfrm>
+            <a:off x="7168167" y="904073"/>
+            <a:ext cx="1895475" cy="857250"/>
+          </a:xfrm>
+          <a:prstGeom prst="rect">
+            <a:avLst/>
+          </a:prstGeom>
+        </p:spPr>
+      </p:pic>
+      <p:pic>
+        <p:nvPicPr>
+          <p:cNvPr id="12" name="Picture 11">
+            <a:extLst>
+              <a:ext uri="{FF2B5EF4-FFF2-40B4-BE49-F238E27FC236}">
+                <a16:creationId xmlns:a16="http://schemas.microsoft.com/office/drawing/2014/main" id="{F177BD28-5E5E-B155-48AA-E6BCC6815A58}"/>
+              </a:ext>
+            </a:extLst>
+          </p:cNvPr>
+          <p:cNvPicPr>
+            <a:picLocks noChangeAspect="1"/>
+          </p:cNvPicPr>
+          <p:nvPr/>
+        </p:nvPicPr>
+        <p:blipFill>
+          <a:blip r:embed="rId4"/>
+          <a:stretch>
+            <a:fillRect/>
+          </a:stretch>
+        </p:blipFill>
+        <p:spPr>
+          <a:xfrm>
+            <a:off x="7157583" y="1875849"/>
+            <a:ext cx="2609850" cy="657225"/>
+          </a:xfrm>
+          <a:prstGeom prst="rect">
+            <a:avLst/>
+          </a:prstGeom>
+        </p:spPr>
+      </p:pic>
+      <p:sp>
+        <p:nvSpPr>
+          <p:cNvPr id="13" name="TextBox 12">
+            <a:extLst>
+              <a:ext uri="{FF2B5EF4-FFF2-40B4-BE49-F238E27FC236}">
+                <a16:creationId xmlns:a16="http://schemas.microsoft.com/office/drawing/2014/main" id="{57CFBA14-6C45-F76B-AC18-6C23A10550C7}"/>
+              </a:ext>
+            </a:extLst>
+          </p:cNvPr>
+          <p:cNvSpPr txBox="1"/>
+          <p:nvPr/>
+        </p:nvSpPr>
+        <p:spPr>
+          <a:xfrm>
+            <a:off x="7157583" y="4847082"/>
+            <a:ext cx="4822737" cy="923330"/>
+          </a:xfrm>
+          <a:prstGeom prst="rect">
+            <a:avLst/>
+          </a:prstGeom>
+          <a:noFill/>
+        </p:spPr>
+        <p:txBody>
+          <a:bodyPr wrap="square">
+            <a:spAutoFit/>
+          </a:bodyPr>
+          <a:lstStyle/>
+          <a:p>
+            <a:pPr>
+              <a:buNone/>
+            </a:pPr>
+            <a:r>
+              <a:rPr lang="hr-HR" dirty="0"/>
+              <a:t>👉</a:t>
+            </a:r>
+            <a:r>
+              <a:rPr lang="en-US" dirty="0"/>
+              <a:t> A</a:t>
+            </a:r>
+            <a:r>
+              <a:rPr lang="hr-HR" dirty="0" err="1"/>
+              <a:t>ko</a:t>
+            </a:r>
+            <a:r>
+              <a:rPr lang="hr-HR" dirty="0"/>
+              <a:t> želite izvesti više stvari iz istog modula, možete koristiti imenovane </a:t>
+            </a:r>
+            <a:r>
+              <a:rPr lang="hr-HR" dirty="0" err="1"/>
+              <a:t>exporte</a:t>
+            </a:r>
+            <a:endParaRPr lang="hr-HR" dirty="0"/>
+          </a:p>
+        </p:txBody>
+      </p:sp>
+      <p:pic>
+        <p:nvPicPr>
+          <p:cNvPr id="18" name="Picture 17">
+            <a:extLst>
+              <a:ext uri="{FF2B5EF4-FFF2-40B4-BE49-F238E27FC236}">
+                <a16:creationId xmlns:a16="http://schemas.microsoft.com/office/drawing/2014/main" id="{0E37ED86-B22D-7DA8-1E2C-E33FE476BCC8}"/>
+              </a:ext>
+            </a:extLst>
+          </p:cNvPr>
+          <p:cNvPicPr>
+            <a:picLocks noChangeAspect="1"/>
+          </p:cNvPicPr>
+          <p:nvPr/>
+        </p:nvPicPr>
+        <p:blipFill>
+          <a:blip r:embed="rId5"/>
+          <a:stretch>
+            <a:fillRect/>
+          </a:stretch>
+        </p:blipFill>
+        <p:spPr>
+          <a:xfrm>
+            <a:off x="5938888" y="4015125"/>
+            <a:ext cx="2458557" cy="731140"/>
+          </a:xfrm>
+          <a:prstGeom prst="rect">
+            <a:avLst/>
+          </a:prstGeom>
+        </p:spPr>
+      </p:pic>
+      <p:pic>
+        <p:nvPicPr>
+          <p:cNvPr id="20" name="Picture 19">
+            <a:extLst>
+              <a:ext uri="{FF2B5EF4-FFF2-40B4-BE49-F238E27FC236}">
+                <a16:creationId xmlns:a16="http://schemas.microsoft.com/office/drawing/2014/main" id="{DECF51F3-C963-9DF8-8449-93A69963F8D4}"/>
+              </a:ext>
+            </a:extLst>
+          </p:cNvPr>
+          <p:cNvPicPr>
+            <a:picLocks noChangeAspect="1"/>
+          </p:cNvPicPr>
+          <p:nvPr/>
+        </p:nvPicPr>
+        <p:blipFill>
+          <a:blip r:embed="rId6"/>
+          <a:stretch>
+            <a:fillRect/>
+          </a:stretch>
+        </p:blipFill>
+        <p:spPr>
+          <a:xfrm>
+            <a:off x="8691562" y="4052607"/>
+            <a:ext cx="3131843" cy="649008"/>
+          </a:xfrm>
+          <a:prstGeom prst="rect">
+            <a:avLst/>
+          </a:prstGeom>
+        </p:spPr>
+      </p:pic>
+    </p:spTree>
+    <p:extLst>
+      <p:ext uri="{BB962C8B-B14F-4D97-AF65-F5344CB8AC3E}">
+        <p14:creationId xmlns:p14="http://schemas.microsoft.com/office/powerpoint/2010/main" val="3093499854"/>
+      </p:ext>
+    </p:extLst>
+  </p:cSld>
+  <p:clrMapOvr>
+    <a:masterClrMapping/>
+  </p:clrMapOvr>
+</p:sld>
+</file>
+
+<file path=ppt/slides/slide16.xml><?xml version="1.0" encoding="utf-8"?>
+<p:sld xmlns:a="http://schemas.openxmlformats.org/drawingml/2006/main" xmlns:r="http://schemas.openxmlformats.org/officeDocument/2006/relationships" xmlns:p="http://schemas.openxmlformats.org/presentationml/2006/main">
+  <p:cSld>
+    <p:spTree>
+      <p:nvGrpSpPr>
+        <p:cNvPr id="1" name="">
+          <a:extLst>
+            <a:ext uri="{FF2B5EF4-FFF2-40B4-BE49-F238E27FC236}">
+              <a16:creationId xmlns:a16="http://schemas.microsoft.com/office/drawing/2014/main" id="{E52E7D2D-695B-63FF-47E3-C61631E28AC9}"/>
+            </a:ext>
+          </a:extLst>
+        </p:cNvPr>
+        <p:cNvGrpSpPr/>
+        <p:nvPr/>
+      </p:nvGrpSpPr>
+      <p:grpSpPr>
+        <a:xfrm>
+          <a:off x="0" y="0"/>
+          <a:ext cx="0" cy="0"/>
+          <a:chOff x="0" y="0"/>
+          <a:chExt cx="0" cy="0"/>
+        </a:xfrm>
+      </p:grpSpPr>
+      <p:sp>
+        <p:nvSpPr>
+          <p:cNvPr id="4" name="Title 1">
+            <a:extLst>
+              <a:ext uri="{FF2B5EF4-FFF2-40B4-BE49-F238E27FC236}">
+                <a16:creationId xmlns:a16="http://schemas.microsoft.com/office/drawing/2014/main" id="{651D0379-31F3-AE87-2CBE-81B7A3BD2CB1}"/>
+              </a:ext>
+            </a:extLst>
+          </p:cNvPr>
+          <p:cNvSpPr txBox="1">
+            <a:spLocks/>
+          </p:cNvSpPr>
+          <p:nvPr/>
+        </p:nvSpPr>
+        <p:spPr>
+          <a:xfrm>
+            <a:off x="990600" y="383056"/>
+            <a:ext cx="10515600" cy="853976"/>
+          </a:xfrm>
+          <a:prstGeom prst="rect">
+            <a:avLst/>
+          </a:prstGeom>
+        </p:spPr>
+        <p:txBody>
+          <a:bodyPr vert="horz" lIns="91440" tIns="45720" rIns="91440" bIns="45720" rtlCol="0" anchor="ctr">
+            <a:normAutofit/>
+          </a:bodyPr>
+          <a:lstStyle>
+            <a:lvl1pPr algn="l" defTabSz="914400" rtl="0" eaLnBrk="1" latinLnBrk="0" hangingPunct="1">
+              <a:lnSpc>
+                <a:spcPct val="90000"/>
+              </a:lnSpc>
+              <a:spcBef>
+                <a:spcPct val="0"/>
+              </a:spcBef>
+              <a:buNone/>
+              <a:defRPr sz="3600" b="1" i="0" kern="1200" cap="all" baseline="0">
+                <a:solidFill>
+                  <a:schemeClr val="tx2"/>
+                </a:solidFill>
+                <a:latin typeface="+mj-lt"/>
+                <a:ea typeface="Open Sans Semibold" panose="020B0606030504020204" pitchFamily="34" charset="0"/>
+                <a:cs typeface="Open Sans Semibold" panose="020B0606030504020204" pitchFamily="34" charset="0"/>
+              </a:defRPr>
+            </a:lvl1pPr>
+          </a:lstStyle>
+          <a:p>
+            <a:r>
+              <a:rPr lang="en-US" dirty="0"/>
+              <a:t>REACT – E6 MODUL</a:t>
+            </a:r>
+            <a:endParaRPr lang="hr-HR" dirty="0"/>
+          </a:p>
+        </p:txBody>
+      </p:sp>
+      <p:sp>
+        <p:nvSpPr>
+          <p:cNvPr id="17" name="TextBox 16">
+            <a:extLst>
+              <a:ext uri="{FF2B5EF4-FFF2-40B4-BE49-F238E27FC236}">
+                <a16:creationId xmlns:a16="http://schemas.microsoft.com/office/drawing/2014/main" id="{4BEA1064-7B0F-CD38-97BA-0736E92A1809}"/>
+              </a:ext>
+            </a:extLst>
+          </p:cNvPr>
+          <p:cNvSpPr txBox="1"/>
+          <p:nvPr/>
+        </p:nvSpPr>
+        <p:spPr>
+          <a:xfrm>
+            <a:off x="990600" y="1352423"/>
+            <a:ext cx="4822737" cy="923330"/>
+          </a:xfrm>
+          <a:prstGeom prst="rect">
+            <a:avLst/>
+          </a:prstGeom>
+          <a:noFill/>
+        </p:spPr>
+        <p:txBody>
+          <a:bodyPr wrap="square">
+            <a:spAutoFit/>
+          </a:bodyPr>
+          <a:lstStyle/>
+          <a:p>
+            <a:pPr>
+              <a:buNone/>
+            </a:pPr>
+            <a:r>
+              <a:rPr lang="hr-HR" dirty="0"/>
+              <a:t>👉</a:t>
+            </a:r>
+            <a:r>
+              <a:rPr lang="en-US" dirty="0"/>
+              <a:t> </a:t>
+            </a:r>
+            <a:r>
+              <a:rPr lang="hr-HR" dirty="0"/>
+              <a:t>Možete uvesti sve iz modula koristeći zvjezdicu (*), što stvara objekt s </a:t>
+            </a:r>
+            <a:r>
+              <a:rPr lang="hr-HR" dirty="0" err="1"/>
+              <a:t>exportiranim</a:t>
+            </a:r>
+            <a:r>
+              <a:rPr lang="hr-HR" dirty="0"/>
+              <a:t> vrijednostima</a:t>
+            </a:r>
+          </a:p>
+        </p:txBody>
+      </p:sp>
+      <p:sp>
+        <p:nvSpPr>
+          <p:cNvPr id="5" name="TextBox 4">
+            <a:extLst>
+              <a:ext uri="{FF2B5EF4-FFF2-40B4-BE49-F238E27FC236}">
+                <a16:creationId xmlns:a16="http://schemas.microsoft.com/office/drawing/2014/main" id="{25CE8520-87B0-2415-8381-758474FE32B6}"/>
+              </a:ext>
+            </a:extLst>
+          </p:cNvPr>
+          <p:cNvSpPr txBox="1"/>
+          <p:nvPr/>
+        </p:nvSpPr>
+        <p:spPr>
+          <a:xfrm>
+            <a:off x="1043813" y="2591460"/>
+            <a:ext cx="4822737" cy="646331"/>
+          </a:xfrm>
+          <a:prstGeom prst="rect">
+            <a:avLst/>
+          </a:prstGeom>
+          <a:noFill/>
+        </p:spPr>
+        <p:txBody>
+          <a:bodyPr wrap="square">
+            <a:spAutoFit/>
+          </a:bodyPr>
+          <a:lstStyle/>
+          <a:p>
+            <a:pPr>
+              <a:buNone/>
+            </a:pPr>
+            <a:r>
+              <a:rPr lang="hr-HR" dirty="0"/>
+              <a:t>👉</a:t>
+            </a:r>
+            <a:r>
+              <a:rPr lang="en-US" dirty="0"/>
+              <a:t> </a:t>
+            </a:r>
+            <a:r>
+              <a:rPr lang="hr-HR" dirty="0"/>
+              <a:t>Ovo smanjuje jasnoću, pa se često ne preporučuje.</a:t>
+            </a:r>
+          </a:p>
+        </p:txBody>
+      </p:sp>
+      <p:pic>
+        <p:nvPicPr>
+          <p:cNvPr id="6" name="Picture 5">
+            <a:extLst>
+              <a:ext uri="{FF2B5EF4-FFF2-40B4-BE49-F238E27FC236}">
+                <a16:creationId xmlns:a16="http://schemas.microsoft.com/office/drawing/2014/main" id="{DBE86014-1019-565C-87AE-E55F4DF6038F}"/>
+              </a:ext>
+            </a:extLst>
+          </p:cNvPr>
+          <p:cNvPicPr>
+            <a:picLocks noChangeAspect="1"/>
+          </p:cNvPicPr>
+          <p:nvPr/>
+        </p:nvPicPr>
+        <p:blipFill>
+          <a:blip r:embed="rId3"/>
+          <a:stretch>
+            <a:fillRect/>
+          </a:stretch>
+        </p:blipFill>
+        <p:spPr>
+          <a:xfrm>
+            <a:off x="1150088" y="3789807"/>
+            <a:ext cx="5191125" cy="1057275"/>
+          </a:xfrm>
+          <a:prstGeom prst="rect">
+            <a:avLst/>
+          </a:prstGeom>
+        </p:spPr>
+      </p:pic>
+    </p:spTree>
+    <p:extLst>
+      <p:ext uri="{BB962C8B-B14F-4D97-AF65-F5344CB8AC3E}">
+        <p14:creationId xmlns:p14="http://schemas.microsoft.com/office/powerpoint/2010/main" val="4288594967"/>
+      </p:ext>
+    </p:extLst>
+  </p:cSld>
+  <p:clrMapOvr>
+    <a:masterClrMapping/>
+  </p:clrMapOvr>
+</p:sld>
+</file>
+
+<file path=ppt/slides/slide17.xml><?xml version="1.0" encoding="utf-8"?>
+<p:sld xmlns:a="http://schemas.openxmlformats.org/drawingml/2006/main" xmlns:r="http://schemas.openxmlformats.org/officeDocument/2006/relationships" xmlns:p="http://schemas.openxmlformats.org/presentationml/2006/main">
+  <p:cSld>
+    <p:spTree>
+      <p:nvGrpSpPr>
+        <p:cNvPr id="1" name="">
+          <a:extLst>
+            <a:ext uri="{FF2B5EF4-FFF2-40B4-BE49-F238E27FC236}">
+              <a16:creationId xmlns:a16="http://schemas.microsoft.com/office/drawing/2014/main" id="{083E9498-88BA-6922-994F-12A0B97B626C}"/>
+            </a:ext>
+          </a:extLst>
+        </p:cNvPr>
+        <p:cNvGrpSpPr/>
+        <p:nvPr/>
+      </p:nvGrpSpPr>
+      <p:grpSpPr>
+        <a:xfrm>
+          <a:off x="0" y="0"/>
+          <a:ext cx="0" cy="0"/>
+          <a:chOff x="0" y="0"/>
+          <a:chExt cx="0" cy="0"/>
+        </a:xfrm>
+      </p:grpSpPr>
+      <p:sp>
+        <p:nvSpPr>
+          <p:cNvPr id="2" name="Title 1">
+            <a:extLst>
+              <a:ext uri="{FF2B5EF4-FFF2-40B4-BE49-F238E27FC236}">
+                <a16:creationId xmlns:a16="http://schemas.microsoft.com/office/drawing/2014/main" id="{14FB0E06-1F24-72F7-E50D-4F7BD30E946E}"/>
+              </a:ext>
+            </a:extLst>
+          </p:cNvPr>
+          <p:cNvSpPr>
+            <a:spLocks noGrp="1"/>
+          </p:cNvSpPr>
+          <p:nvPr>
+            <p:ph type="title"/>
+          </p:nvPr>
+        </p:nvSpPr>
+        <p:spPr>
+          <a:xfrm>
+            <a:off x="839788" y="987424"/>
+            <a:ext cx="3932237" cy="676276"/>
+          </a:xfrm>
+        </p:spPr>
+        <p:txBody>
+          <a:bodyPr/>
+          <a:lstStyle/>
+          <a:p>
+            <a:r>
+              <a:rPr lang="en-US" dirty="0"/>
+              <a:t>VJE</a:t>
+            </a:r>
+            <a:r>
+              <a:rPr lang="hr-HR" dirty="0"/>
+              <a:t>ž</a:t>
+            </a:r>
+            <a:r>
+              <a:rPr lang="en-US" dirty="0" err="1"/>
+              <a:t>ba</a:t>
+            </a:r>
+            <a:endParaRPr lang="hr-HR" dirty="0"/>
+          </a:p>
+        </p:txBody>
+      </p:sp>
+      <p:sp>
+        <p:nvSpPr>
+          <p:cNvPr id="6" name="Text Placeholder 5">
+            <a:extLst>
+              <a:ext uri="{FF2B5EF4-FFF2-40B4-BE49-F238E27FC236}">
+                <a16:creationId xmlns:a16="http://schemas.microsoft.com/office/drawing/2014/main" id="{F245EB5F-C325-E098-9028-F3ECD9DB46DB}"/>
+              </a:ext>
+            </a:extLst>
+          </p:cNvPr>
+          <p:cNvSpPr>
+            <a:spLocks noGrp="1"/>
+          </p:cNvSpPr>
+          <p:nvPr>
+            <p:ph type="body" sz="half" idx="2"/>
+          </p:nvPr>
+        </p:nvSpPr>
+        <p:spPr>
+          <a:xfrm>
+            <a:off x="839788" y="1752600"/>
+            <a:ext cx="3932237" cy="4711700"/>
+          </a:xfrm>
+        </p:spPr>
+        <p:txBody>
+          <a:bodyPr>
+            <a:normAutofit/>
+          </a:bodyPr>
+          <a:lstStyle/>
+          <a:p>
+            <a:pPr>
+              <a:buNone/>
+            </a:pPr>
+            <a:r>
+              <a:rPr lang="en-US" dirty="0" err="1"/>
+              <a:t>Uvezite</a:t>
+            </a:r>
+            <a:r>
+              <a:rPr lang="en-US" dirty="0"/>
+              <a:t> </a:t>
+            </a:r>
+            <a:r>
+              <a:rPr lang="hr-HR" dirty="0"/>
+              <a:t>funkcije koje se nalaze u datoteci </a:t>
+            </a:r>
+            <a:r>
+              <a:rPr lang="hr-HR" b="1" dirty="0"/>
+              <a:t>calculator.js,</a:t>
+            </a:r>
+            <a:r>
+              <a:rPr lang="hr-HR" dirty="0"/>
+              <a:t> a nakon uvoza, one će se koristiti u svakom od ovih </a:t>
+            </a:r>
+            <a:r>
+              <a:rPr lang="hr-HR" b="1" dirty="0"/>
+              <a:t>&lt;li&gt; </a:t>
+            </a:r>
+            <a:r>
+              <a:rPr lang="hr-HR" dirty="0"/>
+              <a:t>elemenata za izračunavanje broja koji će se prikazati na web stranici.</a:t>
+            </a:r>
+          </a:p>
+          <a:p>
+            <a:r>
+              <a:rPr lang="hr-HR" dirty="0"/>
+              <a:t>Cilj je da rezultati budu isti kao na slici</a:t>
+            </a:r>
+          </a:p>
+        </p:txBody>
+      </p:sp>
+      <p:pic>
+        <p:nvPicPr>
+          <p:cNvPr id="4" name="Picture 3">
+            <a:extLst>
+              <a:ext uri="{FF2B5EF4-FFF2-40B4-BE49-F238E27FC236}">
+                <a16:creationId xmlns:a16="http://schemas.microsoft.com/office/drawing/2014/main" id="{CF27703F-B7D8-4947-BC44-D4A0F3C13BC7}"/>
+              </a:ext>
+            </a:extLst>
+          </p:cNvPr>
+          <p:cNvPicPr>
+            <a:picLocks noChangeAspect="1"/>
+          </p:cNvPicPr>
+          <p:nvPr/>
+        </p:nvPicPr>
+        <p:blipFill>
+          <a:blip r:embed="rId3"/>
+          <a:stretch>
+            <a:fillRect/>
+          </a:stretch>
+        </p:blipFill>
+        <p:spPr>
+          <a:xfrm>
+            <a:off x="8070333" y="4240951"/>
+            <a:ext cx="1314450" cy="1304925"/>
+          </a:xfrm>
+          <a:prstGeom prst="rect">
+            <a:avLst/>
+          </a:prstGeom>
+        </p:spPr>
+      </p:pic>
+      <p:pic>
+        <p:nvPicPr>
+          <p:cNvPr id="7" name="Picture 6">
+            <a:extLst>
+              <a:ext uri="{FF2B5EF4-FFF2-40B4-BE49-F238E27FC236}">
+                <a16:creationId xmlns:a16="http://schemas.microsoft.com/office/drawing/2014/main" id="{E7EE15E3-0857-9899-C780-A62806C3CD66}"/>
+              </a:ext>
+            </a:extLst>
+          </p:cNvPr>
+          <p:cNvPicPr>
+            <a:picLocks noChangeAspect="1"/>
+          </p:cNvPicPr>
+          <p:nvPr/>
+        </p:nvPicPr>
+        <p:blipFill>
+          <a:blip r:embed="rId4"/>
+          <a:stretch>
+            <a:fillRect/>
+          </a:stretch>
+        </p:blipFill>
+        <p:spPr>
+          <a:xfrm>
+            <a:off x="7172325" y="828122"/>
+            <a:ext cx="2884504" cy="2903906"/>
+          </a:xfrm>
+          <a:prstGeom prst="rect">
+            <a:avLst/>
+          </a:prstGeom>
+        </p:spPr>
+      </p:pic>
+    </p:spTree>
+    <p:extLst>
+      <p:ext uri="{BB962C8B-B14F-4D97-AF65-F5344CB8AC3E}">
+        <p14:creationId xmlns:p14="http://schemas.microsoft.com/office/powerpoint/2010/main" val="527205183"/>
+      </p:ext>
+    </p:extLst>
+  </p:cSld>
+  <p:clrMapOvr>
+    <a:masterClrMapping/>
+  </p:clrMapOvr>
+</p:sld>
+</file>
+
+<file path=ppt/slides/slide18.xml><?xml version="1.0" encoding="utf-8"?>
+<p:sld xmlns:a="http://schemas.openxmlformats.org/drawingml/2006/main" xmlns:r="http://schemas.openxmlformats.org/officeDocument/2006/relationships" xmlns:p="http://schemas.openxmlformats.org/presentationml/2006/main">
+  <p:cSld>
+    <p:spTree>
+      <p:nvGrpSpPr>
+        <p:cNvPr id="1" name="">
+          <a:extLst>
+            <a:ext uri="{FF2B5EF4-FFF2-40B4-BE49-F238E27FC236}">
+              <a16:creationId xmlns:a16="http://schemas.microsoft.com/office/drawing/2014/main" id="{2157DF0C-B87F-1534-EFF5-2A3527096AA3}"/>
+            </a:ext>
+          </a:extLst>
+        </p:cNvPr>
+        <p:cNvGrpSpPr/>
+        <p:nvPr/>
+      </p:nvGrpSpPr>
+      <p:grpSpPr>
+        <a:xfrm>
+          <a:off x="0" y="0"/>
+          <a:ext cx="0" cy="0"/>
+          <a:chOff x="0" y="0"/>
+          <a:chExt cx="0" cy="0"/>
+        </a:xfrm>
+      </p:grpSpPr>
+      <p:sp>
+        <p:nvSpPr>
+          <p:cNvPr id="4" name="Title 1">
+            <a:extLst>
+              <a:ext uri="{FF2B5EF4-FFF2-40B4-BE49-F238E27FC236}">
+                <a16:creationId xmlns:a16="http://schemas.microsoft.com/office/drawing/2014/main" id="{04D31D95-A0C8-C05A-637E-B29F430D1601}"/>
+              </a:ext>
+            </a:extLst>
+          </p:cNvPr>
+          <p:cNvSpPr txBox="1">
+            <a:spLocks/>
+          </p:cNvSpPr>
+          <p:nvPr/>
+        </p:nvSpPr>
+        <p:spPr>
+          <a:xfrm>
+            <a:off x="990600" y="383056"/>
+            <a:ext cx="10515600" cy="853976"/>
+          </a:xfrm>
+          <a:prstGeom prst="rect">
+            <a:avLst/>
+          </a:prstGeom>
+        </p:spPr>
+        <p:txBody>
+          <a:bodyPr vert="horz" lIns="91440" tIns="45720" rIns="91440" bIns="45720" rtlCol="0" anchor="ctr">
+            <a:normAutofit/>
+          </a:bodyPr>
+          <a:lstStyle>
+            <a:lvl1pPr algn="l" defTabSz="914400" rtl="0" eaLnBrk="1" latinLnBrk="0" hangingPunct="1">
+              <a:lnSpc>
+                <a:spcPct val="90000"/>
+              </a:lnSpc>
+              <a:spcBef>
+                <a:spcPct val="0"/>
+              </a:spcBef>
+              <a:buNone/>
+              <a:defRPr sz="3600" b="1" i="0" kern="1200" cap="all" baseline="0">
+                <a:solidFill>
+                  <a:schemeClr val="tx2"/>
+                </a:solidFill>
+                <a:latin typeface="+mj-lt"/>
+                <a:ea typeface="Open Sans Semibold" panose="020B0606030504020204" pitchFamily="34" charset="0"/>
+                <a:cs typeface="Open Sans Semibold" panose="020B0606030504020204" pitchFamily="34" charset="0"/>
+              </a:defRPr>
+            </a:lvl1pPr>
+          </a:lstStyle>
+          <a:p>
+            <a:r>
+              <a:rPr lang="en-US" dirty="0"/>
+              <a:t>REACT – LOKALNO INSTALIRANJE</a:t>
+            </a:r>
+            <a:endParaRPr lang="hr-HR" dirty="0"/>
+          </a:p>
+        </p:txBody>
+      </p:sp>
+      <p:sp>
+        <p:nvSpPr>
+          <p:cNvPr id="17" name="TextBox 16">
+            <a:extLst>
+              <a:ext uri="{FF2B5EF4-FFF2-40B4-BE49-F238E27FC236}">
+                <a16:creationId xmlns:a16="http://schemas.microsoft.com/office/drawing/2014/main" id="{F56EF033-C22C-4CE4-7AF7-100779B3F12A}"/>
+              </a:ext>
+            </a:extLst>
+          </p:cNvPr>
+          <p:cNvSpPr txBox="1"/>
+          <p:nvPr/>
+        </p:nvSpPr>
+        <p:spPr>
+          <a:xfrm>
+            <a:off x="990600" y="1352423"/>
+            <a:ext cx="9381460" cy="646331"/>
+          </a:xfrm>
+          <a:prstGeom prst="rect">
+            <a:avLst/>
+          </a:prstGeom>
+          <a:noFill/>
+        </p:spPr>
+        <p:txBody>
+          <a:bodyPr wrap="square">
+            <a:spAutoFit/>
+          </a:bodyPr>
+          <a:lstStyle/>
+          <a:p>
+            <a:pPr>
+              <a:buNone/>
+            </a:pPr>
+            <a:r>
+              <a:rPr lang="hr-HR" dirty="0"/>
+              <a:t>👉</a:t>
+            </a:r>
+            <a:r>
+              <a:rPr lang="en-US" dirty="0"/>
+              <a:t> </a:t>
+            </a:r>
+            <a:r>
+              <a:rPr lang="en-US" dirty="0" err="1"/>
+              <a:t>Upustva</a:t>
+            </a:r>
+            <a:r>
+              <a:rPr lang="en-US" dirty="0"/>
+              <a:t> </a:t>
+            </a:r>
+            <a:r>
+              <a:rPr lang="en-US" dirty="0" err="1"/>
+              <a:t>na</a:t>
+            </a:r>
+            <a:r>
+              <a:rPr lang="en-US" dirty="0"/>
+              <a:t> google doc - https://docs.google.com/document/d/1TrILxSJhYKtB0-27JvE9_gCZ5uc_g2ZiCwqHR66E1cM/edit?usp=sharing</a:t>
+            </a:r>
+            <a:endParaRPr lang="hr-HR" dirty="0"/>
+          </a:p>
+        </p:txBody>
+      </p:sp>
+      <p:pic>
+        <p:nvPicPr>
+          <p:cNvPr id="3" name="Picture 2">
+            <a:extLst>
+              <a:ext uri="{FF2B5EF4-FFF2-40B4-BE49-F238E27FC236}">
+                <a16:creationId xmlns:a16="http://schemas.microsoft.com/office/drawing/2014/main" id="{2A41B238-A77C-A4C0-8543-8E8DB6CACA89}"/>
+              </a:ext>
+            </a:extLst>
+          </p:cNvPr>
+          <p:cNvPicPr>
+            <a:picLocks noChangeAspect="1"/>
+          </p:cNvPicPr>
+          <p:nvPr/>
+        </p:nvPicPr>
+        <p:blipFill>
+          <a:blip r:embed="rId3"/>
+          <a:stretch>
+            <a:fillRect/>
+          </a:stretch>
+        </p:blipFill>
+        <p:spPr>
+          <a:xfrm>
+            <a:off x="4658279" y="2482531"/>
+            <a:ext cx="2875442" cy="2933800"/>
+          </a:xfrm>
+          <a:prstGeom prst="rect">
+            <a:avLst/>
+          </a:prstGeom>
+        </p:spPr>
+      </p:pic>
+    </p:spTree>
+    <p:extLst>
+      <p:ext uri="{BB962C8B-B14F-4D97-AF65-F5344CB8AC3E}">
+        <p14:creationId xmlns:p14="http://schemas.microsoft.com/office/powerpoint/2010/main" val="58372144"/>
+      </p:ext>
+    </p:extLst>
+  </p:cSld>
+  <p:clrMapOvr>
+    <a:masterClrMapping/>
+  </p:clrMapOvr>
+</p:sld>
+</file>
+
+<file path=ppt/slides/slide19.xml><?xml version="1.0" encoding="utf-8"?>
 <p:sld xmlns:a="http://schemas.openxmlformats.org/drawingml/2006/main" xmlns:r="http://schemas.openxmlformats.org/officeDocument/2006/relationships" xmlns:p="http://schemas.openxmlformats.org/presentationml/2006/main">
   <p:cSld>
     <p:spTree>
@@ -16704,6 +19160,17 @@
 </file>
 
 <file path=customXml/item1.xml><?xml version="1.0" encoding="utf-8"?>
+<p:properties xmlns:p="http://schemas.microsoft.com/office/2006/metadata/properties" xmlns:xsi="http://www.w3.org/2001/XMLSchema-instance" xmlns:pc="http://schemas.microsoft.com/office/infopath/2007/PartnerControls">
+  <documentManagement>
+    <lcf76f155ced4ddcb4097134ff3c332f xmlns="40806f44-bc4a-4ea4-b660-c6da93f8f179">
+      <Terms xmlns="http://schemas.microsoft.com/office/infopath/2007/PartnerControls"/>
+    </lcf76f155ced4ddcb4097134ff3c332f>
+    <TaxCatchAll xmlns="758d0d8f-b783-4c78-ab73-9740c97b97cf" xsi:nil="true"/>
+  </documentManagement>
+</p:properties>
+</file>
+
+<file path=customXml/item2.xml><?xml version="1.0" encoding="utf-8"?>
 <ct:contentTypeSchema xmlns:ct="http://schemas.microsoft.com/office/2006/metadata/contentType" xmlns:ma="http://schemas.microsoft.com/office/2006/metadata/properties/metaAttributes" ct:_="" ma:_="" ma:contentTypeName="Document" ma:contentTypeID="0x010100E4F55D9EF0BF0A44B819E681FCAC00B7" ma:contentTypeVersion="12" ma:contentTypeDescription="Create a new document." ma:contentTypeScope="" ma:versionID="068ce121a7a7a0aebcb89dd601c4f0a2">
   <xsd:schema xmlns:xsd="http://www.w3.org/2001/XMLSchema" xmlns:xs="http://www.w3.org/2001/XMLSchema" xmlns:p="http://schemas.microsoft.com/office/2006/metadata/properties" xmlns:ns2="40806f44-bc4a-4ea4-b660-c6da93f8f179" xmlns:ns3="758d0d8f-b783-4c78-ab73-9740c97b97cf" targetNamespace="http://schemas.microsoft.com/office/2006/metadata/properties" ma:root="true" ma:fieldsID="67c58e6c5c8ea9af0822acd84d25e1a2" ns2:_="" ns3:_="">
     <xsd:import namespace="40806f44-bc4a-4ea4-b660-c6da93f8f179"/>
@@ -16920,17 +19387,6 @@
 </ct:contentTypeSchema>
 </file>
 
-<file path=customXml/item2.xml><?xml version="1.0" encoding="utf-8"?>
-<p:properties xmlns:p="http://schemas.microsoft.com/office/2006/metadata/properties" xmlns:xsi="http://www.w3.org/2001/XMLSchema-instance" xmlns:pc="http://schemas.microsoft.com/office/infopath/2007/PartnerControls">
-  <documentManagement>
-    <lcf76f155ced4ddcb4097134ff3c332f xmlns="40806f44-bc4a-4ea4-b660-c6da93f8f179">
-      <Terms xmlns="http://schemas.microsoft.com/office/infopath/2007/PartnerControls"/>
-    </lcf76f155ced4ddcb4097134ff3c332f>
-    <TaxCatchAll xmlns="758d0d8f-b783-4c78-ab73-9740c97b97cf" xsi:nil="true"/>
-  </documentManagement>
-</p:properties>
-</file>
-
 <file path=customXml/item3.xml><?xml version="1.0" encoding="utf-8"?>
 <?mso-contentType ?>
 <FormTemplates xmlns="http://schemas.microsoft.com/sharepoint/v3/contenttype/forms">
@@ -16941,6 +19397,23 @@
 </file>
 
 <file path=customXml/itemProps1.xml><?xml version="1.0" encoding="utf-8"?>
+<ds:datastoreItem xmlns:ds="http://schemas.openxmlformats.org/officeDocument/2006/customXml" ds:itemID="{61E72F81-8533-461E-8E71-A6D77294CFEF}">
+  <ds:schemaRefs>
+    <ds:schemaRef ds:uri="http://purl.org/dc/elements/1.1/"/>
+    <ds:schemaRef ds:uri="http://www.w3.org/XML/1998/namespace"/>
+    <ds:schemaRef ds:uri="http://purl.org/dc/terms/"/>
+    <ds:schemaRef ds:uri="http://schemas.microsoft.com/office/2006/documentManagement/types"/>
+    <ds:schemaRef ds:uri="40806f44-bc4a-4ea4-b660-c6da93f8f179"/>
+    <ds:schemaRef ds:uri="http://schemas.openxmlformats.org/package/2006/metadata/core-properties"/>
+    <ds:schemaRef ds:uri="http://purl.org/dc/dcmitype/"/>
+    <ds:schemaRef ds:uri="http://schemas.microsoft.com/office/infopath/2007/PartnerControls"/>
+    <ds:schemaRef ds:uri="758d0d8f-b783-4c78-ab73-9740c97b97cf"/>
+    <ds:schemaRef ds:uri="http://schemas.microsoft.com/office/2006/metadata/properties"/>
+  </ds:schemaRefs>
+</ds:datastoreItem>
+</file>
+
+<file path=customXml/itemProps2.xml><?xml version="1.0" encoding="utf-8"?>
 <ds:datastoreItem xmlns:ds="http://schemas.openxmlformats.org/officeDocument/2006/customXml" ds:itemID="{4E6AED0F-96FF-4C7F-8AC9-672C91BFCDFE}">
   <ds:schemaRefs>
     <ds:schemaRef ds:uri="http://schemas.microsoft.com/office/2006/metadata/contentType"/>
@@ -16959,23 +19432,6 @@
 </ds:datastoreItem>
 </file>
 
-<file path=customXml/itemProps2.xml><?xml version="1.0" encoding="utf-8"?>
-<ds:datastoreItem xmlns:ds="http://schemas.openxmlformats.org/officeDocument/2006/customXml" ds:itemID="{61E72F81-8533-461E-8E71-A6D77294CFEF}">
-  <ds:schemaRefs>
-    <ds:schemaRef ds:uri="http://purl.org/dc/elements/1.1/"/>
-    <ds:schemaRef ds:uri="http://www.w3.org/XML/1998/namespace"/>
-    <ds:schemaRef ds:uri="http://purl.org/dc/terms/"/>
-    <ds:schemaRef ds:uri="http://schemas.microsoft.com/office/2006/documentManagement/types"/>
-    <ds:schemaRef ds:uri="40806f44-bc4a-4ea4-b660-c6da93f8f179"/>
-    <ds:schemaRef ds:uri="http://schemas.openxmlformats.org/package/2006/metadata/core-properties"/>
-    <ds:schemaRef ds:uri="http://purl.org/dc/dcmitype/"/>
-    <ds:schemaRef ds:uri="http://schemas.microsoft.com/office/infopath/2007/PartnerControls"/>
-    <ds:schemaRef ds:uri="758d0d8f-b783-4c78-ab73-9740c97b97cf"/>
-    <ds:schemaRef ds:uri="http://schemas.microsoft.com/office/2006/metadata/properties"/>
-  </ds:schemaRefs>
-</ds:datastoreItem>
-</file>
-
 <file path=customXml/itemProps3.xml><?xml version="1.0" encoding="utf-8"?>
 <ds:datastoreItem xmlns:ds="http://schemas.openxmlformats.org/officeDocument/2006/customXml" ds:itemID="{46915D30-CAA6-465E-907F-1770D4E3B01D}">
   <ds:schemaRefs>

--- a/Bootcamp/react/react.pptx
+++ b/Bootcamp/react/react.pptx
@@ -5,7 +5,7 @@
     <p:sldMasterId id="2147483648" r:id="rId4"/>
   </p:sldMasterIdLst>
   <p:notesMasterIdLst>
-    <p:notesMasterId r:id="rId24"/>
+    <p:notesMasterId r:id="rId31"/>
   </p:notesMasterIdLst>
   <p:sldIdLst>
     <p:sldId id="282" r:id="rId5"/>
@@ -25,8 +25,15 @@
     <p:sldId id="392" r:id="rId19"/>
     <p:sldId id="393" r:id="rId20"/>
     <p:sldId id="394" r:id="rId21"/>
-    <p:sldId id="395" r:id="rId22"/>
-    <p:sldId id="381" r:id="rId23"/>
+    <p:sldId id="396" r:id="rId22"/>
+    <p:sldId id="399" r:id="rId23"/>
+    <p:sldId id="398" r:id="rId24"/>
+    <p:sldId id="400" r:id="rId25"/>
+    <p:sldId id="401" r:id="rId26"/>
+    <p:sldId id="402" r:id="rId27"/>
+    <p:sldId id="395" r:id="rId28"/>
+    <p:sldId id="397" r:id="rId29"/>
+    <p:sldId id="381" r:id="rId30"/>
   </p:sldIdLst>
   <p:sldSz cx="12192000" cy="6858000"/>
   <p:notesSz cx="6858000" cy="9144000"/>
@@ -151,7 +158,14 @@
             <p14:sldId id="392"/>
             <p14:sldId id="393"/>
             <p14:sldId id="394"/>
+            <p14:sldId id="396"/>
+            <p14:sldId id="399"/>
+            <p14:sldId id="398"/>
+            <p14:sldId id="400"/>
+            <p14:sldId id="401"/>
+            <p14:sldId id="402"/>
             <p14:sldId id="395"/>
+            <p14:sldId id="397"/>
             <p14:sldId id="381"/>
           </p14:sldIdLst>
         </p14:section>
@@ -1639,7 +1653,7 @@
         <p:cNvPr id="1" name="">
           <a:extLst>
             <a:ext uri="{FF2B5EF4-FFF2-40B4-BE49-F238E27FC236}">
-              <a16:creationId xmlns:a16="http://schemas.microsoft.com/office/drawing/2014/main" id="{6B9E9F49-9561-A8FD-4EED-4F895DD9627C}"/>
+              <a16:creationId xmlns:a16="http://schemas.microsoft.com/office/drawing/2014/main" id="{7D6E9198-AE2B-D8C6-C353-19393988A214}"/>
             </a:ext>
           </a:extLst>
         </p:cNvPr>
@@ -1659,7 +1673,7 @@
           <p:cNvPr id="2" name="Slide Image Placeholder 1">
             <a:extLst>
               <a:ext uri="{FF2B5EF4-FFF2-40B4-BE49-F238E27FC236}">
-                <a16:creationId xmlns:a16="http://schemas.microsoft.com/office/drawing/2014/main" id="{C796D6F4-F5CF-2B9F-113E-20D9A9588C92}"/>
+                <a16:creationId xmlns:a16="http://schemas.microsoft.com/office/drawing/2014/main" id="{00529D5F-4642-D4E0-8A25-99A07EDD5B22}"/>
               </a:ext>
             </a:extLst>
           </p:cNvPr>
@@ -1677,7 +1691,7 @@
           <p:cNvPr id="3" name="Notes Placeholder 2">
             <a:extLst>
               <a:ext uri="{FF2B5EF4-FFF2-40B4-BE49-F238E27FC236}">
-                <a16:creationId xmlns:a16="http://schemas.microsoft.com/office/drawing/2014/main" id="{8241AF0B-79F9-9A58-8CC0-60C59E7B1A42}"/>
+                <a16:creationId xmlns:a16="http://schemas.microsoft.com/office/drawing/2014/main" id="{8B3FA721-4484-C188-5011-0ACAD96F0709}"/>
               </a:ext>
             </a:extLst>
           </p:cNvPr>
@@ -1695,31 +1709,11 @@
           <a:p>
             <a:r>
               <a:rPr lang="hr-HR" dirty="0"/>
-              <a:t>https://docs.google.com/document/d/1TrILxSJhYKtB0-27JvE9_gCZ5uc_g2ZiCwqHR66E1cM/edit?usp=sharing</a:t>
+              <a:t>https://codesandbox.io/p/sandbox/react-props-xz4cdt</a:t>
             </a:r>
             <a:r>
               <a:rPr lang="en-US" dirty="0"/>
-              <a:t> – doc </a:t>
-            </a:r>
-            <a:r>
-              <a:rPr lang="en-US" dirty="0" err="1"/>
-              <a:t>kako</a:t>
-            </a:r>
-            <a:r>
-              <a:rPr lang="en-US" dirty="0"/>
-              <a:t> </a:t>
-            </a:r>
-            <a:r>
-              <a:rPr lang="en-US" dirty="0" err="1"/>
-              <a:t>setupovati</a:t>
-            </a:r>
-            <a:r>
-              <a:rPr lang="en-US" dirty="0"/>
-              <a:t> react </a:t>
-            </a:r>
-            <a:r>
-              <a:rPr lang="en-US" dirty="0" err="1"/>
-              <a:t>aplikaciju</a:t>
+              <a:t> – fork and practice</a:t>
             </a:r>
             <a:endParaRPr lang="hr-HR" dirty="0"/>
           </a:p>
@@ -1730,7 +1724,7 @@
           <p:cNvPr id="4" name="Slide Number Placeholder 3">
             <a:extLst>
               <a:ext uri="{FF2B5EF4-FFF2-40B4-BE49-F238E27FC236}">
-                <a16:creationId xmlns:a16="http://schemas.microsoft.com/office/drawing/2014/main" id="{CBA37696-0C3D-7CA2-1930-58BEEC371D31}"/>
+                <a16:creationId xmlns:a16="http://schemas.microsoft.com/office/drawing/2014/main" id="{56C99D30-7557-4050-A5FE-6462DE49E99B}"/>
               </a:ext>
             </a:extLst>
           </p:cNvPr>
@@ -1757,7 +1751,7 @@
     </p:spTree>
     <p:extLst>
       <p:ext uri="{BB962C8B-B14F-4D97-AF65-F5344CB8AC3E}">
-        <p14:creationId xmlns:p14="http://schemas.microsoft.com/office/powerpoint/2010/main" val="4121553566"/>
+        <p14:creationId xmlns:p14="http://schemas.microsoft.com/office/powerpoint/2010/main" val="2746543094"/>
       </p:ext>
     </p:extLst>
   </p:cSld>
@@ -1772,7 +1766,13 @@
   <p:cSld>
     <p:spTree>
       <p:nvGrpSpPr>
-        <p:cNvPr id="1" name=""/>
+        <p:cNvPr id="1" name="">
+          <a:extLst>
+            <a:ext uri="{FF2B5EF4-FFF2-40B4-BE49-F238E27FC236}">
+              <a16:creationId xmlns:a16="http://schemas.microsoft.com/office/drawing/2014/main" id="{E6BE9352-6D76-40A2-5C41-98060ACB0BED}"/>
+            </a:ext>
+          </a:extLst>
+        </p:cNvPr>
         <p:cNvGrpSpPr/>
         <p:nvPr/>
       </p:nvGrpSpPr>
@@ -1786,7 +1786,13 @@
       </p:grpSpPr>
       <p:sp>
         <p:nvSpPr>
-          <p:cNvPr id="2" name="Slide Image Placeholder 1"/>
+          <p:cNvPr id="2" name="Slide Image Placeholder 1">
+            <a:extLst>
+              <a:ext uri="{FF2B5EF4-FFF2-40B4-BE49-F238E27FC236}">
+                <a16:creationId xmlns:a16="http://schemas.microsoft.com/office/drawing/2014/main" id="{3425A715-5323-65DC-6D28-AA9D0FBC88F4}"/>
+              </a:ext>
+            </a:extLst>
+          </p:cNvPr>
           <p:cNvSpPr>
             <a:spLocks noGrp="1" noRot="1" noChangeAspect="1"/>
           </p:cNvSpPr>
@@ -1798,7 +1804,13 @@
       </p:sp>
       <p:sp>
         <p:nvSpPr>
-          <p:cNvPr id="3" name="Notes Placeholder 2"/>
+          <p:cNvPr id="3" name="Notes Placeholder 2">
+            <a:extLst>
+              <a:ext uri="{FF2B5EF4-FFF2-40B4-BE49-F238E27FC236}">
+                <a16:creationId xmlns:a16="http://schemas.microsoft.com/office/drawing/2014/main" id="{66429059-FE35-92EA-7267-7236FED6EF60}"/>
+              </a:ext>
+            </a:extLst>
+          </p:cNvPr>
           <p:cNvSpPr>
             <a:spLocks noGrp="1"/>
           </p:cNvSpPr>
@@ -1811,13 +1823,27 @@
           <a:bodyPr/>
           <a:lstStyle/>
           <a:p>
+            <a:r>
+              <a:rPr lang="hr-HR" dirty="0"/>
+              <a:t>https://codesandbox.io/p/sandbox/react-props-xz4cdt</a:t>
+            </a:r>
+            <a:r>
+              <a:rPr lang="en-US" dirty="0"/>
+              <a:t> – fork and practice</a:t>
+            </a:r>
             <a:endParaRPr lang="hr-HR" dirty="0"/>
           </a:p>
         </p:txBody>
       </p:sp>
       <p:sp>
         <p:nvSpPr>
-          <p:cNvPr id="4" name="Slide Number Placeholder 3"/>
+          <p:cNvPr id="4" name="Slide Number Placeholder 3">
+            <a:extLst>
+              <a:ext uri="{FF2B5EF4-FFF2-40B4-BE49-F238E27FC236}">
+                <a16:creationId xmlns:a16="http://schemas.microsoft.com/office/drawing/2014/main" id="{58DD4E2D-283D-3E3D-7EDC-16C2D9AAB1CA}"/>
+              </a:ext>
+            </a:extLst>
+          </p:cNvPr>
           <p:cNvSpPr>
             <a:spLocks noGrp="1"/>
           </p:cNvSpPr>
@@ -1841,7 +1867,118 @@
     </p:spTree>
     <p:extLst>
       <p:ext uri="{BB962C8B-B14F-4D97-AF65-F5344CB8AC3E}">
-        <p14:creationId xmlns:p14="http://schemas.microsoft.com/office/powerpoint/2010/main" val="2175340841"/>
+        <p14:creationId xmlns:p14="http://schemas.microsoft.com/office/powerpoint/2010/main" val="3791944205"/>
+      </p:ext>
+    </p:extLst>
+  </p:cSld>
+  <p:clrMapOvr>
+    <a:masterClrMapping/>
+  </p:clrMapOvr>
+</p:notes>
+</file>
+
+<file path=ppt/notesSlides/notesSlide19.xml><?xml version="1.0" encoding="utf-8"?>
+<p:notes xmlns:a="http://schemas.openxmlformats.org/drawingml/2006/main" xmlns:r="http://schemas.openxmlformats.org/officeDocument/2006/relationships" xmlns:p="http://schemas.openxmlformats.org/presentationml/2006/main">
+  <p:cSld>
+    <p:spTree>
+      <p:nvGrpSpPr>
+        <p:cNvPr id="1" name="">
+          <a:extLst>
+            <a:ext uri="{FF2B5EF4-FFF2-40B4-BE49-F238E27FC236}">
+              <a16:creationId xmlns:a16="http://schemas.microsoft.com/office/drawing/2014/main" id="{972C96BB-1A67-D3E7-D185-31787F0E5D0D}"/>
+            </a:ext>
+          </a:extLst>
+        </p:cNvPr>
+        <p:cNvGrpSpPr/>
+        <p:nvPr/>
+      </p:nvGrpSpPr>
+      <p:grpSpPr>
+        <a:xfrm>
+          <a:off x="0" y="0"/>
+          <a:ext cx="0" cy="0"/>
+          <a:chOff x="0" y="0"/>
+          <a:chExt cx="0" cy="0"/>
+        </a:xfrm>
+      </p:grpSpPr>
+      <p:sp>
+        <p:nvSpPr>
+          <p:cNvPr id="2" name="Slide Image Placeholder 1">
+            <a:extLst>
+              <a:ext uri="{FF2B5EF4-FFF2-40B4-BE49-F238E27FC236}">
+                <a16:creationId xmlns:a16="http://schemas.microsoft.com/office/drawing/2014/main" id="{A7420BFB-19BF-28E1-D06E-DA930F13B87E}"/>
+              </a:ext>
+            </a:extLst>
+          </p:cNvPr>
+          <p:cNvSpPr>
+            <a:spLocks noGrp="1" noRot="1" noChangeAspect="1"/>
+          </p:cNvSpPr>
+          <p:nvPr>
+            <p:ph type="sldImg"/>
+          </p:nvPr>
+        </p:nvSpPr>
+        <p:spPr/>
+      </p:sp>
+      <p:sp>
+        <p:nvSpPr>
+          <p:cNvPr id="3" name="Notes Placeholder 2">
+            <a:extLst>
+              <a:ext uri="{FF2B5EF4-FFF2-40B4-BE49-F238E27FC236}">
+                <a16:creationId xmlns:a16="http://schemas.microsoft.com/office/drawing/2014/main" id="{5EB5A8CA-6D85-D717-D361-99197099F3EF}"/>
+              </a:ext>
+            </a:extLst>
+          </p:cNvPr>
+          <p:cNvSpPr>
+            <a:spLocks noGrp="1"/>
+          </p:cNvSpPr>
+          <p:nvPr>
+            <p:ph type="body" idx="1"/>
+          </p:nvPr>
+        </p:nvSpPr>
+        <p:spPr/>
+        <p:txBody>
+          <a:bodyPr/>
+          <a:lstStyle/>
+          <a:p>
+            <a:r>
+              <a:rPr lang="hr-HR" dirty="0"/>
+              <a:t>https://w00gz.csb.app/</a:t>
+            </a:r>
+          </a:p>
+        </p:txBody>
+      </p:sp>
+      <p:sp>
+        <p:nvSpPr>
+          <p:cNvPr id="4" name="Slide Number Placeholder 3">
+            <a:extLst>
+              <a:ext uri="{FF2B5EF4-FFF2-40B4-BE49-F238E27FC236}">
+                <a16:creationId xmlns:a16="http://schemas.microsoft.com/office/drawing/2014/main" id="{E1BBCB04-310D-3B94-752B-01F4ABC1C6BE}"/>
+              </a:ext>
+            </a:extLst>
+          </p:cNvPr>
+          <p:cNvSpPr>
+            <a:spLocks noGrp="1"/>
+          </p:cNvSpPr>
+          <p:nvPr>
+            <p:ph type="sldNum" sz="quarter" idx="5"/>
+          </p:nvPr>
+        </p:nvSpPr>
+        <p:spPr/>
+        <p:txBody>
+          <a:bodyPr/>
+          <a:lstStyle/>
+          <a:p>
+            <a:fld id="{343B951A-A665-1949-AEDB-B62DC9BE7F13}" type="slidenum">
+              <a:rPr lang="en-US" smtClean="0"/>
+              <a:t>20</a:t>
+            </a:fld>
+            <a:endParaRPr lang="en-US"/>
+          </a:p>
+        </p:txBody>
+      </p:sp>
+    </p:spTree>
+    <p:extLst>
+      <p:ext uri="{BB962C8B-B14F-4D97-AF65-F5344CB8AC3E}">
+        <p14:creationId xmlns:p14="http://schemas.microsoft.com/office/powerpoint/2010/main" val="2231958394"/>
       </p:ext>
     </p:extLst>
   </p:cSld>
@@ -1953,6 +2090,675 @@
     <p:extLst>
       <p:ext uri="{BB962C8B-B14F-4D97-AF65-F5344CB8AC3E}">
         <p14:creationId xmlns:p14="http://schemas.microsoft.com/office/powerpoint/2010/main" val="4209921914"/>
+      </p:ext>
+    </p:extLst>
+  </p:cSld>
+  <p:clrMapOvr>
+    <a:masterClrMapping/>
+  </p:clrMapOvr>
+</p:notes>
+</file>
+
+<file path=ppt/notesSlides/notesSlide20.xml><?xml version="1.0" encoding="utf-8"?>
+<p:notes xmlns:a="http://schemas.openxmlformats.org/drawingml/2006/main" xmlns:r="http://schemas.openxmlformats.org/officeDocument/2006/relationships" xmlns:p="http://schemas.openxmlformats.org/presentationml/2006/main">
+  <p:cSld>
+    <p:spTree>
+      <p:nvGrpSpPr>
+        <p:cNvPr id="1" name="">
+          <a:extLst>
+            <a:ext uri="{FF2B5EF4-FFF2-40B4-BE49-F238E27FC236}">
+              <a16:creationId xmlns:a16="http://schemas.microsoft.com/office/drawing/2014/main" id="{68F02FFB-5359-9CE0-7193-7058CCD12FC8}"/>
+            </a:ext>
+          </a:extLst>
+        </p:cNvPr>
+        <p:cNvGrpSpPr/>
+        <p:nvPr/>
+      </p:nvGrpSpPr>
+      <p:grpSpPr>
+        <a:xfrm>
+          <a:off x="0" y="0"/>
+          <a:ext cx="0" cy="0"/>
+          <a:chOff x="0" y="0"/>
+          <a:chExt cx="0" cy="0"/>
+        </a:xfrm>
+      </p:grpSpPr>
+      <p:sp>
+        <p:nvSpPr>
+          <p:cNvPr id="2" name="Slide Image Placeholder 1">
+            <a:extLst>
+              <a:ext uri="{FF2B5EF4-FFF2-40B4-BE49-F238E27FC236}">
+                <a16:creationId xmlns:a16="http://schemas.microsoft.com/office/drawing/2014/main" id="{2B4601CF-EAAD-2D22-C770-752EF080E5AB}"/>
+              </a:ext>
+            </a:extLst>
+          </p:cNvPr>
+          <p:cNvSpPr>
+            <a:spLocks noGrp="1" noRot="1" noChangeAspect="1"/>
+          </p:cNvSpPr>
+          <p:nvPr>
+            <p:ph type="sldImg"/>
+          </p:nvPr>
+        </p:nvSpPr>
+        <p:spPr/>
+      </p:sp>
+      <p:sp>
+        <p:nvSpPr>
+          <p:cNvPr id="3" name="Notes Placeholder 2">
+            <a:extLst>
+              <a:ext uri="{FF2B5EF4-FFF2-40B4-BE49-F238E27FC236}">
+                <a16:creationId xmlns:a16="http://schemas.microsoft.com/office/drawing/2014/main" id="{3DEA31CC-C448-4A80-1904-527952370529}"/>
+              </a:ext>
+            </a:extLst>
+          </p:cNvPr>
+          <p:cNvSpPr>
+            <a:spLocks noGrp="1"/>
+          </p:cNvSpPr>
+          <p:nvPr>
+            <p:ph type="body" idx="1"/>
+          </p:nvPr>
+        </p:nvSpPr>
+        <p:spPr/>
+        <p:txBody>
+          <a:bodyPr/>
+          <a:lstStyle/>
+          <a:p>
+            <a:r>
+              <a:rPr lang="hr-HR" dirty="0"/>
+              <a:t>https://codesandbox.io/p/sandbox/react-props-xz4cdt</a:t>
+            </a:r>
+            <a:r>
+              <a:rPr lang="en-US" dirty="0"/>
+              <a:t> – fork and practice</a:t>
+            </a:r>
+            <a:endParaRPr lang="hr-HR" dirty="0"/>
+          </a:p>
+        </p:txBody>
+      </p:sp>
+      <p:sp>
+        <p:nvSpPr>
+          <p:cNvPr id="4" name="Slide Number Placeholder 3">
+            <a:extLst>
+              <a:ext uri="{FF2B5EF4-FFF2-40B4-BE49-F238E27FC236}">
+                <a16:creationId xmlns:a16="http://schemas.microsoft.com/office/drawing/2014/main" id="{66386F73-BEAA-B098-8820-0F0B68800C1E}"/>
+              </a:ext>
+            </a:extLst>
+          </p:cNvPr>
+          <p:cNvSpPr>
+            <a:spLocks noGrp="1"/>
+          </p:cNvSpPr>
+          <p:nvPr>
+            <p:ph type="sldNum" sz="quarter" idx="5"/>
+          </p:nvPr>
+        </p:nvSpPr>
+        <p:spPr/>
+        <p:txBody>
+          <a:bodyPr/>
+          <a:lstStyle/>
+          <a:p>
+            <a:fld id="{343B951A-A665-1949-AEDB-B62DC9BE7F13}" type="slidenum">
+              <a:rPr lang="en-US" smtClean="0"/>
+              <a:t>21</a:t>
+            </a:fld>
+            <a:endParaRPr lang="en-US"/>
+          </a:p>
+        </p:txBody>
+      </p:sp>
+    </p:spTree>
+    <p:extLst>
+      <p:ext uri="{BB962C8B-B14F-4D97-AF65-F5344CB8AC3E}">
+        <p14:creationId xmlns:p14="http://schemas.microsoft.com/office/powerpoint/2010/main" val="4149716352"/>
+      </p:ext>
+    </p:extLst>
+  </p:cSld>
+  <p:clrMapOvr>
+    <a:masterClrMapping/>
+  </p:clrMapOvr>
+</p:notes>
+</file>
+
+<file path=ppt/notesSlides/notesSlide21.xml><?xml version="1.0" encoding="utf-8"?>
+<p:notes xmlns:a="http://schemas.openxmlformats.org/drawingml/2006/main" xmlns:r="http://schemas.openxmlformats.org/officeDocument/2006/relationships" xmlns:p="http://schemas.openxmlformats.org/presentationml/2006/main">
+  <p:cSld>
+    <p:spTree>
+      <p:nvGrpSpPr>
+        <p:cNvPr id="1" name="">
+          <a:extLst>
+            <a:ext uri="{FF2B5EF4-FFF2-40B4-BE49-F238E27FC236}">
+              <a16:creationId xmlns:a16="http://schemas.microsoft.com/office/drawing/2014/main" id="{DE2871E8-2422-1B9C-891B-685661717CE2}"/>
+            </a:ext>
+          </a:extLst>
+        </p:cNvPr>
+        <p:cNvGrpSpPr/>
+        <p:nvPr/>
+      </p:nvGrpSpPr>
+      <p:grpSpPr>
+        <a:xfrm>
+          <a:off x="0" y="0"/>
+          <a:ext cx="0" cy="0"/>
+          <a:chOff x="0" y="0"/>
+          <a:chExt cx="0" cy="0"/>
+        </a:xfrm>
+      </p:grpSpPr>
+      <p:sp>
+        <p:nvSpPr>
+          <p:cNvPr id="2" name="Slide Image Placeholder 1">
+            <a:extLst>
+              <a:ext uri="{FF2B5EF4-FFF2-40B4-BE49-F238E27FC236}">
+                <a16:creationId xmlns:a16="http://schemas.microsoft.com/office/drawing/2014/main" id="{E597B365-EF25-130A-2987-18AB472F6090}"/>
+              </a:ext>
+            </a:extLst>
+          </p:cNvPr>
+          <p:cNvSpPr>
+            <a:spLocks noGrp="1" noRot="1" noChangeAspect="1"/>
+          </p:cNvSpPr>
+          <p:nvPr>
+            <p:ph type="sldImg"/>
+          </p:nvPr>
+        </p:nvSpPr>
+        <p:spPr/>
+      </p:sp>
+      <p:sp>
+        <p:nvSpPr>
+          <p:cNvPr id="3" name="Notes Placeholder 2">
+            <a:extLst>
+              <a:ext uri="{FF2B5EF4-FFF2-40B4-BE49-F238E27FC236}">
+                <a16:creationId xmlns:a16="http://schemas.microsoft.com/office/drawing/2014/main" id="{3AAF45E7-21AC-56B3-D153-811ECAD55E03}"/>
+              </a:ext>
+            </a:extLst>
+          </p:cNvPr>
+          <p:cNvSpPr>
+            <a:spLocks noGrp="1"/>
+          </p:cNvSpPr>
+          <p:nvPr>
+            <p:ph type="body" idx="1"/>
+          </p:nvPr>
+        </p:nvSpPr>
+        <p:spPr/>
+        <p:txBody>
+          <a:bodyPr/>
+          <a:lstStyle/>
+          <a:p>
+            <a:r>
+              <a:rPr lang="hr-HR" dirty="0"/>
+              <a:t>https://chromewebstore.google.com/detail/react-developer-tools/fmkadmapgofadopljbjfkapdkoienihi?hl=en&amp;pli=1</a:t>
+            </a:r>
+          </a:p>
+        </p:txBody>
+      </p:sp>
+      <p:sp>
+        <p:nvSpPr>
+          <p:cNvPr id="4" name="Slide Number Placeholder 3">
+            <a:extLst>
+              <a:ext uri="{FF2B5EF4-FFF2-40B4-BE49-F238E27FC236}">
+                <a16:creationId xmlns:a16="http://schemas.microsoft.com/office/drawing/2014/main" id="{61407AA2-2C98-B3CD-F56C-35BD800DC98F}"/>
+              </a:ext>
+            </a:extLst>
+          </p:cNvPr>
+          <p:cNvSpPr>
+            <a:spLocks noGrp="1"/>
+          </p:cNvSpPr>
+          <p:nvPr>
+            <p:ph type="sldNum" sz="quarter" idx="5"/>
+          </p:nvPr>
+        </p:nvSpPr>
+        <p:spPr/>
+        <p:txBody>
+          <a:bodyPr/>
+          <a:lstStyle/>
+          <a:p>
+            <a:fld id="{343B951A-A665-1949-AEDB-B62DC9BE7F13}" type="slidenum">
+              <a:rPr lang="en-US" smtClean="0"/>
+              <a:t>22</a:t>
+            </a:fld>
+            <a:endParaRPr lang="en-US"/>
+          </a:p>
+        </p:txBody>
+      </p:sp>
+    </p:spTree>
+    <p:extLst>
+      <p:ext uri="{BB962C8B-B14F-4D97-AF65-F5344CB8AC3E}">
+        <p14:creationId xmlns:p14="http://schemas.microsoft.com/office/powerpoint/2010/main" val="1324126964"/>
+      </p:ext>
+    </p:extLst>
+  </p:cSld>
+  <p:clrMapOvr>
+    <a:masterClrMapping/>
+  </p:clrMapOvr>
+</p:notes>
+</file>
+
+<file path=ppt/notesSlides/notesSlide22.xml><?xml version="1.0" encoding="utf-8"?>
+<p:notes xmlns:a="http://schemas.openxmlformats.org/drawingml/2006/main" xmlns:r="http://schemas.openxmlformats.org/officeDocument/2006/relationships" xmlns:p="http://schemas.openxmlformats.org/presentationml/2006/main">
+  <p:cSld>
+    <p:spTree>
+      <p:nvGrpSpPr>
+        <p:cNvPr id="1" name="">
+          <a:extLst>
+            <a:ext uri="{FF2B5EF4-FFF2-40B4-BE49-F238E27FC236}">
+              <a16:creationId xmlns:a16="http://schemas.microsoft.com/office/drawing/2014/main" id="{0F55EFF6-B171-831A-73FC-8A9FE128D4E0}"/>
+            </a:ext>
+          </a:extLst>
+        </p:cNvPr>
+        <p:cNvGrpSpPr/>
+        <p:nvPr/>
+      </p:nvGrpSpPr>
+      <p:grpSpPr>
+        <a:xfrm>
+          <a:off x="0" y="0"/>
+          <a:ext cx="0" cy="0"/>
+          <a:chOff x="0" y="0"/>
+          <a:chExt cx="0" cy="0"/>
+        </a:xfrm>
+      </p:grpSpPr>
+      <p:sp>
+        <p:nvSpPr>
+          <p:cNvPr id="2" name="Slide Image Placeholder 1">
+            <a:extLst>
+              <a:ext uri="{FF2B5EF4-FFF2-40B4-BE49-F238E27FC236}">
+                <a16:creationId xmlns:a16="http://schemas.microsoft.com/office/drawing/2014/main" id="{36F6E320-BD45-6538-CF96-4E709CFB665B}"/>
+              </a:ext>
+            </a:extLst>
+          </p:cNvPr>
+          <p:cNvSpPr>
+            <a:spLocks noGrp="1" noRot="1" noChangeAspect="1"/>
+          </p:cNvSpPr>
+          <p:nvPr>
+            <p:ph type="sldImg"/>
+          </p:nvPr>
+        </p:nvSpPr>
+        <p:spPr/>
+      </p:sp>
+      <p:sp>
+        <p:nvSpPr>
+          <p:cNvPr id="3" name="Notes Placeholder 2">
+            <a:extLst>
+              <a:ext uri="{FF2B5EF4-FFF2-40B4-BE49-F238E27FC236}">
+                <a16:creationId xmlns:a16="http://schemas.microsoft.com/office/drawing/2014/main" id="{5ECF24E3-34E6-13A3-9BB2-3833661EA9C8}"/>
+              </a:ext>
+            </a:extLst>
+          </p:cNvPr>
+          <p:cNvSpPr>
+            <a:spLocks noGrp="1"/>
+          </p:cNvSpPr>
+          <p:nvPr>
+            <p:ph type="body" idx="1"/>
+          </p:nvPr>
+        </p:nvSpPr>
+        <p:spPr/>
+        <p:txBody>
+          <a:bodyPr/>
+          <a:lstStyle/>
+          <a:p>
+            <a:r>
+              <a:rPr lang="hr-HR" dirty="0"/>
+              <a:t>https://w00gz.csb.app/</a:t>
+            </a:r>
+          </a:p>
+        </p:txBody>
+      </p:sp>
+      <p:sp>
+        <p:nvSpPr>
+          <p:cNvPr id="4" name="Slide Number Placeholder 3">
+            <a:extLst>
+              <a:ext uri="{FF2B5EF4-FFF2-40B4-BE49-F238E27FC236}">
+                <a16:creationId xmlns:a16="http://schemas.microsoft.com/office/drawing/2014/main" id="{E9D2A6DE-D8F3-655F-E6AD-E4C55765F907}"/>
+              </a:ext>
+            </a:extLst>
+          </p:cNvPr>
+          <p:cNvSpPr>
+            <a:spLocks noGrp="1"/>
+          </p:cNvSpPr>
+          <p:nvPr>
+            <p:ph type="sldNum" sz="quarter" idx="5"/>
+          </p:nvPr>
+        </p:nvSpPr>
+        <p:spPr/>
+        <p:txBody>
+          <a:bodyPr/>
+          <a:lstStyle/>
+          <a:p>
+            <a:fld id="{343B951A-A665-1949-AEDB-B62DC9BE7F13}" type="slidenum">
+              <a:rPr lang="en-US" smtClean="0"/>
+              <a:t>23</a:t>
+            </a:fld>
+            <a:endParaRPr lang="en-US"/>
+          </a:p>
+        </p:txBody>
+      </p:sp>
+    </p:spTree>
+    <p:extLst>
+      <p:ext uri="{BB962C8B-B14F-4D97-AF65-F5344CB8AC3E}">
+        <p14:creationId xmlns:p14="http://schemas.microsoft.com/office/powerpoint/2010/main" val="2298344950"/>
+      </p:ext>
+    </p:extLst>
+  </p:cSld>
+  <p:clrMapOvr>
+    <a:masterClrMapping/>
+  </p:clrMapOvr>
+</p:notes>
+</file>
+
+<file path=ppt/notesSlides/notesSlide23.xml><?xml version="1.0" encoding="utf-8"?>
+<p:notes xmlns:a="http://schemas.openxmlformats.org/drawingml/2006/main" xmlns:r="http://schemas.openxmlformats.org/officeDocument/2006/relationships" xmlns:p="http://schemas.openxmlformats.org/presentationml/2006/main">
+  <p:cSld>
+    <p:spTree>
+      <p:nvGrpSpPr>
+        <p:cNvPr id="1" name="">
+          <a:extLst>
+            <a:ext uri="{FF2B5EF4-FFF2-40B4-BE49-F238E27FC236}">
+              <a16:creationId xmlns:a16="http://schemas.microsoft.com/office/drawing/2014/main" id="{6B9E9F49-9561-A8FD-4EED-4F895DD9627C}"/>
+            </a:ext>
+          </a:extLst>
+        </p:cNvPr>
+        <p:cNvGrpSpPr/>
+        <p:nvPr/>
+      </p:nvGrpSpPr>
+      <p:grpSpPr>
+        <a:xfrm>
+          <a:off x="0" y="0"/>
+          <a:ext cx="0" cy="0"/>
+          <a:chOff x="0" y="0"/>
+          <a:chExt cx="0" cy="0"/>
+        </a:xfrm>
+      </p:grpSpPr>
+      <p:sp>
+        <p:nvSpPr>
+          <p:cNvPr id="2" name="Slide Image Placeholder 1">
+            <a:extLst>
+              <a:ext uri="{FF2B5EF4-FFF2-40B4-BE49-F238E27FC236}">
+                <a16:creationId xmlns:a16="http://schemas.microsoft.com/office/drawing/2014/main" id="{C796D6F4-F5CF-2B9F-113E-20D9A9588C92}"/>
+              </a:ext>
+            </a:extLst>
+          </p:cNvPr>
+          <p:cNvSpPr>
+            <a:spLocks noGrp="1" noRot="1" noChangeAspect="1"/>
+          </p:cNvSpPr>
+          <p:nvPr>
+            <p:ph type="sldImg"/>
+          </p:nvPr>
+        </p:nvSpPr>
+        <p:spPr/>
+      </p:sp>
+      <p:sp>
+        <p:nvSpPr>
+          <p:cNvPr id="3" name="Notes Placeholder 2">
+            <a:extLst>
+              <a:ext uri="{FF2B5EF4-FFF2-40B4-BE49-F238E27FC236}">
+                <a16:creationId xmlns:a16="http://schemas.microsoft.com/office/drawing/2014/main" id="{8241AF0B-79F9-9A58-8CC0-60C59E7B1A42}"/>
+              </a:ext>
+            </a:extLst>
+          </p:cNvPr>
+          <p:cNvSpPr>
+            <a:spLocks noGrp="1"/>
+          </p:cNvSpPr>
+          <p:nvPr>
+            <p:ph type="body" idx="1"/>
+          </p:nvPr>
+        </p:nvSpPr>
+        <p:spPr/>
+        <p:txBody>
+          <a:bodyPr/>
+          <a:lstStyle/>
+          <a:p>
+            <a:r>
+              <a:rPr lang="hr-HR" dirty="0"/>
+              <a:t>https://docs.google.com/document/d/1TrILxSJhYKtB0-27JvE9_gCZ5uc_g2ZiCwqHR66E1cM/edit?usp=sharing</a:t>
+            </a:r>
+            <a:r>
+              <a:rPr lang="en-US" dirty="0"/>
+              <a:t> – doc </a:t>
+            </a:r>
+            <a:r>
+              <a:rPr lang="en-US" dirty="0" err="1"/>
+              <a:t>kako</a:t>
+            </a:r>
+            <a:r>
+              <a:rPr lang="en-US" dirty="0"/>
+              <a:t> </a:t>
+            </a:r>
+            <a:r>
+              <a:rPr lang="en-US" dirty="0" err="1"/>
+              <a:t>setupovati</a:t>
+            </a:r>
+            <a:r>
+              <a:rPr lang="en-US" dirty="0"/>
+              <a:t> react </a:t>
+            </a:r>
+            <a:r>
+              <a:rPr lang="en-US" dirty="0" err="1"/>
+              <a:t>aplikaciju</a:t>
+            </a:r>
+            <a:endParaRPr lang="hr-HR" dirty="0"/>
+          </a:p>
+        </p:txBody>
+      </p:sp>
+      <p:sp>
+        <p:nvSpPr>
+          <p:cNvPr id="4" name="Slide Number Placeholder 3">
+            <a:extLst>
+              <a:ext uri="{FF2B5EF4-FFF2-40B4-BE49-F238E27FC236}">
+                <a16:creationId xmlns:a16="http://schemas.microsoft.com/office/drawing/2014/main" id="{CBA37696-0C3D-7CA2-1930-58BEEC371D31}"/>
+              </a:ext>
+            </a:extLst>
+          </p:cNvPr>
+          <p:cNvSpPr>
+            <a:spLocks noGrp="1"/>
+          </p:cNvSpPr>
+          <p:nvPr>
+            <p:ph type="sldNum" sz="quarter" idx="5"/>
+          </p:nvPr>
+        </p:nvSpPr>
+        <p:spPr/>
+        <p:txBody>
+          <a:bodyPr/>
+          <a:lstStyle/>
+          <a:p>
+            <a:fld id="{343B951A-A665-1949-AEDB-B62DC9BE7F13}" type="slidenum">
+              <a:rPr lang="en-US" smtClean="0"/>
+              <a:t>24</a:t>
+            </a:fld>
+            <a:endParaRPr lang="en-US"/>
+          </a:p>
+        </p:txBody>
+      </p:sp>
+    </p:spTree>
+    <p:extLst>
+      <p:ext uri="{BB962C8B-B14F-4D97-AF65-F5344CB8AC3E}">
+        <p14:creationId xmlns:p14="http://schemas.microsoft.com/office/powerpoint/2010/main" val="4121553566"/>
+      </p:ext>
+    </p:extLst>
+  </p:cSld>
+  <p:clrMapOvr>
+    <a:masterClrMapping/>
+  </p:clrMapOvr>
+</p:notes>
+</file>
+
+<file path=ppt/notesSlides/notesSlide24.xml><?xml version="1.0" encoding="utf-8"?>
+<p:notes xmlns:a="http://schemas.openxmlformats.org/drawingml/2006/main" xmlns:r="http://schemas.openxmlformats.org/officeDocument/2006/relationships" xmlns:p="http://schemas.openxmlformats.org/presentationml/2006/main">
+  <p:cSld>
+    <p:spTree>
+      <p:nvGrpSpPr>
+        <p:cNvPr id="1" name="">
+          <a:extLst>
+            <a:ext uri="{FF2B5EF4-FFF2-40B4-BE49-F238E27FC236}">
+              <a16:creationId xmlns:a16="http://schemas.microsoft.com/office/drawing/2014/main" id="{94AB493C-0258-02A8-1568-EFAB830A0D69}"/>
+            </a:ext>
+          </a:extLst>
+        </p:cNvPr>
+        <p:cNvGrpSpPr/>
+        <p:nvPr/>
+      </p:nvGrpSpPr>
+      <p:grpSpPr>
+        <a:xfrm>
+          <a:off x="0" y="0"/>
+          <a:ext cx="0" cy="0"/>
+          <a:chOff x="0" y="0"/>
+          <a:chExt cx="0" cy="0"/>
+        </a:xfrm>
+      </p:grpSpPr>
+      <p:sp>
+        <p:nvSpPr>
+          <p:cNvPr id="2" name="Slide Image Placeholder 1">
+            <a:extLst>
+              <a:ext uri="{FF2B5EF4-FFF2-40B4-BE49-F238E27FC236}">
+                <a16:creationId xmlns:a16="http://schemas.microsoft.com/office/drawing/2014/main" id="{830C71EB-18C0-9C36-CC88-77687ACF60CB}"/>
+              </a:ext>
+            </a:extLst>
+          </p:cNvPr>
+          <p:cNvSpPr>
+            <a:spLocks noGrp="1" noRot="1" noChangeAspect="1"/>
+          </p:cNvSpPr>
+          <p:nvPr>
+            <p:ph type="sldImg"/>
+          </p:nvPr>
+        </p:nvSpPr>
+        <p:spPr/>
+      </p:sp>
+      <p:sp>
+        <p:nvSpPr>
+          <p:cNvPr id="3" name="Notes Placeholder 2">
+            <a:extLst>
+              <a:ext uri="{FF2B5EF4-FFF2-40B4-BE49-F238E27FC236}">
+                <a16:creationId xmlns:a16="http://schemas.microsoft.com/office/drawing/2014/main" id="{20CCC867-2B59-DE77-2549-4624660F5FAE}"/>
+              </a:ext>
+            </a:extLst>
+          </p:cNvPr>
+          <p:cNvSpPr>
+            <a:spLocks noGrp="1"/>
+          </p:cNvSpPr>
+          <p:nvPr>
+            <p:ph type="body" idx="1"/>
+          </p:nvPr>
+        </p:nvSpPr>
+        <p:spPr/>
+        <p:txBody>
+          <a:bodyPr/>
+          <a:lstStyle/>
+          <a:p>
+            <a:r>
+              <a:rPr lang="hr-HR" dirty="0"/>
+              <a:t>https://w00gz.csb.app/</a:t>
+            </a:r>
+          </a:p>
+        </p:txBody>
+      </p:sp>
+      <p:sp>
+        <p:nvSpPr>
+          <p:cNvPr id="4" name="Slide Number Placeholder 3">
+            <a:extLst>
+              <a:ext uri="{FF2B5EF4-FFF2-40B4-BE49-F238E27FC236}">
+                <a16:creationId xmlns:a16="http://schemas.microsoft.com/office/drawing/2014/main" id="{9A191590-4E13-A539-9D69-D27F1F1C9B8F}"/>
+              </a:ext>
+            </a:extLst>
+          </p:cNvPr>
+          <p:cNvSpPr>
+            <a:spLocks noGrp="1"/>
+          </p:cNvSpPr>
+          <p:nvPr>
+            <p:ph type="sldNum" sz="quarter" idx="5"/>
+          </p:nvPr>
+        </p:nvSpPr>
+        <p:spPr/>
+        <p:txBody>
+          <a:bodyPr/>
+          <a:lstStyle/>
+          <a:p>
+            <a:fld id="{343B951A-A665-1949-AEDB-B62DC9BE7F13}" type="slidenum">
+              <a:rPr lang="en-US" smtClean="0"/>
+              <a:t>25</a:t>
+            </a:fld>
+            <a:endParaRPr lang="en-US"/>
+          </a:p>
+        </p:txBody>
+      </p:sp>
+    </p:spTree>
+    <p:extLst>
+      <p:ext uri="{BB962C8B-B14F-4D97-AF65-F5344CB8AC3E}">
+        <p14:creationId xmlns:p14="http://schemas.microsoft.com/office/powerpoint/2010/main" val="1174544572"/>
+      </p:ext>
+    </p:extLst>
+  </p:cSld>
+  <p:clrMapOvr>
+    <a:masterClrMapping/>
+  </p:clrMapOvr>
+</p:notes>
+</file>
+
+<file path=ppt/notesSlides/notesSlide25.xml><?xml version="1.0" encoding="utf-8"?>
+<p:notes xmlns:a="http://schemas.openxmlformats.org/drawingml/2006/main" xmlns:r="http://schemas.openxmlformats.org/officeDocument/2006/relationships" xmlns:p="http://schemas.openxmlformats.org/presentationml/2006/main">
+  <p:cSld>
+    <p:spTree>
+      <p:nvGrpSpPr>
+        <p:cNvPr id="1" name=""/>
+        <p:cNvGrpSpPr/>
+        <p:nvPr/>
+      </p:nvGrpSpPr>
+      <p:grpSpPr>
+        <a:xfrm>
+          <a:off x="0" y="0"/>
+          <a:ext cx="0" cy="0"/>
+          <a:chOff x="0" y="0"/>
+          <a:chExt cx="0" cy="0"/>
+        </a:xfrm>
+      </p:grpSpPr>
+      <p:sp>
+        <p:nvSpPr>
+          <p:cNvPr id="2" name="Slide Image Placeholder 1"/>
+          <p:cNvSpPr>
+            <a:spLocks noGrp="1" noRot="1" noChangeAspect="1"/>
+          </p:cNvSpPr>
+          <p:nvPr>
+            <p:ph type="sldImg"/>
+          </p:nvPr>
+        </p:nvSpPr>
+        <p:spPr/>
+      </p:sp>
+      <p:sp>
+        <p:nvSpPr>
+          <p:cNvPr id="3" name="Notes Placeholder 2"/>
+          <p:cNvSpPr>
+            <a:spLocks noGrp="1"/>
+          </p:cNvSpPr>
+          <p:nvPr>
+            <p:ph type="body" idx="1"/>
+          </p:nvPr>
+        </p:nvSpPr>
+        <p:spPr/>
+        <p:txBody>
+          <a:bodyPr/>
+          <a:lstStyle/>
+          <a:p>
+            <a:endParaRPr lang="hr-HR" dirty="0"/>
+          </a:p>
+        </p:txBody>
+      </p:sp>
+      <p:sp>
+        <p:nvSpPr>
+          <p:cNvPr id="4" name="Slide Number Placeholder 3"/>
+          <p:cNvSpPr>
+            <a:spLocks noGrp="1"/>
+          </p:cNvSpPr>
+          <p:nvPr>
+            <p:ph type="sldNum" sz="quarter" idx="5"/>
+          </p:nvPr>
+        </p:nvSpPr>
+        <p:spPr/>
+        <p:txBody>
+          <a:bodyPr/>
+          <a:lstStyle/>
+          <a:p>
+            <a:fld id="{343B951A-A665-1949-AEDB-B62DC9BE7F13}" type="slidenum">
+              <a:rPr lang="en-US" smtClean="0"/>
+              <a:t>26</a:t>
+            </a:fld>
+            <a:endParaRPr lang="en-US"/>
+          </a:p>
+        </p:txBody>
+      </p:sp>
+    </p:spTree>
+    <p:extLst>
+      <p:ext uri="{BB962C8B-B14F-4D97-AF65-F5344CB8AC3E}">
+        <p14:creationId xmlns:p14="http://schemas.microsoft.com/office/powerpoint/2010/main" val="2175340841"/>
       </p:ext>
     </p:extLst>
   </p:cSld>
@@ -16021,7 +16827,7 @@
         <p:cNvPr id="1" name="">
           <a:extLst>
             <a:ext uri="{FF2B5EF4-FFF2-40B4-BE49-F238E27FC236}">
-              <a16:creationId xmlns:a16="http://schemas.microsoft.com/office/drawing/2014/main" id="{2157DF0C-B87F-1534-EFF5-2A3527096AA3}"/>
+              <a16:creationId xmlns:a16="http://schemas.microsoft.com/office/drawing/2014/main" id="{6D2E2D2E-C170-0B63-948A-C5CAD90F52BC}"/>
             </a:ext>
           </a:extLst>
         </p:cNvPr>
@@ -16041,7 +16847,7 @@
           <p:cNvPr id="4" name="Title 1">
             <a:extLst>
               <a:ext uri="{FF2B5EF4-FFF2-40B4-BE49-F238E27FC236}">
-                <a16:creationId xmlns:a16="http://schemas.microsoft.com/office/drawing/2014/main" id="{04D31D95-A0C8-C05A-637E-B29F430D1601}"/>
+                <a16:creationId xmlns:a16="http://schemas.microsoft.com/office/drawing/2014/main" id="{798C924B-0A49-B989-2897-AE56170E3326}"/>
               </a:ext>
             </a:extLst>
           </p:cNvPr>
@@ -16085,7 +16891,7 @@
           <a:p>
             <a:r>
               <a:rPr lang="en-US" dirty="0"/>
-              <a:t>REACT – LOKALNO INSTALIRANJE</a:t>
+              <a:t>REACT – PROPS</a:t>
             </a:r>
             <a:endParaRPr lang="hr-HR" dirty="0"/>
           </a:p>
@@ -16096,7 +16902,7 @@
           <p:cNvPr id="17" name="TextBox 16">
             <a:extLst>
               <a:ext uri="{FF2B5EF4-FFF2-40B4-BE49-F238E27FC236}">
-                <a16:creationId xmlns:a16="http://schemas.microsoft.com/office/drawing/2014/main" id="{F56EF033-C22C-4CE4-7AF7-100779B3F12A}"/>
+                <a16:creationId xmlns:a16="http://schemas.microsoft.com/office/drawing/2014/main" id="{224442EB-FD42-3B0A-9B00-5F86D24B858E}"/>
               </a:ext>
             </a:extLst>
           </p:cNvPr>
@@ -16105,8 +16911,8 @@
         </p:nvSpPr>
         <p:spPr>
           <a:xfrm>
-            <a:off x="990600" y="1352423"/>
-            <a:ext cx="9381460" cy="646331"/>
+            <a:off x="990600" y="1410902"/>
+            <a:ext cx="5761074" cy="2862322"/>
           </a:xfrm>
           <a:prstGeom prst="rect">
             <a:avLst/>
@@ -16131,20 +16937,56 @@
               <a:t> </a:t>
             </a:r>
             <a:r>
-              <a:rPr lang="en-US" dirty="0" err="1"/>
-              <a:t>Upustva</a:t>
+              <a:rPr lang="hr-HR" dirty="0"/>
+              <a:t>Smanjuje ponavljanje i čini kod preglednijim jer se svi elementi (poput kontakt kartica) definiraju jednom u komponenti, a zatim ponovno koriste s različitim podacima.</a:t>
+            </a:r>
+            <a:endParaRPr lang="en-US" dirty="0"/>
+          </a:p>
+          <a:p>
+            <a:pPr>
+              <a:buNone/>
+            </a:pPr>
+            <a:endParaRPr lang="en-US" dirty="0"/>
+          </a:p>
+          <a:p>
+            <a:pPr>
+              <a:buNone/>
+            </a:pPr>
+            <a:r>
+              <a:rPr lang="hr-HR" dirty="0"/>
+              <a:t>👉</a:t>
+            </a:r>
+            <a:r>
+              <a:rPr lang="pt-BR" dirty="0"/>
+              <a:t> Kada pozivate vašu custom komponentu, prosljeđujete joj podatke kao atribute</a:t>
+            </a:r>
+            <a:endParaRPr lang="en-US" dirty="0"/>
+          </a:p>
+          <a:p>
+            <a:pPr>
+              <a:buNone/>
+            </a:pPr>
+            <a:endParaRPr lang="en-US" dirty="0"/>
+          </a:p>
+          <a:p>
+            <a:pPr>
+              <a:buNone/>
+            </a:pPr>
+            <a:r>
+              <a:rPr lang="hr-HR" dirty="0"/>
+              <a:t>👉</a:t>
             </a:r>
             <a:r>
               <a:rPr lang="en-US" dirty="0"/>
               <a:t> </a:t>
             </a:r>
             <a:r>
-              <a:rPr lang="en-US" dirty="0" err="1"/>
-              <a:t>na</a:t>
-            </a:r>
-            <a:r>
-              <a:rPr lang="en-US" dirty="0"/>
-              <a:t> google doc - https://docs.google.com/document/d/1TrILxSJhYKtB0-27JvE9_gCZ5uc_g2ZiCwqHR66E1cM/edit?usp=sharing</a:t>
+              <a:rPr lang="hr-HR" dirty="0"/>
+              <a:t>Unutar komponente, ti atributi su dostupni kroz objekt </a:t>
+            </a:r>
+            <a:r>
+              <a:rPr lang="hr-HR" b="1" dirty="0" err="1"/>
+              <a:t>props</a:t>
             </a:r>
             <a:endParaRPr lang="hr-HR" dirty="0"/>
           </a:p>
@@ -16152,10 +16994,10 @@
       </p:sp>
       <p:pic>
         <p:nvPicPr>
-          <p:cNvPr id="3" name="Picture 2">
-            <a:extLst>
-              <a:ext uri="{FF2B5EF4-FFF2-40B4-BE49-F238E27FC236}">
-                <a16:creationId xmlns:a16="http://schemas.microsoft.com/office/drawing/2014/main" id="{2A41B238-A77C-A4C0-8543-8E8DB6CACA89}"/>
+          <p:cNvPr id="6" name="Picture 5">
+            <a:extLst>
+              <a:ext uri="{FF2B5EF4-FFF2-40B4-BE49-F238E27FC236}">
+                <a16:creationId xmlns:a16="http://schemas.microsoft.com/office/drawing/2014/main" id="{473B7CA0-653E-A8F2-41E9-12C8163D4358}"/>
               </a:ext>
             </a:extLst>
           </p:cNvPr>
@@ -16172,8 +17014,38 @@
         </p:blipFill>
         <p:spPr>
           <a:xfrm>
-            <a:off x="4658279" y="2482531"/>
-            <a:ext cx="2875442" cy="2933800"/>
+            <a:off x="8133796" y="991707"/>
+            <a:ext cx="2769693" cy="2088412"/>
+          </a:xfrm>
+          <a:prstGeom prst="rect">
+            <a:avLst/>
+          </a:prstGeom>
+        </p:spPr>
+      </p:pic>
+      <p:pic>
+        <p:nvPicPr>
+          <p:cNvPr id="8" name="Picture 7">
+            <a:extLst>
+              <a:ext uri="{FF2B5EF4-FFF2-40B4-BE49-F238E27FC236}">
+                <a16:creationId xmlns:a16="http://schemas.microsoft.com/office/drawing/2014/main" id="{1831D33F-E988-8DA8-C23A-9B2585F322B9}"/>
+              </a:ext>
+            </a:extLst>
+          </p:cNvPr>
+          <p:cNvPicPr>
+            <a:picLocks noChangeAspect="1"/>
+          </p:cNvPicPr>
+          <p:nvPr/>
+        </p:nvPicPr>
+        <p:blipFill>
+          <a:blip r:embed="rId4"/>
+          <a:stretch>
+            <a:fillRect/>
+          </a:stretch>
+        </p:blipFill>
+        <p:spPr>
+          <a:xfrm>
+            <a:off x="8133796" y="3549281"/>
+            <a:ext cx="2769693" cy="1843087"/>
           </a:xfrm>
           <a:prstGeom prst="rect">
             <a:avLst/>
@@ -16183,7 +17055,7 @@
     </p:spTree>
     <p:extLst>
       <p:ext uri="{BB962C8B-B14F-4D97-AF65-F5344CB8AC3E}">
-        <p14:creationId xmlns:p14="http://schemas.microsoft.com/office/powerpoint/2010/main" val="58372144"/>
+        <p14:creationId xmlns:p14="http://schemas.microsoft.com/office/powerpoint/2010/main" val="2567679583"/>
       </p:ext>
     </p:extLst>
   </p:cSld>
@@ -16198,7 +17070,13 @@
   <p:cSld>
     <p:spTree>
       <p:nvGrpSpPr>
-        <p:cNvPr id="1" name=""/>
+        <p:cNvPr id="1" name="">
+          <a:extLst>
+            <a:ext uri="{FF2B5EF4-FFF2-40B4-BE49-F238E27FC236}">
+              <a16:creationId xmlns:a16="http://schemas.microsoft.com/office/drawing/2014/main" id="{05B2D4C6-7E62-4717-197E-3FD3713E1740}"/>
+            </a:ext>
+          </a:extLst>
+        </p:cNvPr>
         <p:cNvGrpSpPr/>
         <p:nvPr/>
       </p:nvGrpSpPr>
@@ -16212,50 +17090,54 @@
       </p:grpSpPr>
       <p:sp>
         <p:nvSpPr>
-          <p:cNvPr id="9" name="Title 1">
-            <a:extLst>
-              <a:ext uri="{FF2B5EF4-FFF2-40B4-BE49-F238E27FC236}">
-                <a16:creationId xmlns:a16="http://schemas.microsoft.com/office/drawing/2014/main" id="{790829E5-EBA7-C886-B214-68BC0C03E7DD}"/>
-              </a:ext>
-            </a:extLst>
-          </p:cNvPr>
-          <p:cNvSpPr>
-            <a:spLocks noGrp="1"/>
+          <p:cNvPr id="4" name="Title 1">
+            <a:extLst>
+              <a:ext uri="{FF2B5EF4-FFF2-40B4-BE49-F238E27FC236}">
+                <a16:creationId xmlns:a16="http://schemas.microsoft.com/office/drawing/2014/main" id="{C9F0B421-5962-8373-2021-79C1265B429F}"/>
+              </a:ext>
+            </a:extLst>
+          </p:cNvPr>
+          <p:cNvSpPr txBox="1">
+            <a:spLocks/>
           </p:cNvSpPr>
-          <p:nvPr>
-            <p:ph type="ctrTitle"/>
-          </p:nvPr>
-        </p:nvSpPr>
-        <p:spPr>
-          <a:xfrm>
-            <a:off x="1018954" y="929972"/>
-            <a:ext cx="9144000" cy="1013780"/>
-          </a:xfrm>
+          <p:nvPr/>
+        </p:nvSpPr>
+        <p:spPr>
+          <a:xfrm>
+            <a:off x="990600" y="383056"/>
+            <a:ext cx="10515600" cy="853976"/>
+          </a:xfrm>
+          <a:prstGeom prst="rect">
+            <a:avLst/>
+          </a:prstGeom>
         </p:spPr>
         <p:txBody>
-          <a:bodyPr/>
-          <a:lstStyle/>
-          <a:p>
-            <a:pPr algn="ctr"/>
+          <a:bodyPr vert="horz" lIns="91440" tIns="45720" rIns="91440" bIns="45720" rtlCol="0" anchor="ctr">
+            <a:normAutofit/>
+          </a:bodyPr>
+          <a:lstStyle>
+            <a:lvl1pPr algn="l" defTabSz="914400" rtl="0" eaLnBrk="1" latinLnBrk="0" hangingPunct="1">
+              <a:lnSpc>
+                <a:spcPct val="90000"/>
+              </a:lnSpc>
+              <a:spcBef>
+                <a:spcPct val="0"/>
+              </a:spcBef>
+              <a:buNone/>
+              <a:defRPr sz="3600" b="1" i="0" kern="1200" cap="all" baseline="0">
+                <a:solidFill>
+                  <a:schemeClr val="tx2"/>
+                </a:solidFill>
+                <a:latin typeface="+mj-lt"/>
+                <a:ea typeface="Open Sans Semibold" panose="020B0606030504020204" pitchFamily="34" charset="0"/>
+                <a:cs typeface="Open Sans Semibold" panose="020B0606030504020204" pitchFamily="34" charset="0"/>
+              </a:defRPr>
+            </a:lvl1pPr>
+          </a:lstStyle>
+          <a:p>
             <a:r>
               <a:rPr lang="en-US" dirty="0"/>
-              <a:t>ZAVR</a:t>
-            </a:r>
-            <a:r>
-              <a:rPr lang="hr-HR" dirty="0"/>
-              <a:t>š</a:t>
-            </a:r>
-            <a:r>
-              <a:rPr lang="en-US" dirty="0"/>
-              <a:t>NA VJE</a:t>
-            </a:r>
-            <a:r>
-              <a:rPr lang="hr-HR" dirty="0"/>
-              <a:t>ž</a:t>
-            </a:r>
-            <a:r>
-              <a:rPr lang="en-US" dirty="0" err="1"/>
-              <a:t>ba</a:t>
+              <a:t>REACT – PROPS</a:t>
             </a:r>
             <a:endParaRPr lang="hr-HR" dirty="0"/>
           </a:p>
@@ -16263,158 +17145,163 @@
       </p:sp>
       <p:sp>
         <p:nvSpPr>
-          <p:cNvPr id="10" name="Text Placeholder 5">
-            <a:extLst>
-              <a:ext uri="{FF2B5EF4-FFF2-40B4-BE49-F238E27FC236}">
-                <a16:creationId xmlns:a16="http://schemas.microsoft.com/office/drawing/2014/main" id="{5B54BBB0-24C3-34EA-BD12-D41BA8DAB951}"/>
-              </a:ext>
-            </a:extLst>
-          </p:cNvPr>
-          <p:cNvSpPr>
-            <a:spLocks noGrp="1"/>
-          </p:cNvSpPr>
-          <p:nvPr>
-            <p:ph type="subTitle" idx="1"/>
-          </p:nvPr>
-        </p:nvSpPr>
-        <p:spPr>
-          <a:xfrm>
-            <a:off x="1061483" y="2213231"/>
-            <a:ext cx="9144000" cy="1492216"/>
-          </a:xfrm>
+          <p:cNvPr id="17" name="TextBox 16">
+            <a:extLst>
+              <a:ext uri="{FF2B5EF4-FFF2-40B4-BE49-F238E27FC236}">
+                <a16:creationId xmlns:a16="http://schemas.microsoft.com/office/drawing/2014/main" id="{2FF507D5-F989-F31B-06D7-0E070C4D1C94}"/>
+              </a:ext>
+            </a:extLst>
+          </p:cNvPr>
+          <p:cNvSpPr txBox="1"/>
+          <p:nvPr/>
+        </p:nvSpPr>
+        <p:spPr>
+          <a:xfrm>
+            <a:off x="990600" y="1410902"/>
+            <a:ext cx="5761074" cy="2862322"/>
+          </a:xfrm>
+          <a:prstGeom prst="rect">
+            <a:avLst/>
+          </a:prstGeom>
+          <a:noFill/>
         </p:spPr>
         <p:txBody>
-          <a:bodyPr>
-            <a:noAutofit/>
+          <a:bodyPr wrap="square">
+            <a:spAutoFit/>
           </a:bodyPr>
           <a:lstStyle/>
           <a:p>
-            <a:r>
-              <a:rPr lang="hr-HR" sz="1200" b="1" dirty="0"/>
-              <a:t>Zadatak: </a:t>
-            </a:r>
-            <a:r>
-              <a:rPr lang="en-US" sz="1200" b="1" dirty="0" err="1"/>
-              <a:t>dodajte</a:t>
-            </a:r>
-            <a:r>
-              <a:rPr lang="en-US" sz="1200" b="1" dirty="0"/>
+            <a:pPr>
+              <a:buNone/>
+            </a:pPr>
+            <a:r>
+              <a:rPr lang="hr-HR" dirty="0"/>
+              <a:t>👉</a:t>
+            </a:r>
+            <a:r>
+              <a:rPr lang="en-US" dirty="0"/>
               <a:t> </a:t>
             </a:r>
             <a:r>
-              <a:rPr lang="en-US" sz="1200" b="1" dirty="0" err="1"/>
-              <a:t>interaktivnost</a:t>
-            </a:r>
-            <a:r>
-              <a:rPr lang="en-US" sz="1200" b="1" dirty="0"/>
+              <a:rPr lang="hr-HR" dirty="0"/>
+              <a:t>Smanjuje ponavljanje i čini kod preglednijim jer se svi elementi (poput kontakt kartica) definiraju jednom u komponenti, a zatim ponovno koriste s različitim podacima.</a:t>
+            </a:r>
+            <a:endParaRPr lang="en-US" dirty="0"/>
+          </a:p>
+          <a:p>
+            <a:pPr>
+              <a:buNone/>
+            </a:pPr>
+            <a:endParaRPr lang="en-US" dirty="0"/>
+          </a:p>
+          <a:p>
+            <a:pPr>
+              <a:buNone/>
+            </a:pPr>
+            <a:r>
+              <a:rPr lang="hr-HR" dirty="0"/>
+              <a:t>👉</a:t>
+            </a:r>
+            <a:r>
+              <a:rPr lang="pt-BR" dirty="0"/>
+              <a:t> Kada pozivate vašu custom komponentu, prosljeđujete joj podatke kao atribute</a:t>
+            </a:r>
+            <a:endParaRPr lang="en-US" dirty="0"/>
+          </a:p>
+          <a:p>
+            <a:pPr>
+              <a:buNone/>
+            </a:pPr>
+            <a:endParaRPr lang="en-US" dirty="0"/>
+          </a:p>
+          <a:p>
+            <a:pPr>
+              <a:buNone/>
+            </a:pPr>
+            <a:r>
+              <a:rPr lang="hr-HR" dirty="0"/>
+              <a:t>👉</a:t>
+            </a:r>
+            <a:r>
+              <a:rPr lang="en-US" dirty="0"/>
               <a:t> </a:t>
             </a:r>
             <a:r>
-              <a:rPr lang="en-US" sz="1200" b="1" dirty="0" err="1"/>
-              <a:t>svom</a:t>
-            </a:r>
-            <a:r>
-              <a:rPr lang="en-US" sz="1200" b="1" dirty="0"/>
-              <a:t> video </a:t>
-            </a:r>
-            <a:r>
-              <a:rPr lang="en-US" sz="1200" b="1" dirty="0" err="1"/>
-              <a:t>klub</a:t>
-            </a:r>
-            <a:r>
-              <a:rPr lang="en-US" sz="1200" b="1" dirty="0"/>
-              <a:t> </a:t>
-            </a:r>
-            <a:r>
-              <a:rPr lang="en-US" sz="1200" b="1" dirty="0" err="1"/>
-              <a:t>sajtu</a:t>
-            </a:r>
-            <a:endParaRPr lang="hr-HR" sz="1200" b="1" dirty="0"/>
-          </a:p>
-          <a:p>
-            <a:r>
-              <a:rPr lang="hr-HR" sz="1200" b="1" dirty="0"/>
-              <a:t>Cilj:</a:t>
-            </a:r>
-            <a:endParaRPr lang="hr-HR" sz="1200" dirty="0"/>
-          </a:p>
-          <a:p>
-            <a:pPr>
-              <a:buFont typeface="Arial" panose="020B0604020202020204" pitchFamily="34" charset="0"/>
-              <a:buChar char="•"/>
-            </a:pPr>
-            <a:r>
-              <a:rPr lang="en-US" sz="1200" dirty="0"/>
-              <a:t>- </a:t>
-            </a:r>
-            <a:r>
-              <a:rPr lang="en-US" sz="1200" dirty="0" err="1"/>
-              <a:t>dodati</a:t>
-            </a:r>
-            <a:r>
-              <a:rPr lang="en-US" sz="1200" dirty="0"/>
-              <a:t> </a:t>
-            </a:r>
-            <a:r>
-              <a:rPr lang="en-US" sz="1200" dirty="0" err="1"/>
-              <a:t>funkcinalnost</a:t>
-            </a:r>
-            <a:r>
-              <a:rPr lang="en-US" sz="1200" dirty="0"/>
-              <a:t> </a:t>
-            </a:r>
-            <a:r>
-              <a:rPr lang="en-US" sz="1200" dirty="0" err="1"/>
-              <a:t>na</a:t>
-            </a:r>
-            <a:r>
-              <a:rPr lang="en-US" sz="1200" dirty="0"/>
-              <a:t> </a:t>
-            </a:r>
-            <a:r>
-              <a:rPr lang="en-US" sz="1200" dirty="0" err="1"/>
-              <a:t>klik</a:t>
-            </a:r>
-            <a:r>
-              <a:rPr lang="en-US" sz="1200" dirty="0"/>
-              <a:t> </a:t>
-            </a:r>
-            <a:r>
-              <a:rPr lang="en-US" sz="1200" dirty="0" err="1"/>
-              <a:t>kategorije</a:t>
-            </a:r>
-            <a:r>
-              <a:rPr lang="en-US" sz="1200" dirty="0"/>
-              <a:t> da </a:t>
-            </a:r>
-            <a:r>
-              <a:rPr lang="en-US" sz="1200" dirty="0" err="1"/>
-              <a:t>izadje</a:t>
-            </a:r>
-            <a:r>
-              <a:rPr lang="en-US" sz="1200" dirty="0"/>
-              <a:t> </a:t>
-            </a:r>
-            <a:r>
-              <a:rPr lang="en-US" sz="1200" dirty="0" err="1"/>
-              <a:t>padajuci</a:t>
-            </a:r>
-            <a:r>
-              <a:rPr lang="en-US" sz="1200" dirty="0"/>
-              <a:t> </a:t>
-            </a:r>
-            <a:r>
-              <a:rPr lang="en-US" sz="1200" dirty="0" err="1"/>
-              <a:t>meni</a:t>
-            </a:r>
-            <a:endParaRPr lang="en-US" sz="1200" dirty="0"/>
+              <a:rPr lang="hr-HR" dirty="0"/>
+              <a:t>Unutar komponente, ti atributi su dostupni kroz objekt </a:t>
+            </a:r>
+            <a:r>
+              <a:rPr lang="hr-HR" b="1" dirty="0" err="1"/>
+              <a:t>props</a:t>
+            </a:r>
+            <a:endParaRPr lang="hr-HR" dirty="0"/>
           </a:p>
         </p:txBody>
       </p:sp>
+      <p:pic>
+        <p:nvPicPr>
+          <p:cNvPr id="6" name="Picture 5">
+            <a:extLst>
+              <a:ext uri="{FF2B5EF4-FFF2-40B4-BE49-F238E27FC236}">
+                <a16:creationId xmlns:a16="http://schemas.microsoft.com/office/drawing/2014/main" id="{E089A80D-7280-D6C0-A667-AF33F9E468B4}"/>
+              </a:ext>
+            </a:extLst>
+          </p:cNvPr>
+          <p:cNvPicPr>
+            <a:picLocks noChangeAspect="1"/>
+          </p:cNvPicPr>
+          <p:nvPr/>
+        </p:nvPicPr>
+        <p:blipFill>
+          <a:blip r:embed="rId3"/>
+          <a:stretch>
+            <a:fillRect/>
+          </a:stretch>
+        </p:blipFill>
+        <p:spPr>
+          <a:xfrm>
+            <a:off x="8133796" y="991707"/>
+            <a:ext cx="2769693" cy="2088412"/>
+          </a:xfrm>
+          <a:prstGeom prst="rect">
+            <a:avLst/>
+          </a:prstGeom>
+        </p:spPr>
+      </p:pic>
+      <p:pic>
+        <p:nvPicPr>
+          <p:cNvPr id="8" name="Picture 7">
+            <a:extLst>
+              <a:ext uri="{FF2B5EF4-FFF2-40B4-BE49-F238E27FC236}">
+                <a16:creationId xmlns:a16="http://schemas.microsoft.com/office/drawing/2014/main" id="{6E98B397-8793-8CD3-1713-36FB7AC28005}"/>
+              </a:ext>
+            </a:extLst>
+          </p:cNvPr>
+          <p:cNvPicPr>
+            <a:picLocks noChangeAspect="1"/>
+          </p:cNvPicPr>
+          <p:nvPr/>
+        </p:nvPicPr>
+        <p:blipFill>
+          <a:blip r:embed="rId4"/>
+          <a:stretch>
+            <a:fillRect/>
+          </a:stretch>
+        </p:blipFill>
+        <p:spPr>
+          <a:xfrm>
+            <a:off x="8133796" y="3549281"/>
+            <a:ext cx="2769693" cy="1843087"/>
+          </a:xfrm>
+          <a:prstGeom prst="rect">
+            <a:avLst/>
+          </a:prstGeom>
+        </p:spPr>
+      </p:pic>
     </p:spTree>
     <p:extLst>
       <p:ext uri="{BB962C8B-B14F-4D97-AF65-F5344CB8AC3E}">
-        <p14:creationId xmlns:p14="http://schemas.microsoft.com/office/powerpoint/2010/main" val="3533409194"/>
+        <p14:creationId xmlns:p14="http://schemas.microsoft.com/office/powerpoint/2010/main" val="2411617657"/>
       </p:ext>
     </p:extLst>
   </p:cSld>
@@ -16865,6 +17752,1745 @@
     <p:extLst>
       <p:ext uri="{BB962C8B-B14F-4D97-AF65-F5344CB8AC3E}">
         <p14:creationId xmlns:p14="http://schemas.microsoft.com/office/powerpoint/2010/main" val="4089507502"/>
+      </p:ext>
+    </p:extLst>
+  </p:cSld>
+  <p:clrMapOvr>
+    <a:masterClrMapping/>
+  </p:clrMapOvr>
+</p:sld>
+</file>
+
+<file path=ppt/slides/slide20.xml><?xml version="1.0" encoding="utf-8"?>
+<p:sld xmlns:a="http://schemas.openxmlformats.org/drawingml/2006/main" xmlns:r="http://schemas.openxmlformats.org/officeDocument/2006/relationships" xmlns:p="http://schemas.openxmlformats.org/presentationml/2006/main">
+  <p:cSld>
+    <p:spTree>
+      <p:nvGrpSpPr>
+        <p:cNvPr id="1" name="">
+          <a:extLst>
+            <a:ext uri="{FF2B5EF4-FFF2-40B4-BE49-F238E27FC236}">
+              <a16:creationId xmlns:a16="http://schemas.microsoft.com/office/drawing/2014/main" id="{DF6BF3BC-4F4D-3684-DAAE-4B76491161E8}"/>
+            </a:ext>
+          </a:extLst>
+        </p:cNvPr>
+        <p:cNvGrpSpPr/>
+        <p:nvPr/>
+      </p:nvGrpSpPr>
+      <p:grpSpPr>
+        <a:xfrm>
+          <a:off x="0" y="0"/>
+          <a:ext cx="0" cy="0"/>
+          <a:chOff x="0" y="0"/>
+          <a:chExt cx="0" cy="0"/>
+        </a:xfrm>
+      </p:grpSpPr>
+      <p:sp>
+        <p:nvSpPr>
+          <p:cNvPr id="2" name="Title 1">
+            <a:extLst>
+              <a:ext uri="{FF2B5EF4-FFF2-40B4-BE49-F238E27FC236}">
+                <a16:creationId xmlns:a16="http://schemas.microsoft.com/office/drawing/2014/main" id="{8E2690BF-6F9D-20EA-E6CE-D4C0DB49BF5B}"/>
+              </a:ext>
+            </a:extLst>
+          </p:cNvPr>
+          <p:cNvSpPr>
+            <a:spLocks noGrp="1"/>
+          </p:cNvSpPr>
+          <p:nvPr>
+            <p:ph type="title"/>
+          </p:nvPr>
+        </p:nvSpPr>
+        <p:spPr>
+          <a:xfrm>
+            <a:off x="839788" y="987424"/>
+            <a:ext cx="3932237" cy="676276"/>
+          </a:xfrm>
+        </p:spPr>
+        <p:txBody>
+          <a:bodyPr/>
+          <a:lstStyle/>
+          <a:p>
+            <a:r>
+              <a:rPr lang="en-US" dirty="0"/>
+              <a:t>VJE</a:t>
+            </a:r>
+            <a:r>
+              <a:rPr lang="hr-HR" dirty="0"/>
+              <a:t>ž</a:t>
+            </a:r>
+            <a:r>
+              <a:rPr lang="en-US" dirty="0" err="1"/>
+              <a:t>ba</a:t>
+            </a:r>
+            <a:endParaRPr lang="hr-HR" dirty="0"/>
+          </a:p>
+        </p:txBody>
+      </p:sp>
+      <p:sp>
+        <p:nvSpPr>
+          <p:cNvPr id="6" name="Text Placeholder 5">
+            <a:extLst>
+              <a:ext uri="{FF2B5EF4-FFF2-40B4-BE49-F238E27FC236}">
+                <a16:creationId xmlns:a16="http://schemas.microsoft.com/office/drawing/2014/main" id="{90F58B5A-7F87-EBC3-DAAD-1355586653BF}"/>
+              </a:ext>
+            </a:extLst>
+          </p:cNvPr>
+          <p:cNvSpPr>
+            <a:spLocks noGrp="1"/>
+          </p:cNvSpPr>
+          <p:nvPr>
+            <p:ph type="body" sz="half" idx="2"/>
+          </p:nvPr>
+        </p:nvSpPr>
+        <p:spPr>
+          <a:xfrm>
+            <a:off x="839788" y="1752600"/>
+            <a:ext cx="3932237" cy="4711700"/>
+          </a:xfrm>
+        </p:spPr>
+        <p:txBody>
+          <a:bodyPr>
+            <a:normAutofit/>
+          </a:bodyPr>
+          <a:lstStyle/>
+          <a:p>
+            <a:r>
+              <a:rPr lang="en-US" dirty="0"/>
+              <a:t>1. </a:t>
+            </a:r>
+            <a:r>
+              <a:rPr lang="en-US" dirty="0" err="1"/>
+              <a:t>Stiliziraj</a:t>
+            </a:r>
+            <a:r>
+              <a:rPr lang="en-US" dirty="0"/>
+              <a:t> </a:t>
+            </a:r>
+            <a:r>
+              <a:rPr lang="en-US" dirty="0" err="1"/>
+              <a:t>App.jsx</a:t>
+            </a:r>
+            <a:r>
+              <a:rPr lang="en-US" dirty="0"/>
+              <a:t> I Card </a:t>
+            </a:r>
+            <a:r>
+              <a:rPr lang="en-US" dirty="0" err="1"/>
+              <a:t>komponentu</a:t>
+            </a:r>
+            <a:r>
+              <a:rPr lang="en-US" dirty="0"/>
+              <a:t> da </a:t>
+            </a:r>
+            <a:r>
+              <a:rPr lang="en-US" dirty="0" err="1"/>
+              <a:t>izgleda</a:t>
+            </a:r>
+            <a:r>
+              <a:rPr lang="en-US" dirty="0"/>
+              <a:t> </a:t>
+            </a:r>
+            <a:r>
+              <a:rPr lang="en-US" dirty="0" err="1"/>
+              <a:t>kao</a:t>
+            </a:r>
+            <a:r>
+              <a:rPr lang="en-US" dirty="0"/>
+              <a:t> </a:t>
+            </a:r>
+            <a:r>
+              <a:rPr lang="en-US" dirty="0" err="1"/>
+              <a:t>na</a:t>
+            </a:r>
+            <a:r>
+              <a:rPr lang="en-US" dirty="0"/>
+              <a:t> </a:t>
+            </a:r>
+            <a:r>
+              <a:rPr lang="en-US" dirty="0" err="1"/>
+              <a:t>slici</a:t>
+            </a:r>
+            <a:endParaRPr lang="en-US" dirty="0"/>
+          </a:p>
+          <a:p>
+            <a:r>
+              <a:rPr lang="en-US" dirty="0"/>
+              <a:t>2. </a:t>
+            </a:r>
+            <a:r>
+              <a:rPr lang="en-US" dirty="0" err="1"/>
+              <a:t>Prebaci</a:t>
+            </a:r>
+            <a:r>
+              <a:rPr lang="en-US" dirty="0"/>
+              <a:t> </a:t>
+            </a:r>
+            <a:r>
+              <a:rPr lang="en-US" dirty="0" err="1"/>
+              <a:t>podatke</a:t>
+            </a:r>
+            <a:r>
+              <a:rPr lang="en-US" dirty="0"/>
+              <a:t> u contacts.js file I </a:t>
+            </a:r>
+            <a:r>
+              <a:rPr lang="en-US" dirty="0" err="1"/>
+              <a:t>iscitaj</a:t>
+            </a:r>
+            <a:r>
+              <a:rPr lang="en-US" dirty="0"/>
+              <a:t> </a:t>
+            </a:r>
+            <a:r>
+              <a:rPr lang="en-US" dirty="0" err="1"/>
+              <a:t>ih</a:t>
+            </a:r>
+            <a:r>
+              <a:rPr lang="en-US" dirty="0"/>
+              <a:t> u </a:t>
+            </a:r>
+            <a:r>
+              <a:rPr lang="en-US" dirty="0" err="1"/>
+              <a:t>App.jsx</a:t>
+            </a:r>
+            <a:endParaRPr lang="en-US" dirty="0"/>
+          </a:p>
+        </p:txBody>
+      </p:sp>
+      <p:pic>
+        <p:nvPicPr>
+          <p:cNvPr id="4" name="Picture 3">
+            <a:extLst>
+              <a:ext uri="{FF2B5EF4-FFF2-40B4-BE49-F238E27FC236}">
+                <a16:creationId xmlns:a16="http://schemas.microsoft.com/office/drawing/2014/main" id="{0E5A4EE8-EC54-72C8-AD62-43E11FE8E136}"/>
+              </a:ext>
+            </a:extLst>
+          </p:cNvPr>
+          <p:cNvPicPr>
+            <a:picLocks noChangeAspect="1"/>
+          </p:cNvPicPr>
+          <p:nvPr/>
+        </p:nvPicPr>
+        <p:blipFill>
+          <a:blip r:embed="rId3"/>
+          <a:stretch>
+            <a:fillRect/>
+          </a:stretch>
+        </p:blipFill>
+        <p:spPr>
+          <a:xfrm>
+            <a:off x="6862762" y="546691"/>
+            <a:ext cx="3952875" cy="5562600"/>
+          </a:xfrm>
+          <a:prstGeom prst="rect">
+            <a:avLst/>
+          </a:prstGeom>
+        </p:spPr>
+      </p:pic>
+    </p:spTree>
+    <p:extLst>
+      <p:ext uri="{BB962C8B-B14F-4D97-AF65-F5344CB8AC3E}">
+        <p14:creationId xmlns:p14="http://schemas.microsoft.com/office/powerpoint/2010/main" val="887226197"/>
+      </p:ext>
+    </p:extLst>
+  </p:cSld>
+  <p:clrMapOvr>
+    <a:masterClrMapping/>
+  </p:clrMapOvr>
+</p:sld>
+</file>
+
+<file path=ppt/slides/slide21.xml><?xml version="1.0" encoding="utf-8"?>
+<p:sld xmlns:a="http://schemas.openxmlformats.org/drawingml/2006/main" xmlns:r="http://schemas.openxmlformats.org/officeDocument/2006/relationships" xmlns:p="http://schemas.openxmlformats.org/presentationml/2006/main">
+  <p:cSld>
+    <p:spTree>
+      <p:nvGrpSpPr>
+        <p:cNvPr id="1" name="">
+          <a:extLst>
+            <a:ext uri="{FF2B5EF4-FFF2-40B4-BE49-F238E27FC236}">
+              <a16:creationId xmlns:a16="http://schemas.microsoft.com/office/drawing/2014/main" id="{34751AB2-C3AB-3863-B97D-D58033F1A83A}"/>
+            </a:ext>
+          </a:extLst>
+        </p:cNvPr>
+        <p:cNvGrpSpPr/>
+        <p:nvPr/>
+      </p:nvGrpSpPr>
+      <p:grpSpPr>
+        <a:xfrm>
+          <a:off x="0" y="0"/>
+          <a:ext cx="0" cy="0"/>
+          <a:chOff x="0" y="0"/>
+          <a:chExt cx="0" cy="0"/>
+        </a:xfrm>
+      </p:grpSpPr>
+      <p:sp>
+        <p:nvSpPr>
+          <p:cNvPr id="4" name="Title 1">
+            <a:extLst>
+              <a:ext uri="{FF2B5EF4-FFF2-40B4-BE49-F238E27FC236}">
+                <a16:creationId xmlns:a16="http://schemas.microsoft.com/office/drawing/2014/main" id="{07317A4B-5EB7-3958-E69D-E92AA82E32B4}"/>
+              </a:ext>
+            </a:extLst>
+          </p:cNvPr>
+          <p:cNvSpPr txBox="1">
+            <a:spLocks/>
+          </p:cNvSpPr>
+          <p:nvPr/>
+        </p:nvSpPr>
+        <p:spPr>
+          <a:xfrm>
+            <a:off x="990600" y="383056"/>
+            <a:ext cx="10515600" cy="853976"/>
+          </a:xfrm>
+          <a:prstGeom prst="rect">
+            <a:avLst/>
+          </a:prstGeom>
+        </p:spPr>
+        <p:txBody>
+          <a:bodyPr vert="horz" lIns="91440" tIns="45720" rIns="91440" bIns="45720" rtlCol="0" anchor="ctr">
+            <a:normAutofit/>
+          </a:bodyPr>
+          <a:lstStyle>
+            <a:lvl1pPr algn="l" defTabSz="914400" rtl="0" eaLnBrk="1" latinLnBrk="0" hangingPunct="1">
+              <a:lnSpc>
+                <a:spcPct val="90000"/>
+              </a:lnSpc>
+              <a:spcBef>
+                <a:spcPct val="0"/>
+              </a:spcBef>
+              <a:buNone/>
+              <a:defRPr sz="3600" b="1" i="0" kern="1200" cap="all" baseline="0">
+                <a:solidFill>
+                  <a:schemeClr val="tx2"/>
+                </a:solidFill>
+                <a:latin typeface="+mj-lt"/>
+                <a:ea typeface="Open Sans Semibold" panose="020B0606030504020204" pitchFamily="34" charset="0"/>
+                <a:cs typeface="Open Sans Semibold" panose="020B0606030504020204" pitchFamily="34" charset="0"/>
+              </a:defRPr>
+            </a:lvl1pPr>
+          </a:lstStyle>
+          <a:p>
+            <a:r>
+              <a:rPr lang="en-US" dirty="0"/>
+              <a:t>REACT – PROPS</a:t>
+            </a:r>
+            <a:endParaRPr lang="hr-HR" dirty="0"/>
+          </a:p>
+        </p:txBody>
+      </p:sp>
+      <p:sp>
+        <p:nvSpPr>
+          <p:cNvPr id="17" name="TextBox 16">
+            <a:extLst>
+              <a:ext uri="{FF2B5EF4-FFF2-40B4-BE49-F238E27FC236}">
+                <a16:creationId xmlns:a16="http://schemas.microsoft.com/office/drawing/2014/main" id="{DF50E7C8-CFF8-B496-C7D7-1BA371F84FBA}"/>
+              </a:ext>
+            </a:extLst>
+          </p:cNvPr>
+          <p:cNvSpPr txBox="1"/>
+          <p:nvPr/>
+        </p:nvSpPr>
+        <p:spPr>
+          <a:xfrm>
+            <a:off x="990600" y="2142570"/>
+            <a:ext cx="5761074" cy="1754326"/>
+          </a:xfrm>
+          <a:prstGeom prst="rect">
+            <a:avLst/>
+          </a:prstGeom>
+          <a:noFill/>
+        </p:spPr>
+        <p:txBody>
+          <a:bodyPr wrap="square">
+            <a:spAutoFit/>
+          </a:bodyPr>
+          <a:lstStyle/>
+          <a:p>
+            <a:pPr>
+              <a:buNone/>
+            </a:pPr>
+            <a:r>
+              <a:rPr lang="hr-HR" dirty="0"/>
+              <a:t>👉</a:t>
+            </a:r>
+            <a:r>
+              <a:rPr lang="en-US" dirty="0"/>
+              <a:t> </a:t>
+            </a:r>
+            <a:r>
+              <a:rPr lang="hr-HR" dirty="0"/>
+              <a:t>Prepoznajte dijelove vašeg UI-ja (npr. avatar slika, detalji kontakta) koji se mogu izdvojiti kao vlastite komponente.</a:t>
+            </a:r>
+            <a:endParaRPr lang="en-US" dirty="0"/>
+          </a:p>
+          <a:p>
+            <a:pPr>
+              <a:buNone/>
+            </a:pPr>
+            <a:endParaRPr lang="en-US" dirty="0"/>
+          </a:p>
+          <a:p>
+            <a:pPr>
+              <a:buNone/>
+            </a:pPr>
+            <a:r>
+              <a:rPr lang="hr-HR" dirty="0"/>
+              <a:t>👉</a:t>
+            </a:r>
+            <a:r>
+              <a:rPr lang="en-US" dirty="0"/>
+              <a:t> T</a:t>
+            </a:r>
+            <a:r>
+              <a:rPr lang="hr-HR" dirty="0"/>
+              <a:t>o čini kod preglednijim i olakšava njegovo ponovno korištenje u različitim dijelovima aplikacije</a:t>
+            </a:r>
+            <a:endParaRPr lang="en-US" dirty="0"/>
+          </a:p>
+        </p:txBody>
+      </p:sp>
+      <p:pic>
+        <p:nvPicPr>
+          <p:cNvPr id="3" name="Picture 2">
+            <a:extLst>
+              <a:ext uri="{FF2B5EF4-FFF2-40B4-BE49-F238E27FC236}">
+                <a16:creationId xmlns:a16="http://schemas.microsoft.com/office/drawing/2014/main" id="{9665400A-5043-70A1-6430-B17260CF7C5B}"/>
+              </a:ext>
+            </a:extLst>
+          </p:cNvPr>
+          <p:cNvPicPr>
+            <a:picLocks noChangeAspect="1"/>
+          </p:cNvPicPr>
+          <p:nvPr/>
+        </p:nvPicPr>
+        <p:blipFill>
+          <a:blip r:embed="rId3"/>
+          <a:stretch>
+            <a:fillRect/>
+          </a:stretch>
+        </p:blipFill>
+        <p:spPr>
+          <a:xfrm>
+            <a:off x="7704839" y="810044"/>
+            <a:ext cx="3381014" cy="2209689"/>
+          </a:xfrm>
+          <a:prstGeom prst="rect">
+            <a:avLst/>
+          </a:prstGeom>
+        </p:spPr>
+      </p:pic>
+      <p:pic>
+        <p:nvPicPr>
+          <p:cNvPr id="7" name="Picture 6">
+            <a:extLst>
+              <a:ext uri="{FF2B5EF4-FFF2-40B4-BE49-F238E27FC236}">
+                <a16:creationId xmlns:a16="http://schemas.microsoft.com/office/drawing/2014/main" id="{72D6ED11-270F-9D45-0611-FC82BAB1F38E}"/>
+              </a:ext>
+            </a:extLst>
+          </p:cNvPr>
+          <p:cNvPicPr>
+            <a:picLocks noChangeAspect="1"/>
+          </p:cNvPicPr>
+          <p:nvPr/>
+        </p:nvPicPr>
+        <p:blipFill>
+          <a:blip r:embed="rId4"/>
+          <a:stretch>
+            <a:fillRect/>
+          </a:stretch>
+        </p:blipFill>
+        <p:spPr>
+          <a:xfrm>
+            <a:off x="8472820" y="3250357"/>
+            <a:ext cx="2064045" cy="2429311"/>
+          </a:xfrm>
+          <a:prstGeom prst="rect">
+            <a:avLst/>
+          </a:prstGeom>
+        </p:spPr>
+      </p:pic>
+    </p:spTree>
+    <p:extLst>
+      <p:ext uri="{BB962C8B-B14F-4D97-AF65-F5344CB8AC3E}">
+        <p14:creationId xmlns:p14="http://schemas.microsoft.com/office/powerpoint/2010/main" val="903953495"/>
+      </p:ext>
+    </p:extLst>
+  </p:cSld>
+  <p:clrMapOvr>
+    <a:masterClrMapping/>
+  </p:clrMapOvr>
+</p:sld>
+</file>
+
+<file path=ppt/slides/slide22.xml><?xml version="1.0" encoding="utf-8"?>
+<p:sld xmlns:a="http://schemas.openxmlformats.org/drawingml/2006/main" xmlns:r="http://schemas.openxmlformats.org/officeDocument/2006/relationships" xmlns:p="http://schemas.openxmlformats.org/presentationml/2006/main">
+  <p:cSld>
+    <p:spTree>
+      <p:nvGrpSpPr>
+        <p:cNvPr id="1" name="">
+          <a:extLst>
+            <a:ext uri="{FF2B5EF4-FFF2-40B4-BE49-F238E27FC236}">
+              <a16:creationId xmlns:a16="http://schemas.microsoft.com/office/drawing/2014/main" id="{E169D2BE-A82B-0AF3-A20C-7A00BF0B7E20}"/>
+            </a:ext>
+          </a:extLst>
+        </p:cNvPr>
+        <p:cNvGrpSpPr/>
+        <p:nvPr/>
+      </p:nvGrpSpPr>
+      <p:grpSpPr>
+        <a:xfrm>
+          <a:off x="0" y="0"/>
+          <a:ext cx="0" cy="0"/>
+          <a:chOff x="0" y="0"/>
+          <a:chExt cx="0" cy="0"/>
+        </a:xfrm>
+      </p:grpSpPr>
+      <p:sp>
+        <p:nvSpPr>
+          <p:cNvPr id="4" name="Title 1">
+            <a:extLst>
+              <a:ext uri="{FF2B5EF4-FFF2-40B4-BE49-F238E27FC236}">
+                <a16:creationId xmlns:a16="http://schemas.microsoft.com/office/drawing/2014/main" id="{3E44FB70-3D77-DC46-AFDB-6D8AA4639E8F}"/>
+              </a:ext>
+            </a:extLst>
+          </p:cNvPr>
+          <p:cNvSpPr txBox="1">
+            <a:spLocks/>
+          </p:cNvSpPr>
+          <p:nvPr/>
+        </p:nvSpPr>
+        <p:spPr>
+          <a:xfrm>
+            <a:off x="990600" y="383056"/>
+            <a:ext cx="10515600" cy="853976"/>
+          </a:xfrm>
+          <a:prstGeom prst="rect">
+            <a:avLst/>
+          </a:prstGeom>
+        </p:spPr>
+        <p:txBody>
+          <a:bodyPr vert="horz" lIns="91440" tIns="45720" rIns="91440" bIns="45720" rtlCol="0" anchor="ctr">
+            <a:normAutofit/>
+          </a:bodyPr>
+          <a:lstStyle>
+            <a:lvl1pPr algn="l" defTabSz="914400" rtl="0" eaLnBrk="1" latinLnBrk="0" hangingPunct="1">
+              <a:lnSpc>
+                <a:spcPct val="90000"/>
+              </a:lnSpc>
+              <a:spcBef>
+                <a:spcPct val="0"/>
+              </a:spcBef>
+              <a:buNone/>
+              <a:defRPr sz="3600" b="1" i="0" kern="1200" cap="all" baseline="0">
+                <a:solidFill>
+                  <a:schemeClr val="tx2"/>
+                </a:solidFill>
+                <a:latin typeface="+mj-lt"/>
+                <a:ea typeface="Open Sans Semibold" panose="020B0606030504020204" pitchFamily="34" charset="0"/>
+                <a:cs typeface="Open Sans Semibold" panose="020B0606030504020204" pitchFamily="34" charset="0"/>
+              </a:defRPr>
+            </a:lvl1pPr>
+          </a:lstStyle>
+          <a:p>
+            <a:r>
+              <a:rPr lang="en-US" dirty="0"/>
+              <a:t>REACT – DEV TOOLS</a:t>
+            </a:r>
+            <a:endParaRPr lang="hr-HR" dirty="0"/>
+          </a:p>
+        </p:txBody>
+      </p:sp>
+      <p:sp>
+        <p:nvSpPr>
+          <p:cNvPr id="17" name="TextBox 16">
+            <a:extLst>
+              <a:ext uri="{FF2B5EF4-FFF2-40B4-BE49-F238E27FC236}">
+                <a16:creationId xmlns:a16="http://schemas.microsoft.com/office/drawing/2014/main" id="{E2C4A0D1-36ED-A4A5-1ABE-5F3BCBAA449F}"/>
+              </a:ext>
+            </a:extLst>
+          </p:cNvPr>
+          <p:cNvSpPr txBox="1"/>
+          <p:nvPr/>
+        </p:nvSpPr>
+        <p:spPr>
+          <a:xfrm>
+            <a:off x="976423" y="4991986"/>
+            <a:ext cx="3007242" cy="369332"/>
+          </a:xfrm>
+          <a:prstGeom prst="rect">
+            <a:avLst/>
+          </a:prstGeom>
+          <a:noFill/>
+        </p:spPr>
+        <p:txBody>
+          <a:bodyPr wrap="square">
+            <a:spAutoFit/>
+          </a:bodyPr>
+          <a:lstStyle/>
+          <a:p>
+            <a:pPr>
+              <a:buNone/>
+            </a:pPr>
+            <a:r>
+              <a:rPr lang="hr-HR" dirty="0"/>
+              <a:t>👉</a:t>
+            </a:r>
+            <a:r>
+              <a:rPr lang="en-US" dirty="0"/>
+              <a:t> Works on all websites</a:t>
+            </a:r>
+          </a:p>
+        </p:txBody>
+      </p:sp>
+      <p:pic>
+        <p:nvPicPr>
+          <p:cNvPr id="5" name="Picture 4">
+            <a:extLst>
+              <a:ext uri="{FF2B5EF4-FFF2-40B4-BE49-F238E27FC236}">
+                <a16:creationId xmlns:a16="http://schemas.microsoft.com/office/drawing/2014/main" id="{D4430031-2C7A-FE68-3E98-40E3BD8E1F40}"/>
+              </a:ext>
+            </a:extLst>
+          </p:cNvPr>
+          <p:cNvPicPr>
+            <a:picLocks noChangeAspect="1"/>
+          </p:cNvPicPr>
+          <p:nvPr/>
+        </p:nvPicPr>
+        <p:blipFill>
+          <a:blip r:embed="rId3"/>
+          <a:stretch>
+            <a:fillRect/>
+          </a:stretch>
+        </p:blipFill>
+        <p:spPr>
+          <a:xfrm>
+            <a:off x="834656" y="1236951"/>
+            <a:ext cx="7155712" cy="1524460"/>
+          </a:xfrm>
+          <a:prstGeom prst="rect">
+            <a:avLst/>
+          </a:prstGeom>
+        </p:spPr>
+      </p:pic>
+      <p:pic>
+        <p:nvPicPr>
+          <p:cNvPr id="8" name="Picture 7">
+            <a:extLst>
+              <a:ext uri="{FF2B5EF4-FFF2-40B4-BE49-F238E27FC236}">
+                <a16:creationId xmlns:a16="http://schemas.microsoft.com/office/drawing/2014/main" id="{93A5C8A3-8F08-E20A-1FC9-729CE74368B1}"/>
+              </a:ext>
+            </a:extLst>
+          </p:cNvPr>
+          <p:cNvPicPr>
+            <a:picLocks noChangeAspect="1"/>
+          </p:cNvPicPr>
+          <p:nvPr/>
+        </p:nvPicPr>
+        <p:blipFill>
+          <a:blip r:embed="rId4"/>
+          <a:stretch>
+            <a:fillRect/>
+          </a:stretch>
+        </p:blipFill>
+        <p:spPr>
+          <a:xfrm>
+            <a:off x="1104345" y="2921950"/>
+            <a:ext cx="1303929" cy="1384213"/>
+          </a:xfrm>
+          <a:prstGeom prst="rect">
+            <a:avLst/>
+          </a:prstGeom>
+        </p:spPr>
+      </p:pic>
+      <p:pic>
+        <p:nvPicPr>
+          <p:cNvPr id="12" name="Picture 11">
+            <a:extLst>
+              <a:ext uri="{FF2B5EF4-FFF2-40B4-BE49-F238E27FC236}">
+                <a16:creationId xmlns:a16="http://schemas.microsoft.com/office/drawing/2014/main" id="{CEA1958B-FAE5-6E9E-6B2B-1BFEAAF04CAC}"/>
+              </a:ext>
+            </a:extLst>
+          </p:cNvPr>
+          <p:cNvPicPr>
+            <a:picLocks noChangeAspect="1"/>
+          </p:cNvPicPr>
+          <p:nvPr/>
+        </p:nvPicPr>
+        <p:blipFill>
+          <a:blip r:embed="rId5"/>
+          <a:stretch>
+            <a:fillRect/>
+          </a:stretch>
+        </p:blipFill>
+        <p:spPr>
+          <a:xfrm>
+            <a:off x="2677521" y="3134512"/>
+            <a:ext cx="4036939" cy="1171651"/>
+          </a:xfrm>
+          <a:prstGeom prst="rect">
+            <a:avLst/>
+          </a:prstGeom>
+        </p:spPr>
+      </p:pic>
+      <p:pic>
+        <p:nvPicPr>
+          <p:cNvPr id="14" name="Picture 13">
+            <a:extLst>
+              <a:ext uri="{FF2B5EF4-FFF2-40B4-BE49-F238E27FC236}">
+                <a16:creationId xmlns:a16="http://schemas.microsoft.com/office/drawing/2014/main" id="{7E6B1D79-815C-5BCF-F5B1-558019993720}"/>
+              </a:ext>
+            </a:extLst>
+          </p:cNvPr>
+          <p:cNvPicPr>
+            <a:picLocks noChangeAspect="1"/>
+          </p:cNvPicPr>
+          <p:nvPr/>
+        </p:nvPicPr>
+        <p:blipFill>
+          <a:blip r:embed="rId6"/>
+          <a:stretch>
+            <a:fillRect/>
+          </a:stretch>
+        </p:blipFill>
+        <p:spPr>
+          <a:xfrm>
+            <a:off x="7232418" y="3008011"/>
+            <a:ext cx="2282061" cy="1424652"/>
+          </a:xfrm>
+          <a:prstGeom prst="rect">
+            <a:avLst/>
+          </a:prstGeom>
+        </p:spPr>
+      </p:pic>
+    </p:spTree>
+    <p:extLst>
+      <p:ext uri="{BB962C8B-B14F-4D97-AF65-F5344CB8AC3E}">
+        <p14:creationId xmlns:p14="http://schemas.microsoft.com/office/powerpoint/2010/main" val="1711167450"/>
+      </p:ext>
+    </p:extLst>
+  </p:cSld>
+  <p:clrMapOvr>
+    <a:masterClrMapping/>
+  </p:clrMapOvr>
+</p:sld>
+</file>
+
+<file path=ppt/slides/slide23.xml><?xml version="1.0" encoding="utf-8"?>
+<p:sld xmlns:a="http://schemas.openxmlformats.org/drawingml/2006/main" xmlns:r="http://schemas.openxmlformats.org/officeDocument/2006/relationships" xmlns:p="http://schemas.openxmlformats.org/presentationml/2006/main">
+  <p:cSld>
+    <p:spTree>
+      <p:nvGrpSpPr>
+        <p:cNvPr id="1" name="">
+          <a:extLst>
+            <a:ext uri="{FF2B5EF4-FFF2-40B4-BE49-F238E27FC236}">
+              <a16:creationId xmlns:a16="http://schemas.microsoft.com/office/drawing/2014/main" id="{8F269631-7CBA-4ABA-9BB6-AF69D303E846}"/>
+            </a:ext>
+          </a:extLst>
+        </p:cNvPr>
+        <p:cNvGrpSpPr/>
+        <p:nvPr/>
+      </p:nvGrpSpPr>
+      <p:grpSpPr>
+        <a:xfrm>
+          <a:off x="0" y="0"/>
+          <a:ext cx="0" cy="0"/>
+          <a:chOff x="0" y="0"/>
+          <a:chExt cx="0" cy="0"/>
+        </a:xfrm>
+      </p:grpSpPr>
+      <p:sp>
+        <p:nvSpPr>
+          <p:cNvPr id="2" name="Title 1">
+            <a:extLst>
+              <a:ext uri="{FF2B5EF4-FFF2-40B4-BE49-F238E27FC236}">
+                <a16:creationId xmlns:a16="http://schemas.microsoft.com/office/drawing/2014/main" id="{77FE2251-7F1C-3D0C-887A-E5913442F5AD}"/>
+              </a:ext>
+            </a:extLst>
+          </p:cNvPr>
+          <p:cNvSpPr>
+            <a:spLocks noGrp="1"/>
+          </p:cNvSpPr>
+          <p:nvPr>
+            <p:ph type="title"/>
+          </p:nvPr>
+        </p:nvSpPr>
+        <p:spPr>
+          <a:xfrm>
+            <a:off x="839788" y="987424"/>
+            <a:ext cx="3932237" cy="676276"/>
+          </a:xfrm>
+        </p:spPr>
+        <p:txBody>
+          <a:bodyPr/>
+          <a:lstStyle/>
+          <a:p>
+            <a:r>
+              <a:rPr lang="en-US" dirty="0"/>
+              <a:t>VJE</a:t>
+            </a:r>
+            <a:r>
+              <a:rPr lang="hr-HR" dirty="0"/>
+              <a:t>ž</a:t>
+            </a:r>
+            <a:r>
+              <a:rPr lang="en-US" dirty="0" err="1"/>
+              <a:t>ba</a:t>
+            </a:r>
+            <a:endParaRPr lang="hr-HR" dirty="0"/>
+          </a:p>
+        </p:txBody>
+      </p:sp>
+      <p:sp>
+        <p:nvSpPr>
+          <p:cNvPr id="6" name="Text Placeholder 5">
+            <a:extLst>
+              <a:ext uri="{FF2B5EF4-FFF2-40B4-BE49-F238E27FC236}">
+                <a16:creationId xmlns:a16="http://schemas.microsoft.com/office/drawing/2014/main" id="{389F20EC-8DDC-AA50-039C-8F7DF30D2EAC}"/>
+              </a:ext>
+            </a:extLst>
+          </p:cNvPr>
+          <p:cNvSpPr>
+            <a:spLocks noGrp="1"/>
+          </p:cNvSpPr>
+          <p:nvPr>
+            <p:ph type="body" sz="half" idx="2"/>
+          </p:nvPr>
+        </p:nvSpPr>
+        <p:spPr>
+          <a:xfrm>
+            <a:off x="839788" y="1752600"/>
+            <a:ext cx="3932237" cy="4711700"/>
+          </a:xfrm>
+        </p:spPr>
+        <p:txBody>
+          <a:bodyPr>
+            <a:normAutofit/>
+          </a:bodyPr>
+          <a:lstStyle/>
+          <a:p>
+            <a:r>
+              <a:rPr lang="en-US" dirty="0"/>
+              <a:t>1. </a:t>
+            </a:r>
+            <a:r>
+              <a:rPr lang="en-US" dirty="0" err="1"/>
+              <a:t>Izradite</a:t>
+            </a:r>
+            <a:r>
+              <a:rPr lang="en-US" dirty="0"/>
+              <a:t> Avatar </a:t>
+            </a:r>
+            <a:r>
+              <a:rPr lang="en-US" dirty="0" err="1"/>
+              <a:t>komponentu</a:t>
+            </a:r>
+            <a:r>
+              <a:rPr lang="en-US" dirty="0"/>
+              <a:t> I </a:t>
+            </a:r>
+            <a:r>
+              <a:rPr lang="en-US" dirty="0" err="1"/>
+              <a:t>postavite</a:t>
+            </a:r>
+            <a:r>
+              <a:rPr lang="en-US" dirty="0"/>
+              <a:t> </a:t>
+            </a:r>
+            <a:r>
+              <a:rPr lang="en-US" dirty="0" err="1"/>
+              <a:t>dinamicki</a:t>
+            </a:r>
+            <a:r>
+              <a:rPr lang="en-US" dirty="0"/>
+              <a:t> parameter </a:t>
+            </a:r>
+            <a:r>
+              <a:rPr lang="en-US" dirty="0" err="1"/>
+              <a:t>img</a:t>
+            </a:r>
+            <a:r>
+              <a:rPr lang="en-US" dirty="0"/>
+              <a:t> koji se </a:t>
+            </a:r>
+            <a:r>
+              <a:rPr lang="en-US" dirty="0" err="1"/>
+              <a:t>proslijdjuje</a:t>
+            </a:r>
+            <a:endParaRPr lang="en-US" dirty="0"/>
+          </a:p>
+          <a:p>
+            <a:r>
+              <a:rPr lang="en-US" dirty="0"/>
+              <a:t>2. </a:t>
+            </a:r>
+            <a:r>
+              <a:rPr lang="en-US" dirty="0" err="1"/>
+              <a:t>Izradite</a:t>
+            </a:r>
+            <a:r>
+              <a:rPr lang="en-US" dirty="0"/>
+              <a:t> Detail </a:t>
+            </a:r>
+            <a:r>
+              <a:rPr lang="en-US" dirty="0" err="1"/>
+              <a:t>komponentu</a:t>
+            </a:r>
+            <a:r>
+              <a:rPr lang="en-US" dirty="0"/>
+              <a:t> za </a:t>
+            </a:r>
+            <a:r>
+              <a:rPr lang="en-US" dirty="0" err="1"/>
+              <a:t>tel</a:t>
+            </a:r>
+            <a:r>
+              <a:rPr lang="en-US" dirty="0"/>
+              <a:t> </a:t>
+            </a:r>
+            <a:r>
+              <a:rPr lang="en-US" dirty="0" err="1"/>
+              <a:t>broj</a:t>
+            </a:r>
+            <a:r>
+              <a:rPr lang="en-US" dirty="0"/>
+              <a:t> I email</a:t>
+            </a:r>
+          </a:p>
+          <a:p>
+            <a:r>
+              <a:rPr lang="en-US" dirty="0"/>
+              <a:t>2. </a:t>
+            </a:r>
+            <a:r>
+              <a:rPr lang="en-US" dirty="0" err="1"/>
+              <a:t>Istrazi</a:t>
+            </a:r>
+            <a:r>
+              <a:rPr lang="en-US" dirty="0"/>
+              <a:t> </a:t>
+            </a:r>
+            <a:r>
+              <a:rPr lang="en-US" dirty="0" err="1"/>
+              <a:t>sve</a:t>
+            </a:r>
+            <a:r>
+              <a:rPr lang="en-US" dirty="0"/>
+              <a:t> </a:t>
+            </a:r>
+            <a:r>
+              <a:rPr lang="en-US" dirty="0" err="1"/>
+              <a:t>sa</a:t>
+            </a:r>
+            <a:r>
+              <a:rPr lang="en-US" dirty="0"/>
+              <a:t> dev </a:t>
+            </a:r>
+            <a:r>
+              <a:rPr lang="en-US" dirty="0" err="1"/>
+              <a:t>toolsom</a:t>
+            </a:r>
+            <a:r>
+              <a:rPr lang="en-US" dirty="0"/>
+              <a:t> da </a:t>
+            </a:r>
+            <a:r>
+              <a:rPr lang="en-US" dirty="0" err="1"/>
+              <a:t>vidis</a:t>
+            </a:r>
+            <a:r>
+              <a:rPr lang="en-US" dirty="0"/>
+              <a:t> da li se </a:t>
+            </a:r>
+            <a:r>
+              <a:rPr lang="en-US" dirty="0" err="1"/>
+              <a:t>dobre</a:t>
+            </a:r>
+            <a:r>
+              <a:rPr lang="en-US" dirty="0"/>
+              <a:t> </a:t>
+            </a:r>
+            <a:r>
+              <a:rPr lang="en-US" dirty="0" err="1"/>
+              <a:t>informacije</a:t>
+            </a:r>
+            <a:r>
+              <a:rPr lang="en-US" dirty="0"/>
+              <a:t> </a:t>
+            </a:r>
+            <a:r>
+              <a:rPr lang="en-US" dirty="0" err="1"/>
+              <a:t>proslijdjuju</a:t>
+            </a:r>
+            <a:endParaRPr lang="en-US" dirty="0"/>
+          </a:p>
+        </p:txBody>
+      </p:sp>
+      <p:pic>
+        <p:nvPicPr>
+          <p:cNvPr id="4" name="Picture 3">
+            <a:extLst>
+              <a:ext uri="{FF2B5EF4-FFF2-40B4-BE49-F238E27FC236}">
+                <a16:creationId xmlns:a16="http://schemas.microsoft.com/office/drawing/2014/main" id="{347BDE1F-C601-6C18-05D0-84FE7DCB815C}"/>
+              </a:ext>
+            </a:extLst>
+          </p:cNvPr>
+          <p:cNvPicPr>
+            <a:picLocks noChangeAspect="1"/>
+          </p:cNvPicPr>
+          <p:nvPr/>
+        </p:nvPicPr>
+        <p:blipFill>
+          <a:blip r:embed="rId3"/>
+          <a:stretch>
+            <a:fillRect/>
+          </a:stretch>
+        </p:blipFill>
+        <p:spPr>
+          <a:xfrm>
+            <a:off x="6862762" y="546691"/>
+            <a:ext cx="3952875" cy="5562600"/>
+          </a:xfrm>
+          <a:prstGeom prst="rect">
+            <a:avLst/>
+          </a:prstGeom>
+        </p:spPr>
+      </p:pic>
+    </p:spTree>
+    <p:extLst>
+      <p:ext uri="{BB962C8B-B14F-4D97-AF65-F5344CB8AC3E}">
+        <p14:creationId xmlns:p14="http://schemas.microsoft.com/office/powerpoint/2010/main" val="1285816144"/>
+      </p:ext>
+    </p:extLst>
+  </p:cSld>
+  <p:clrMapOvr>
+    <a:masterClrMapping/>
+  </p:clrMapOvr>
+</p:sld>
+</file>
+
+<file path=ppt/slides/slide24.xml><?xml version="1.0" encoding="utf-8"?>
+<p:sld xmlns:a="http://schemas.openxmlformats.org/drawingml/2006/main" xmlns:r="http://schemas.openxmlformats.org/officeDocument/2006/relationships" xmlns:p="http://schemas.openxmlformats.org/presentationml/2006/main">
+  <p:cSld>
+    <p:spTree>
+      <p:nvGrpSpPr>
+        <p:cNvPr id="1" name="">
+          <a:extLst>
+            <a:ext uri="{FF2B5EF4-FFF2-40B4-BE49-F238E27FC236}">
+              <a16:creationId xmlns:a16="http://schemas.microsoft.com/office/drawing/2014/main" id="{2157DF0C-B87F-1534-EFF5-2A3527096AA3}"/>
+            </a:ext>
+          </a:extLst>
+        </p:cNvPr>
+        <p:cNvGrpSpPr/>
+        <p:nvPr/>
+      </p:nvGrpSpPr>
+      <p:grpSpPr>
+        <a:xfrm>
+          <a:off x="0" y="0"/>
+          <a:ext cx="0" cy="0"/>
+          <a:chOff x="0" y="0"/>
+          <a:chExt cx="0" cy="0"/>
+        </a:xfrm>
+      </p:grpSpPr>
+      <p:sp>
+        <p:nvSpPr>
+          <p:cNvPr id="4" name="Title 1">
+            <a:extLst>
+              <a:ext uri="{FF2B5EF4-FFF2-40B4-BE49-F238E27FC236}">
+                <a16:creationId xmlns:a16="http://schemas.microsoft.com/office/drawing/2014/main" id="{04D31D95-A0C8-C05A-637E-B29F430D1601}"/>
+              </a:ext>
+            </a:extLst>
+          </p:cNvPr>
+          <p:cNvSpPr txBox="1">
+            <a:spLocks/>
+          </p:cNvSpPr>
+          <p:nvPr/>
+        </p:nvSpPr>
+        <p:spPr>
+          <a:xfrm>
+            <a:off x="990600" y="383056"/>
+            <a:ext cx="10515600" cy="853976"/>
+          </a:xfrm>
+          <a:prstGeom prst="rect">
+            <a:avLst/>
+          </a:prstGeom>
+        </p:spPr>
+        <p:txBody>
+          <a:bodyPr vert="horz" lIns="91440" tIns="45720" rIns="91440" bIns="45720" rtlCol="0" anchor="ctr">
+            <a:normAutofit/>
+          </a:bodyPr>
+          <a:lstStyle>
+            <a:lvl1pPr algn="l" defTabSz="914400" rtl="0" eaLnBrk="1" latinLnBrk="0" hangingPunct="1">
+              <a:lnSpc>
+                <a:spcPct val="90000"/>
+              </a:lnSpc>
+              <a:spcBef>
+                <a:spcPct val="0"/>
+              </a:spcBef>
+              <a:buNone/>
+              <a:defRPr sz="3600" b="1" i="0" kern="1200" cap="all" baseline="0">
+                <a:solidFill>
+                  <a:schemeClr val="tx2"/>
+                </a:solidFill>
+                <a:latin typeface="+mj-lt"/>
+                <a:ea typeface="Open Sans Semibold" panose="020B0606030504020204" pitchFamily="34" charset="0"/>
+                <a:cs typeface="Open Sans Semibold" panose="020B0606030504020204" pitchFamily="34" charset="0"/>
+              </a:defRPr>
+            </a:lvl1pPr>
+          </a:lstStyle>
+          <a:p>
+            <a:r>
+              <a:rPr lang="en-US" dirty="0"/>
+              <a:t>REACT – LOKALNO INSTALIRANJE</a:t>
+            </a:r>
+            <a:endParaRPr lang="hr-HR" dirty="0"/>
+          </a:p>
+        </p:txBody>
+      </p:sp>
+      <p:sp>
+        <p:nvSpPr>
+          <p:cNvPr id="17" name="TextBox 16">
+            <a:extLst>
+              <a:ext uri="{FF2B5EF4-FFF2-40B4-BE49-F238E27FC236}">
+                <a16:creationId xmlns:a16="http://schemas.microsoft.com/office/drawing/2014/main" id="{F56EF033-C22C-4CE4-7AF7-100779B3F12A}"/>
+              </a:ext>
+            </a:extLst>
+          </p:cNvPr>
+          <p:cNvSpPr txBox="1"/>
+          <p:nvPr/>
+        </p:nvSpPr>
+        <p:spPr>
+          <a:xfrm>
+            <a:off x="990600" y="1352423"/>
+            <a:ext cx="9381460" cy="646331"/>
+          </a:xfrm>
+          <a:prstGeom prst="rect">
+            <a:avLst/>
+          </a:prstGeom>
+          <a:noFill/>
+        </p:spPr>
+        <p:txBody>
+          <a:bodyPr wrap="square">
+            <a:spAutoFit/>
+          </a:bodyPr>
+          <a:lstStyle/>
+          <a:p>
+            <a:pPr>
+              <a:buNone/>
+            </a:pPr>
+            <a:r>
+              <a:rPr lang="hr-HR" dirty="0"/>
+              <a:t>👉</a:t>
+            </a:r>
+            <a:r>
+              <a:rPr lang="en-US" dirty="0"/>
+              <a:t> </a:t>
+            </a:r>
+            <a:r>
+              <a:rPr lang="en-US" dirty="0" err="1"/>
+              <a:t>Upustva</a:t>
+            </a:r>
+            <a:r>
+              <a:rPr lang="en-US" dirty="0"/>
+              <a:t> </a:t>
+            </a:r>
+            <a:r>
+              <a:rPr lang="en-US" dirty="0" err="1"/>
+              <a:t>na</a:t>
+            </a:r>
+            <a:r>
+              <a:rPr lang="en-US" dirty="0"/>
+              <a:t> google doc - https://docs.google.com/document/d/1TrILxSJhYKtB0-27JvE9_gCZ5uc_g2ZiCwqHR66E1cM/edit?usp=sharing</a:t>
+            </a:r>
+            <a:endParaRPr lang="hr-HR" dirty="0"/>
+          </a:p>
+        </p:txBody>
+      </p:sp>
+      <p:pic>
+        <p:nvPicPr>
+          <p:cNvPr id="3" name="Picture 2">
+            <a:extLst>
+              <a:ext uri="{FF2B5EF4-FFF2-40B4-BE49-F238E27FC236}">
+                <a16:creationId xmlns:a16="http://schemas.microsoft.com/office/drawing/2014/main" id="{2A41B238-A77C-A4C0-8543-8E8DB6CACA89}"/>
+              </a:ext>
+            </a:extLst>
+          </p:cNvPr>
+          <p:cNvPicPr>
+            <a:picLocks noChangeAspect="1"/>
+          </p:cNvPicPr>
+          <p:nvPr/>
+        </p:nvPicPr>
+        <p:blipFill>
+          <a:blip r:embed="rId3"/>
+          <a:stretch>
+            <a:fillRect/>
+          </a:stretch>
+        </p:blipFill>
+        <p:spPr>
+          <a:xfrm>
+            <a:off x="4658279" y="2482531"/>
+            <a:ext cx="2875442" cy="2933800"/>
+          </a:xfrm>
+          <a:prstGeom prst="rect">
+            <a:avLst/>
+          </a:prstGeom>
+        </p:spPr>
+      </p:pic>
+    </p:spTree>
+    <p:extLst>
+      <p:ext uri="{BB962C8B-B14F-4D97-AF65-F5344CB8AC3E}">
+        <p14:creationId xmlns:p14="http://schemas.microsoft.com/office/powerpoint/2010/main" val="58372144"/>
+      </p:ext>
+    </p:extLst>
+  </p:cSld>
+  <p:clrMapOvr>
+    <a:masterClrMapping/>
+  </p:clrMapOvr>
+</p:sld>
+</file>
+
+<file path=ppt/slides/slide25.xml><?xml version="1.0" encoding="utf-8"?>
+<p:sld xmlns:a="http://schemas.openxmlformats.org/drawingml/2006/main" xmlns:r="http://schemas.openxmlformats.org/officeDocument/2006/relationships" xmlns:p="http://schemas.openxmlformats.org/presentationml/2006/main">
+  <p:cSld>
+    <p:spTree>
+      <p:nvGrpSpPr>
+        <p:cNvPr id="1" name="">
+          <a:extLst>
+            <a:ext uri="{FF2B5EF4-FFF2-40B4-BE49-F238E27FC236}">
+              <a16:creationId xmlns:a16="http://schemas.microsoft.com/office/drawing/2014/main" id="{D8C7ECDC-5CB5-18B4-46C8-CFF88E1B6788}"/>
+            </a:ext>
+          </a:extLst>
+        </p:cNvPr>
+        <p:cNvGrpSpPr/>
+        <p:nvPr/>
+      </p:nvGrpSpPr>
+      <p:grpSpPr>
+        <a:xfrm>
+          <a:off x="0" y="0"/>
+          <a:ext cx="0" cy="0"/>
+          <a:chOff x="0" y="0"/>
+          <a:chExt cx="0" cy="0"/>
+        </a:xfrm>
+      </p:grpSpPr>
+      <p:sp>
+        <p:nvSpPr>
+          <p:cNvPr id="2" name="Title 1">
+            <a:extLst>
+              <a:ext uri="{FF2B5EF4-FFF2-40B4-BE49-F238E27FC236}">
+                <a16:creationId xmlns:a16="http://schemas.microsoft.com/office/drawing/2014/main" id="{EAE0285B-37C7-F70F-3CC6-A5FDAF400339}"/>
+              </a:ext>
+            </a:extLst>
+          </p:cNvPr>
+          <p:cNvSpPr>
+            <a:spLocks noGrp="1"/>
+          </p:cNvSpPr>
+          <p:nvPr>
+            <p:ph type="title"/>
+          </p:nvPr>
+        </p:nvSpPr>
+        <p:spPr>
+          <a:xfrm>
+            <a:off x="839788" y="987424"/>
+            <a:ext cx="3932237" cy="676276"/>
+          </a:xfrm>
+        </p:spPr>
+        <p:txBody>
+          <a:bodyPr/>
+          <a:lstStyle/>
+          <a:p>
+            <a:r>
+              <a:rPr lang="en-US" dirty="0"/>
+              <a:t>VJE</a:t>
+            </a:r>
+            <a:r>
+              <a:rPr lang="hr-HR" dirty="0"/>
+              <a:t>ž</a:t>
+            </a:r>
+            <a:r>
+              <a:rPr lang="en-US" dirty="0" err="1"/>
+              <a:t>ba</a:t>
+            </a:r>
+            <a:endParaRPr lang="hr-HR" dirty="0"/>
+          </a:p>
+        </p:txBody>
+      </p:sp>
+      <p:sp>
+        <p:nvSpPr>
+          <p:cNvPr id="6" name="Text Placeholder 5">
+            <a:extLst>
+              <a:ext uri="{FF2B5EF4-FFF2-40B4-BE49-F238E27FC236}">
+                <a16:creationId xmlns:a16="http://schemas.microsoft.com/office/drawing/2014/main" id="{93E3498D-39CC-B24D-7D6F-486F78C775F2}"/>
+              </a:ext>
+            </a:extLst>
+          </p:cNvPr>
+          <p:cNvSpPr>
+            <a:spLocks noGrp="1"/>
+          </p:cNvSpPr>
+          <p:nvPr>
+            <p:ph type="body" sz="half" idx="2"/>
+          </p:nvPr>
+        </p:nvSpPr>
+        <p:spPr>
+          <a:xfrm>
+            <a:off x="839788" y="1752600"/>
+            <a:ext cx="3932237" cy="4711700"/>
+          </a:xfrm>
+        </p:spPr>
+        <p:txBody>
+          <a:bodyPr>
+            <a:normAutofit/>
+          </a:bodyPr>
+          <a:lstStyle/>
+          <a:p>
+            <a:r>
+              <a:rPr lang="en-US" dirty="0"/>
+              <a:t>1. </a:t>
+            </a:r>
+            <a:r>
+              <a:rPr lang="en-US" dirty="0" err="1"/>
+              <a:t>Napravi</a:t>
+            </a:r>
+            <a:r>
+              <a:rPr lang="en-US" dirty="0"/>
+              <a:t> </a:t>
+            </a:r>
+            <a:r>
+              <a:rPr lang="en-US" dirty="0" err="1"/>
+              <a:t>Header.jsx</a:t>
+            </a:r>
+            <a:r>
+              <a:rPr lang="en-US" dirty="0"/>
+              <a:t> </a:t>
+            </a:r>
+            <a:r>
+              <a:rPr lang="en-US" dirty="0" err="1"/>
+              <a:t>komponentu</a:t>
+            </a:r>
+            <a:r>
+              <a:rPr lang="en-US" dirty="0"/>
+              <a:t> </a:t>
+            </a:r>
+            <a:r>
+              <a:rPr lang="en-US" dirty="0" err="1"/>
+              <a:t>koja</a:t>
+            </a:r>
+            <a:r>
+              <a:rPr lang="en-US" dirty="0"/>
+              <a:t> </a:t>
+            </a:r>
+            <a:r>
+              <a:rPr lang="en-US" dirty="0" err="1"/>
+              <a:t>prikazuje</a:t>
+            </a:r>
+            <a:r>
+              <a:rPr lang="en-US" dirty="0"/>
+              <a:t> &lt;header&gt; element</a:t>
+            </a:r>
+          </a:p>
+          <a:p>
+            <a:pPr marL="342900" indent="-342900">
+              <a:buAutoNum type="arabicPeriod"/>
+            </a:pPr>
+            <a:endParaRPr lang="en-US" dirty="0"/>
+          </a:p>
+          <a:p>
+            <a:r>
+              <a:rPr lang="en-US" dirty="0"/>
+              <a:t>2. </a:t>
+            </a:r>
+            <a:r>
+              <a:rPr lang="en-US" dirty="0" err="1"/>
+              <a:t>Napravi</a:t>
+            </a:r>
+            <a:r>
+              <a:rPr lang="en-US" dirty="0"/>
+              <a:t> </a:t>
+            </a:r>
+            <a:r>
+              <a:rPr lang="en-US" dirty="0" err="1"/>
+              <a:t>Footer.jsx</a:t>
+            </a:r>
+            <a:r>
+              <a:rPr lang="en-US" dirty="0"/>
+              <a:t> </a:t>
+            </a:r>
+            <a:r>
+              <a:rPr lang="en-US" dirty="0" err="1"/>
+              <a:t>komponentu</a:t>
+            </a:r>
+            <a:r>
+              <a:rPr lang="en-US" dirty="0"/>
+              <a:t> </a:t>
+            </a:r>
+            <a:r>
+              <a:rPr lang="en-US" dirty="0" err="1"/>
+              <a:t>koja</a:t>
+            </a:r>
+            <a:r>
+              <a:rPr lang="en-US" dirty="0"/>
+              <a:t> </a:t>
+            </a:r>
+            <a:r>
+              <a:rPr lang="en-US" dirty="0" err="1"/>
+              <a:t>prikazuje</a:t>
+            </a:r>
+            <a:r>
+              <a:rPr lang="en-US" dirty="0"/>
+              <a:t> &lt;footer&gt; element</a:t>
+            </a:r>
+          </a:p>
+          <a:p>
+            <a:pPr marL="342900" indent="-342900">
+              <a:buAutoNum type="arabicPeriod"/>
+            </a:pPr>
+            <a:endParaRPr lang="en-US" dirty="0"/>
+          </a:p>
+          <a:p>
+            <a:r>
+              <a:rPr lang="en-US" dirty="0"/>
+              <a:t>3. </a:t>
+            </a:r>
+            <a:r>
+              <a:rPr lang="en-US" dirty="0" err="1"/>
+              <a:t>Napravi</a:t>
+            </a:r>
+            <a:r>
+              <a:rPr lang="en-US" dirty="0"/>
+              <a:t> </a:t>
+            </a:r>
+            <a:r>
+              <a:rPr lang="en-US" dirty="0" err="1"/>
+              <a:t>Note.jsx</a:t>
+            </a:r>
+            <a:r>
+              <a:rPr lang="en-US" dirty="0"/>
+              <a:t> </a:t>
+            </a:r>
+            <a:r>
+              <a:rPr lang="en-US" dirty="0" err="1"/>
+              <a:t>komponentu</a:t>
+            </a:r>
+            <a:r>
+              <a:rPr lang="en-US" dirty="0"/>
+              <a:t> </a:t>
+            </a:r>
+            <a:r>
+              <a:rPr lang="en-US" dirty="0" err="1"/>
+              <a:t>koja</a:t>
+            </a:r>
+            <a:r>
+              <a:rPr lang="en-US" dirty="0"/>
+              <a:t> </a:t>
+            </a:r>
+            <a:r>
+              <a:rPr lang="en-US" dirty="0" err="1"/>
+              <a:t>prikazuje</a:t>
+            </a:r>
+            <a:r>
+              <a:rPr lang="en-US" dirty="0"/>
+              <a:t> &lt;div&gt; element </a:t>
+            </a:r>
+            <a:r>
+              <a:rPr lang="en-US" dirty="0" err="1"/>
+              <a:t>sa</a:t>
+            </a:r>
+            <a:r>
+              <a:rPr lang="en-US" dirty="0"/>
+              <a:t> &lt;h1&gt; I &lt;p&gt; </a:t>
+            </a:r>
+            <a:r>
+              <a:rPr lang="en-US" dirty="0" err="1"/>
+              <a:t>elementom</a:t>
+            </a:r>
+            <a:r>
+              <a:rPr lang="en-US" dirty="0"/>
+              <a:t>.</a:t>
+            </a:r>
+          </a:p>
+          <a:p>
+            <a:pPr marL="342900" indent="-342900">
+              <a:buAutoNum type="arabicPeriod"/>
+            </a:pPr>
+            <a:endParaRPr lang="en-US" dirty="0"/>
+          </a:p>
+          <a:p>
+            <a:r>
+              <a:rPr lang="en-US" dirty="0"/>
+              <a:t>https://w00gz.csb.app/</a:t>
+            </a:r>
+          </a:p>
+          <a:p>
+            <a:pPr marL="342900" indent="-342900">
+              <a:buAutoNum type="arabicPeriod"/>
+            </a:pPr>
+            <a:endParaRPr lang="hr-HR" dirty="0"/>
+          </a:p>
+        </p:txBody>
+      </p:sp>
+      <p:pic>
+        <p:nvPicPr>
+          <p:cNvPr id="5" name="Picture 4">
+            <a:extLst>
+              <a:ext uri="{FF2B5EF4-FFF2-40B4-BE49-F238E27FC236}">
+                <a16:creationId xmlns:a16="http://schemas.microsoft.com/office/drawing/2014/main" id="{525216F8-0D75-6435-C3F6-E89568742FA1}"/>
+              </a:ext>
+            </a:extLst>
+          </p:cNvPr>
+          <p:cNvPicPr>
+            <a:picLocks noChangeAspect="1"/>
+          </p:cNvPicPr>
+          <p:nvPr/>
+        </p:nvPicPr>
+        <p:blipFill>
+          <a:blip r:embed="rId3"/>
+          <a:stretch>
+            <a:fillRect/>
+          </a:stretch>
+        </p:blipFill>
+        <p:spPr>
+          <a:xfrm>
+            <a:off x="5984295" y="1132367"/>
+            <a:ext cx="5505267" cy="4035056"/>
+          </a:xfrm>
+          <a:prstGeom prst="rect">
+            <a:avLst/>
+          </a:prstGeom>
+        </p:spPr>
+      </p:pic>
+    </p:spTree>
+    <p:extLst>
+      <p:ext uri="{BB962C8B-B14F-4D97-AF65-F5344CB8AC3E}">
+        <p14:creationId xmlns:p14="http://schemas.microsoft.com/office/powerpoint/2010/main" val="448973651"/>
+      </p:ext>
+    </p:extLst>
+  </p:cSld>
+  <p:clrMapOvr>
+    <a:masterClrMapping/>
+  </p:clrMapOvr>
+</p:sld>
+</file>
+
+<file path=ppt/slides/slide26.xml><?xml version="1.0" encoding="utf-8"?>
+<p:sld xmlns:a="http://schemas.openxmlformats.org/drawingml/2006/main" xmlns:r="http://schemas.openxmlformats.org/officeDocument/2006/relationships" xmlns:p="http://schemas.openxmlformats.org/presentationml/2006/main">
+  <p:cSld>
+    <p:spTree>
+      <p:nvGrpSpPr>
+        <p:cNvPr id="1" name=""/>
+        <p:cNvGrpSpPr/>
+        <p:nvPr/>
+      </p:nvGrpSpPr>
+      <p:grpSpPr>
+        <a:xfrm>
+          <a:off x="0" y="0"/>
+          <a:ext cx="0" cy="0"/>
+          <a:chOff x="0" y="0"/>
+          <a:chExt cx="0" cy="0"/>
+        </a:xfrm>
+      </p:grpSpPr>
+      <p:sp>
+        <p:nvSpPr>
+          <p:cNvPr id="9" name="Title 1">
+            <a:extLst>
+              <a:ext uri="{FF2B5EF4-FFF2-40B4-BE49-F238E27FC236}">
+                <a16:creationId xmlns:a16="http://schemas.microsoft.com/office/drawing/2014/main" id="{790829E5-EBA7-C886-B214-68BC0C03E7DD}"/>
+              </a:ext>
+            </a:extLst>
+          </p:cNvPr>
+          <p:cNvSpPr>
+            <a:spLocks noGrp="1"/>
+          </p:cNvSpPr>
+          <p:nvPr>
+            <p:ph type="ctrTitle"/>
+          </p:nvPr>
+        </p:nvSpPr>
+        <p:spPr>
+          <a:xfrm>
+            <a:off x="1018954" y="929972"/>
+            <a:ext cx="9144000" cy="1013780"/>
+          </a:xfrm>
+        </p:spPr>
+        <p:txBody>
+          <a:bodyPr/>
+          <a:lstStyle/>
+          <a:p>
+            <a:pPr algn="ctr"/>
+            <a:r>
+              <a:rPr lang="en-US" dirty="0"/>
+              <a:t>ZAVR</a:t>
+            </a:r>
+            <a:r>
+              <a:rPr lang="hr-HR" dirty="0"/>
+              <a:t>š</a:t>
+            </a:r>
+            <a:r>
+              <a:rPr lang="en-US" dirty="0"/>
+              <a:t>NA VJE</a:t>
+            </a:r>
+            <a:r>
+              <a:rPr lang="hr-HR" dirty="0"/>
+              <a:t>ž</a:t>
+            </a:r>
+            <a:r>
+              <a:rPr lang="en-US" dirty="0" err="1"/>
+              <a:t>ba</a:t>
+            </a:r>
+            <a:endParaRPr lang="hr-HR" dirty="0"/>
+          </a:p>
+        </p:txBody>
+      </p:sp>
+      <p:sp>
+        <p:nvSpPr>
+          <p:cNvPr id="10" name="Text Placeholder 5">
+            <a:extLst>
+              <a:ext uri="{FF2B5EF4-FFF2-40B4-BE49-F238E27FC236}">
+                <a16:creationId xmlns:a16="http://schemas.microsoft.com/office/drawing/2014/main" id="{5B54BBB0-24C3-34EA-BD12-D41BA8DAB951}"/>
+              </a:ext>
+            </a:extLst>
+          </p:cNvPr>
+          <p:cNvSpPr>
+            <a:spLocks noGrp="1"/>
+          </p:cNvSpPr>
+          <p:nvPr>
+            <p:ph type="subTitle" idx="1"/>
+          </p:nvPr>
+        </p:nvSpPr>
+        <p:spPr>
+          <a:xfrm>
+            <a:off x="1061483" y="2213231"/>
+            <a:ext cx="9144000" cy="1492216"/>
+          </a:xfrm>
+        </p:spPr>
+        <p:txBody>
+          <a:bodyPr>
+            <a:noAutofit/>
+          </a:bodyPr>
+          <a:lstStyle/>
+          <a:p>
+            <a:r>
+              <a:rPr lang="hr-HR" sz="1200" b="1" dirty="0"/>
+              <a:t>Zadatak: </a:t>
+            </a:r>
+            <a:r>
+              <a:rPr lang="en-US" sz="1200" b="1" dirty="0" err="1"/>
+              <a:t>dodajte</a:t>
+            </a:r>
+            <a:r>
+              <a:rPr lang="en-US" sz="1200" b="1" dirty="0"/>
+              <a:t> </a:t>
+            </a:r>
+            <a:r>
+              <a:rPr lang="en-US" sz="1200" b="1" dirty="0" err="1"/>
+              <a:t>interaktivnost</a:t>
+            </a:r>
+            <a:r>
+              <a:rPr lang="en-US" sz="1200" b="1" dirty="0"/>
+              <a:t> </a:t>
+            </a:r>
+            <a:r>
+              <a:rPr lang="en-US" sz="1200" b="1" dirty="0" err="1"/>
+              <a:t>svom</a:t>
+            </a:r>
+            <a:r>
+              <a:rPr lang="en-US" sz="1200" b="1" dirty="0"/>
+              <a:t> video </a:t>
+            </a:r>
+            <a:r>
+              <a:rPr lang="en-US" sz="1200" b="1" dirty="0" err="1"/>
+              <a:t>klub</a:t>
+            </a:r>
+            <a:r>
+              <a:rPr lang="en-US" sz="1200" b="1" dirty="0"/>
+              <a:t> </a:t>
+            </a:r>
+            <a:r>
+              <a:rPr lang="en-US" sz="1200" b="1" dirty="0" err="1"/>
+              <a:t>sajtu</a:t>
+            </a:r>
+            <a:endParaRPr lang="hr-HR" sz="1200" b="1" dirty="0"/>
+          </a:p>
+          <a:p>
+            <a:r>
+              <a:rPr lang="hr-HR" sz="1200" b="1" dirty="0"/>
+              <a:t>Cilj:</a:t>
+            </a:r>
+            <a:endParaRPr lang="hr-HR" sz="1200" dirty="0"/>
+          </a:p>
+          <a:p>
+            <a:pPr>
+              <a:buFont typeface="Arial" panose="020B0604020202020204" pitchFamily="34" charset="0"/>
+              <a:buChar char="•"/>
+            </a:pPr>
+            <a:r>
+              <a:rPr lang="en-US" sz="1200" dirty="0"/>
+              <a:t>- </a:t>
+            </a:r>
+            <a:r>
+              <a:rPr lang="en-US" sz="1200" dirty="0" err="1"/>
+              <a:t>dodati</a:t>
+            </a:r>
+            <a:r>
+              <a:rPr lang="en-US" sz="1200" dirty="0"/>
+              <a:t> </a:t>
+            </a:r>
+            <a:r>
+              <a:rPr lang="en-US" sz="1200" dirty="0" err="1"/>
+              <a:t>funkcinalnost</a:t>
+            </a:r>
+            <a:r>
+              <a:rPr lang="en-US" sz="1200" dirty="0"/>
+              <a:t> </a:t>
+            </a:r>
+            <a:r>
+              <a:rPr lang="en-US" sz="1200" dirty="0" err="1"/>
+              <a:t>na</a:t>
+            </a:r>
+            <a:r>
+              <a:rPr lang="en-US" sz="1200" dirty="0"/>
+              <a:t> </a:t>
+            </a:r>
+            <a:r>
+              <a:rPr lang="en-US" sz="1200" dirty="0" err="1"/>
+              <a:t>klik</a:t>
+            </a:r>
+            <a:r>
+              <a:rPr lang="en-US" sz="1200" dirty="0"/>
+              <a:t> </a:t>
+            </a:r>
+            <a:r>
+              <a:rPr lang="en-US" sz="1200" dirty="0" err="1"/>
+              <a:t>kategorije</a:t>
+            </a:r>
+            <a:r>
+              <a:rPr lang="en-US" sz="1200" dirty="0"/>
+              <a:t> da </a:t>
+            </a:r>
+            <a:r>
+              <a:rPr lang="en-US" sz="1200" dirty="0" err="1"/>
+              <a:t>izadje</a:t>
+            </a:r>
+            <a:r>
+              <a:rPr lang="en-US" sz="1200" dirty="0"/>
+              <a:t> </a:t>
+            </a:r>
+            <a:r>
+              <a:rPr lang="en-US" sz="1200" dirty="0" err="1"/>
+              <a:t>padajuci</a:t>
+            </a:r>
+            <a:r>
+              <a:rPr lang="en-US" sz="1200" dirty="0"/>
+              <a:t> </a:t>
+            </a:r>
+            <a:r>
+              <a:rPr lang="en-US" sz="1200" dirty="0" err="1"/>
+              <a:t>meni</a:t>
+            </a:r>
+            <a:endParaRPr lang="en-US" sz="1200" dirty="0"/>
+          </a:p>
+        </p:txBody>
+      </p:sp>
+    </p:spTree>
+    <p:extLst>
+      <p:ext uri="{BB962C8B-B14F-4D97-AF65-F5344CB8AC3E}">
+        <p14:creationId xmlns:p14="http://schemas.microsoft.com/office/powerpoint/2010/main" val="3533409194"/>
       </p:ext>
     </p:extLst>
   </p:cSld>
@@ -19160,17 +21786,6 @@
 </file>
 
 <file path=customXml/item1.xml><?xml version="1.0" encoding="utf-8"?>
-<p:properties xmlns:p="http://schemas.microsoft.com/office/2006/metadata/properties" xmlns:xsi="http://www.w3.org/2001/XMLSchema-instance" xmlns:pc="http://schemas.microsoft.com/office/infopath/2007/PartnerControls">
-  <documentManagement>
-    <lcf76f155ced4ddcb4097134ff3c332f xmlns="40806f44-bc4a-4ea4-b660-c6da93f8f179">
-      <Terms xmlns="http://schemas.microsoft.com/office/infopath/2007/PartnerControls"/>
-    </lcf76f155ced4ddcb4097134ff3c332f>
-    <TaxCatchAll xmlns="758d0d8f-b783-4c78-ab73-9740c97b97cf" xsi:nil="true"/>
-  </documentManagement>
-</p:properties>
-</file>
-
-<file path=customXml/item2.xml><?xml version="1.0" encoding="utf-8"?>
 <ct:contentTypeSchema xmlns:ct="http://schemas.microsoft.com/office/2006/metadata/contentType" xmlns:ma="http://schemas.microsoft.com/office/2006/metadata/properties/metaAttributes" ct:_="" ma:_="" ma:contentTypeName="Document" ma:contentTypeID="0x010100E4F55D9EF0BF0A44B819E681FCAC00B7" ma:contentTypeVersion="12" ma:contentTypeDescription="Create a new document." ma:contentTypeScope="" ma:versionID="068ce121a7a7a0aebcb89dd601c4f0a2">
   <xsd:schema xmlns:xsd="http://www.w3.org/2001/XMLSchema" xmlns:xs="http://www.w3.org/2001/XMLSchema" xmlns:p="http://schemas.microsoft.com/office/2006/metadata/properties" xmlns:ns2="40806f44-bc4a-4ea4-b660-c6da93f8f179" xmlns:ns3="758d0d8f-b783-4c78-ab73-9740c97b97cf" targetNamespace="http://schemas.microsoft.com/office/2006/metadata/properties" ma:root="true" ma:fieldsID="67c58e6c5c8ea9af0822acd84d25e1a2" ns2:_="" ns3:_="">
     <xsd:import namespace="40806f44-bc4a-4ea4-b660-c6da93f8f179"/>
@@ -19387,6 +22002,17 @@
 </ct:contentTypeSchema>
 </file>
 
+<file path=customXml/item2.xml><?xml version="1.0" encoding="utf-8"?>
+<p:properties xmlns:p="http://schemas.microsoft.com/office/2006/metadata/properties" xmlns:xsi="http://www.w3.org/2001/XMLSchema-instance" xmlns:pc="http://schemas.microsoft.com/office/infopath/2007/PartnerControls">
+  <documentManagement>
+    <lcf76f155ced4ddcb4097134ff3c332f xmlns="40806f44-bc4a-4ea4-b660-c6da93f8f179">
+      <Terms xmlns="http://schemas.microsoft.com/office/infopath/2007/PartnerControls"/>
+    </lcf76f155ced4ddcb4097134ff3c332f>
+    <TaxCatchAll xmlns="758d0d8f-b783-4c78-ab73-9740c97b97cf" xsi:nil="true"/>
+  </documentManagement>
+</p:properties>
+</file>
+
 <file path=customXml/item3.xml><?xml version="1.0" encoding="utf-8"?>
 <?mso-contentType ?>
 <FormTemplates xmlns="http://schemas.microsoft.com/sharepoint/v3/contenttype/forms">
@@ -19397,23 +22023,6 @@
 </file>
 
 <file path=customXml/itemProps1.xml><?xml version="1.0" encoding="utf-8"?>
-<ds:datastoreItem xmlns:ds="http://schemas.openxmlformats.org/officeDocument/2006/customXml" ds:itemID="{61E72F81-8533-461E-8E71-A6D77294CFEF}">
-  <ds:schemaRefs>
-    <ds:schemaRef ds:uri="http://purl.org/dc/elements/1.1/"/>
-    <ds:schemaRef ds:uri="http://www.w3.org/XML/1998/namespace"/>
-    <ds:schemaRef ds:uri="http://purl.org/dc/terms/"/>
-    <ds:schemaRef ds:uri="http://schemas.microsoft.com/office/2006/documentManagement/types"/>
-    <ds:schemaRef ds:uri="40806f44-bc4a-4ea4-b660-c6da93f8f179"/>
-    <ds:schemaRef ds:uri="http://schemas.openxmlformats.org/package/2006/metadata/core-properties"/>
-    <ds:schemaRef ds:uri="http://purl.org/dc/dcmitype/"/>
-    <ds:schemaRef ds:uri="http://schemas.microsoft.com/office/infopath/2007/PartnerControls"/>
-    <ds:schemaRef ds:uri="758d0d8f-b783-4c78-ab73-9740c97b97cf"/>
-    <ds:schemaRef ds:uri="http://schemas.microsoft.com/office/2006/metadata/properties"/>
-  </ds:schemaRefs>
-</ds:datastoreItem>
-</file>
-
-<file path=customXml/itemProps2.xml><?xml version="1.0" encoding="utf-8"?>
 <ds:datastoreItem xmlns:ds="http://schemas.openxmlformats.org/officeDocument/2006/customXml" ds:itemID="{4E6AED0F-96FF-4C7F-8AC9-672C91BFCDFE}">
   <ds:schemaRefs>
     <ds:schemaRef ds:uri="http://schemas.microsoft.com/office/2006/metadata/contentType"/>
@@ -19432,6 +22041,23 @@
 </ds:datastoreItem>
 </file>
 
+<file path=customXml/itemProps2.xml><?xml version="1.0" encoding="utf-8"?>
+<ds:datastoreItem xmlns:ds="http://schemas.openxmlformats.org/officeDocument/2006/customXml" ds:itemID="{61E72F81-8533-461E-8E71-A6D77294CFEF}">
+  <ds:schemaRefs>
+    <ds:schemaRef ds:uri="http://purl.org/dc/elements/1.1/"/>
+    <ds:schemaRef ds:uri="http://www.w3.org/XML/1998/namespace"/>
+    <ds:schemaRef ds:uri="http://purl.org/dc/terms/"/>
+    <ds:schemaRef ds:uri="http://schemas.microsoft.com/office/2006/documentManagement/types"/>
+    <ds:schemaRef ds:uri="40806f44-bc4a-4ea4-b660-c6da93f8f179"/>
+    <ds:schemaRef ds:uri="http://schemas.openxmlformats.org/package/2006/metadata/core-properties"/>
+    <ds:schemaRef ds:uri="http://purl.org/dc/dcmitype/"/>
+    <ds:schemaRef ds:uri="http://schemas.microsoft.com/office/infopath/2007/PartnerControls"/>
+    <ds:schemaRef ds:uri="758d0d8f-b783-4c78-ab73-9740c97b97cf"/>
+    <ds:schemaRef ds:uri="http://schemas.microsoft.com/office/2006/metadata/properties"/>
+  </ds:schemaRefs>
+</ds:datastoreItem>
+</file>
+
 <file path=customXml/itemProps3.xml><?xml version="1.0" encoding="utf-8"?>
 <ds:datastoreItem xmlns:ds="http://schemas.openxmlformats.org/officeDocument/2006/customXml" ds:itemID="{46915D30-CAA6-465E-907F-1770D4E3B01D}">
   <ds:schemaRefs>
